--- a/Presentation.pptx
+++ b/Presentation.pptx
@@ -2,8 +2,8 @@
 <file path=ppt/presentation.xml><?xml version="1.0" encoding="utf-8"?>
 <p:presentation xmlns:a="http://schemas.openxmlformats.org/drawingml/2006/main" xmlns:r="http://schemas.openxmlformats.org/officeDocument/2006/relationships" xmlns:mc="http://schemas.openxmlformats.org/markup-compatibility/2006" xmlns:mv="urn:schemas-microsoft-com:mac:vml" xmlns:p="http://schemas.openxmlformats.org/presentationml/2006/main" xmlns:c="http://schemas.openxmlformats.org/drawingml/2006/chart" xmlns:dgm="http://schemas.openxmlformats.org/drawingml/2006/diagram" xmlns:o="urn:schemas-microsoft-com:office:office" xmlns:v="urn:schemas-microsoft-com:vml" xmlns:pvml="urn:schemas-microsoft-com:office:powerpoint" xmlns:com="http://schemas.openxmlformats.org/drawingml/2006/compatibility" xmlns:p14="http://schemas.microsoft.com/office/powerpoint/2010/main" xmlns:p15="http://schemas.microsoft.com/office/powerpoint/2012/main" xmlns:ahyp="http://schemas.microsoft.com/office/drawing/2018/hyperlinkcolor" autoCompressPictures="0" embedTrueTypeFonts="1" strictFirstAndLastChars="0" saveSubsetFonts="1">
   <p:sldMasterIdLst>
-    <p:sldMasterId id="2147483673" r:id="rId4"/>
-    <p:sldMasterId id="2147483674" r:id="rId5"/>
+    <p:sldMasterId id="2147483674" r:id="rId4"/>
+    <p:sldMasterId id="2147483675" r:id="rId5"/>
   </p:sldMasterIdLst>
   <p:notesMasterIdLst>
     <p:notesMasterId r:id="rId6"/>
@@ -40,33 +40,34 @@
     <p:sldId id="284" r:id="rId35"/>
     <p:sldId id="285" r:id="rId36"/>
     <p:sldId id="286" r:id="rId37"/>
+    <p:sldId id="287" r:id="rId38"/>
   </p:sldIdLst>
   <p:sldSz cy="10287000" cx="18288000"/>
   <p:notesSz cx="6858000" cy="9144000"/>
   <p:embeddedFontLst>
     <p:embeddedFont>
       <p:font typeface="Proxima Nova"/>
-      <p:regular r:id="rId38"/>
-      <p:bold r:id="rId39"/>
-      <p:italic r:id="rId40"/>
-      <p:boldItalic r:id="rId41"/>
+      <p:regular r:id="rId39"/>
+      <p:bold r:id="rId40"/>
+      <p:italic r:id="rId41"/>
+      <p:boldItalic r:id="rId42"/>
     </p:embeddedFont>
     <p:embeddedFont>
       <p:font typeface="Proxima Nova Extrabold"/>
-      <p:bold r:id="rId42"/>
+      <p:bold r:id="rId43"/>
     </p:embeddedFont>
     <p:embeddedFont>
       <p:font typeface="Proxima Nova Semibold"/>
-      <p:regular r:id="rId43"/>
-      <p:bold r:id="rId44"/>
-      <p:boldItalic r:id="rId45"/>
+      <p:regular r:id="rId44"/>
+      <p:bold r:id="rId45"/>
+      <p:boldItalic r:id="rId46"/>
     </p:embeddedFont>
     <p:embeddedFont>
       <p:font typeface="Helvetica Neue"/>
-      <p:regular r:id="rId46"/>
-      <p:bold r:id="rId47"/>
-      <p:italic r:id="rId48"/>
-      <p:boldItalic r:id="rId49"/>
+      <p:regular r:id="rId47"/>
+      <p:bold r:id="rId48"/>
+      <p:italic r:id="rId49"/>
+      <p:boldItalic r:id="rId50"/>
     </p:embeddedFont>
   </p:embeddedFontLst>
   <p:defaultTextStyle>
@@ -788,7 +789,7 @@
   <p:cSld>
     <p:spTree>
       <p:nvGrpSpPr>
-        <p:cNvPr id="101" name="Shape 101"/>
+        <p:cNvPr id="104" name="Shape 104"/>
         <p:cNvGrpSpPr/>
         <p:nvPr/>
       </p:nvGrpSpPr>
@@ -802,7 +803,7 @@
       </p:grpSpPr>
       <p:sp>
         <p:nvSpPr>
-          <p:cNvPr id="102" name="Google Shape;102;g2d290de53b1_0_219:notes"/>
+          <p:cNvPr id="105" name="Google Shape;105;g2d290de53b1_0_219:notes"/>
           <p:cNvSpPr txBox="1"/>
           <p:nvPr>
             <p:ph idx="1" type="body"/>
@@ -841,7 +842,7 @@
       </p:sp>
       <p:sp>
         <p:nvSpPr>
-          <p:cNvPr id="103" name="Google Shape;103;g2d290de53b1_0_219:notes"/>
+          <p:cNvPr id="106" name="Google Shape;106;g2d290de53b1_0_219:notes"/>
           <p:cNvSpPr/>
           <p:nvPr>
             <p:ph idx="2" type="sldImg"/>
@@ -887,7 +888,7 @@
   <p:cSld>
     <p:spTree>
       <p:nvGrpSpPr>
-        <p:cNvPr id="195" name="Shape 195"/>
+        <p:cNvPr id="198" name="Shape 198"/>
         <p:cNvGrpSpPr/>
         <p:nvPr/>
       </p:nvGrpSpPr>
@@ -901,7 +902,7 @@
       </p:grpSpPr>
       <p:sp>
         <p:nvSpPr>
-          <p:cNvPr id="196" name="Google Shape;196;g2d290de53b1_0_455:notes"/>
+          <p:cNvPr id="199" name="Google Shape;199;g2d290de53b1_0_455:notes"/>
           <p:cNvSpPr/>
           <p:nvPr>
             <p:ph idx="2" type="sldImg"/>
@@ -936,7 +937,7 @@
       </p:sp>
       <p:sp>
         <p:nvSpPr>
-          <p:cNvPr id="197" name="Google Shape;197;g2d290de53b1_0_455:notes"/>
+          <p:cNvPr id="200" name="Google Shape;200;g2d290de53b1_0_455:notes"/>
           <p:cNvSpPr txBox="1"/>
           <p:nvPr>
             <p:ph idx="1" type="body"/>
@@ -986,7 +987,7 @@
   <p:cSld>
     <p:spTree>
       <p:nvGrpSpPr>
-        <p:cNvPr id="204" name="Shape 204"/>
+        <p:cNvPr id="207" name="Shape 207"/>
         <p:cNvGrpSpPr/>
         <p:nvPr/>
       </p:nvGrpSpPr>
@@ -1000,7 +1001,7 @@
       </p:grpSpPr>
       <p:sp>
         <p:nvSpPr>
-          <p:cNvPr id="205" name="Google Shape;205;g2d290de53b1_0_0:notes"/>
+          <p:cNvPr id="208" name="Google Shape;208;g2d290de53b1_0_0:notes"/>
           <p:cNvSpPr/>
           <p:nvPr>
             <p:ph idx="2" type="sldImg"/>
@@ -1035,7 +1036,7 @@
       </p:sp>
       <p:sp>
         <p:nvSpPr>
-          <p:cNvPr id="206" name="Google Shape;206;g2d290de53b1_0_0:notes"/>
+          <p:cNvPr id="209" name="Google Shape;209;g2d290de53b1_0_0:notes"/>
           <p:cNvSpPr txBox="1"/>
           <p:nvPr>
             <p:ph idx="1" type="body"/>
@@ -1085,7 +1086,7 @@
   <p:cSld>
     <p:spTree>
       <p:nvGrpSpPr>
-        <p:cNvPr id="213" name="Shape 213"/>
+        <p:cNvPr id="216" name="Shape 216"/>
         <p:cNvGrpSpPr/>
         <p:nvPr/>
       </p:nvGrpSpPr>
@@ -1099,7 +1100,7 @@
       </p:grpSpPr>
       <p:sp>
         <p:nvSpPr>
-          <p:cNvPr id="214" name="Google Shape;214;g2d290de53b1_0_517:notes"/>
+          <p:cNvPr id="217" name="Google Shape;217;g2d290de53b1_0_517:notes"/>
           <p:cNvSpPr/>
           <p:nvPr>
             <p:ph idx="2" type="sldImg"/>
@@ -1134,7 +1135,7 @@
       </p:sp>
       <p:sp>
         <p:nvSpPr>
-          <p:cNvPr id="215" name="Google Shape;215;g2d290de53b1_0_517:notes"/>
+          <p:cNvPr id="218" name="Google Shape;218;g2d290de53b1_0_517:notes"/>
           <p:cNvSpPr txBox="1"/>
           <p:nvPr>
             <p:ph idx="1" type="body"/>
@@ -1184,7 +1185,7 @@
   <p:cSld>
     <p:spTree>
       <p:nvGrpSpPr>
-        <p:cNvPr id="222" name="Shape 222"/>
+        <p:cNvPr id="225" name="Shape 225"/>
         <p:cNvGrpSpPr/>
         <p:nvPr/>
       </p:nvGrpSpPr>
@@ -1198,7 +1199,7 @@
       </p:grpSpPr>
       <p:sp>
         <p:nvSpPr>
-          <p:cNvPr id="223" name="Google Shape;223;g2d290de53b1_0_17:notes"/>
+          <p:cNvPr id="226" name="Google Shape;226;g2d290de53b1_0_17:notes"/>
           <p:cNvSpPr/>
           <p:nvPr>
             <p:ph idx="2" type="sldImg"/>
@@ -1233,7 +1234,7 @@
       </p:sp>
       <p:sp>
         <p:nvSpPr>
-          <p:cNvPr id="224" name="Google Shape;224;g2d290de53b1_0_17:notes"/>
+          <p:cNvPr id="227" name="Google Shape;227;g2d290de53b1_0_17:notes"/>
           <p:cNvSpPr txBox="1"/>
           <p:nvPr>
             <p:ph idx="1" type="body"/>
@@ -1283,7 +1284,7 @@
   <p:cSld>
     <p:spTree>
       <p:nvGrpSpPr>
-        <p:cNvPr id="231" name="Shape 231"/>
+        <p:cNvPr id="234" name="Shape 234"/>
         <p:cNvGrpSpPr/>
         <p:nvPr/>
       </p:nvGrpSpPr>
@@ -1297,7 +1298,7 @@
       </p:grpSpPr>
       <p:sp>
         <p:nvSpPr>
-          <p:cNvPr id="232" name="Google Shape;232;g2d290de53b1_0_525:notes"/>
+          <p:cNvPr id="235" name="Google Shape;235;g2d290de53b1_0_525:notes"/>
           <p:cNvSpPr/>
           <p:nvPr>
             <p:ph idx="2" type="sldImg"/>
@@ -1332,7 +1333,7 @@
       </p:sp>
       <p:sp>
         <p:nvSpPr>
-          <p:cNvPr id="233" name="Google Shape;233;g2d290de53b1_0_525:notes"/>
+          <p:cNvPr id="236" name="Google Shape;236;g2d290de53b1_0_525:notes"/>
           <p:cNvSpPr txBox="1"/>
           <p:nvPr>
             <p:ph idx="1" type="body"/>
@@ -1382,7 +1383,7 @@
   <p:cSld>
     <p:spTree>
       <p:nvGrpSpPr>
-        <p:cNvPr id="240" name="Shape 240"/>
+        <p:cNvPr id="243" name="Shape 243"/>
         <p:cNvGrpSpPr/>
         <p:nvPr/>
       </p:nvGrpSpPr>
@@ -1396,7 +1397,7 @@
       </p:grpSpPr>
       <p:sp>
         <p:nvSpPr>
-          <p:cNvPr id="241" name="Google Shape;241;g2d290de53b1_0_28:notes"/>
+          <p:cNvPr id="244" name="Google Shape;244;g2d290de53b1_0_28:notes"/>
           <p:cNvSpPr/>
           <p:nvPr>
             <p:ph idx="2" type="sldImg"/>
@@ -1431,7 +1432,7 @@
       </p:sp>
       <p:sp>
         <p:nvSpPr>
-          <p:cNvPr id="242" name="Google Shape;242;g2d290de53b1_0_28:notes"/>
+          <p:cNvPr id="245" name="Google Shape;245;g2d290de53b1_0_28:notes"/>
           <p:cNvSpPr txBox="1"/>
           <p:nvPr>
             <p:ph idx="1" type="body"/>
@@ -1481,7 +1482,7 @@
   <p:cSld>
     <p:spTree>
       <p:nvGrpSpPr>
-        <p:cNvPr id="249" name="Shape 249"/>
+        <p:cNvPr id="252" name="Shape 252"/>
         <p:cNvGrpSpPr/>
         <p:nvPr/>
       </p:nvGrpSpPr>
@@ -1495,7 +1496,7 @@
       </p:grpSpPr>
       <p:sp>
         <p:nvSpPr>
-          <p:cNvPr id="250" name="Google Shape;250;g2d290de53b1_0_533:notes"/>
+          <p:cNvPr id="253" name="Google Shape;253;g2d290de53b1_0_533:notes"/>
           <p:cNvSpPr/>
           <p:nvPr>
             <p:ph idx="2" type="sldImg"/>
@@ -1530,7 +1531,7 @@
       </p:sp>
       <p:sp>
         <p:nvSpPr>
-          <p:cNvPr id="251" name="Google Shape;251;g2d290de53b1_0_533:notes"/>
+          <p:cNvPr id="254" name="Google Shape;254;g2d290de53b1_0_533:notes"/>
           <p:cNvSpPr txBox="1"/>
           <p:nvPr>
             <p:ph idx="1" type="body"/>
@@ -1580,7 +1581,7 @@
   <p:cSld>
     <p:spTree>
       <p:nvGrpSpPr>
-        <p:cNvPr id="258" name="Shape 258"/>
+        <p:cNvPr id="261" name="Shape 261"/>
         <p:cNvGrpSpPr/>
         <p:nvPr/>
       </p:nvGrpSpPr>
@@ -1594,7 +1595,7 @@
       </p:grpSpPr>
       <p:sp>
         <p:nvSpPr>
-          <p:cNvPr id="259" name="Google Shape;259;g2d290de53b1_0_39:notes"/>
+          <p:cNvPr id="262" name="Google Shape;262;g2d290de53b1_0_39:notes"/>
           <p:cNvSpPr/>
           <p:nvPr>
             <p:ph idx="2" type="sldImg"/>
@@ -1629,7 +1630,7 @@
       </p:sp>
       <p:sp>
         <p:nvSpPr>
-          <p:cNvPr id="260" name="Google Shape;260;g2d290de53b1_0_39:notes"/>
+          <p:cNvPr id="263" name="Google Shape;263;g2d290de53b1_0_39:notes"/>
           <p:cNvSpPr txBox="1"/>
           <p:nvPr>
             <p:ph idx="1" type="body"/>
@@ -1679,7 +1680,7 @@
   <p:cSld>
     <p:spTree>
       <p:nvGrpSpPr>
-        <p:cNvPr id="267" name="Shape 267"/>
+        <p:cNvPr id="270" name="Shape 270"/>
         <p:cNvGrpSpPr/>
         <p:nvPr/>
       </p:nvGrpSpPr>
@@ -1693,7 +1694,7 @@
       </p:grpSpPr>
       <p:sp>
         <p:nvSpPr>
-          <p:cNvPr id="268" name="Google Shape;268;g2d290de53b1_0_541:notes"/>
+          <p:cNvPr id="271" name="Google Shape;271;g2d290de53b1_0_541:notes"/>
           <p:cNvSpPr/>
           <p:nvPr>
             <p:ph idx="2" type="sldImg"/>
@@ -1728,7 +1729,7 @@
       </p:sp>
       <p:sp>
         <p:nvSpPr>
-          <p:cNvPr id="269" name="Google Shape;269;g2d290de53b1_0_541:notes"/>
+          <p:cNvPr id="272" name="Google Shape;272;g2d290de53b1_0_541:notes"/>
           <p:cNvSpPr txBox="1"/>
           <p:nvPr>
             <p:ph idx="1" type="body"/>
@@ -1778,7 +1779,7 @@
   <p:cSld>
     <p:spTree>
       <p:nvGrpSpPr>
-        <p:cNvPr id="276" name="Shape 276"/>
+        <p:cNvPr id="279" name="Shape 279"/>
         <p:cNvGrpSpPr/>
         <p:nvPr/>
       </p:nvGrpSpPr>
@@ -1792,7 +1793,7 @@
       </p:grpSpPr>
       <p:sp>
         <p:nvSpPr>
-          <p:cNvPr id="277" name="Google Shape;277;g2d290de53b1_0_50:notes"/>
+          <p:cNvPr id="280" name="Google Shape;280;g2d290de53b1_0_50:notes"/>
           <p:cNvSpPr/>
           <p:nvPr>
             <p:ph idx="2" type="sldImg"/>
@@ -1827,7 +1828,7 @@
       </p:sp>
       <p:sp>
         <p:nvSpPr>
-          <p:cNvPr id="278" name="Google Shape;278;g2d290de53b1_0_50:notes"/>
+          <p:cNvPr id="281" name="Google Shape;281;g2d290de53b1_0_50:notes"/>
           <p:cNvSpPr txBox="1"/>
           <p:nvPr>
             <p:ph idx="1" type="body"/>
@@ -1877,7 +1878,7 @@
   <p:cSld>
     <p:spTree>
       <p:nvGrpSpPr>
-        <p:cNvPr id="109" name="Shape 109"/>
+        <p:cNvPr id="112" name="Shape 112"/>
         <p:cNvGrpSpPr/>
         <p:nvPr/>
       </p:nvGrpSpPr>
@@ -1891,7 +1892,7 @@
       </p:grpSpPr>
       <p:sp>
         <p:nvSpPr>
-          <p:cNvPr id="110" name="Google Shape;110;g2d290de53b1_0_277:notes"/>
+          <p:cNvPr id="113" name="Google Shape;113;g2d290de53b1_0_277:notes"/>
           <p:cNvSpPr txBox="1"/>
           <p:nvPr>
             <p:ph idx="1" type="body"/>
@@ -1930,7 +1931,7 @@
       </p:sp>
       <p:sp>
         <p:nvSpPr>
-          <p:cNvPr id="111" name="Google Shape;111;g2d290de53b1_0_277:notes"/>
+          <p:cNvPr id="114" name="Google Shape;114;g2d290de53b1_0_277:notes"/>
           <p:cNvSpPr/>
           <p:nvPr>
             <p:ph idx="2" type="sldImg"/>
@@ -1976,7 +1977,7 @@
   <p:cSld>
     <p:spTree>
       <p:nvGrpSpPr>
-        <p:cNvPr id="285" name="Shape 285"/>
+        <p:cNvPr id="288" name="Shape 288"/>
         <p:cNvGrpSpPr/>
         <p:nvPr/>
       </p:nvGrpSpPr>
@@ -1990,7 +1991,7 @@
       </p:grpSpPr>
       <p:sp>
         <p:nvSpPr>
-          <p:cNvPr id="286" name="Google Shape;286;g2d290de53b1_0_549:notes"/>
+          <p:cNvPr id="289" name="Google Shape;289;g2d290de53b1_0_549:notes"/>
           <p:cNvSpPr/>
           <p:nvPr>
             <p:ph idx="2" type="sldImg"/>
@@ -2025,7 +2026,7 @@
       </p:sp>
       <p:sp>
         <p:nvSpPr>
-          <p:cNvPr id="287" name="Google Shape;287;g2d290de53b1_0_549:notes"/>
+          <p:cNvPr id="290" name="Google Shape;290;g2d290de53b1_0_549:notes"/>
           <p:cNvSpPr txBox="1"/>
           <p:nvPr>
             <p:ph idx="1" type="body"/>
@@ -2075,7 +2076,7 @@
   <p:cSld>
     <p:spTree>
       <p:nvGrpSpPr>
-        <p:cNvPr id="294" name="Shape 294"/>
+        <p:cNvPr id="297" name="Shape 297"/>
         <p:cNvGrpSpPr/>
         <p:nvPr/>
       </p:nvGrpSpPr>
@@ -2089,7 +2090,7 @@
       </p:grpSpPr>
       <p:sp>
         <p:nvSpPr>
-          <p:cNvPr id="295" name="Google Shape;295;g2d290de53b1_0_61:notes"/>
+          <p:cNvPr id="298" name="Google Shape;298;g2d290de53b1_0_61:notes"/>
           <p:cNvSpPr/>
           <p:nvPr>
             <p:ph idx="2" type="sldImg"/>
@@ -2124,7 +2125,7 @@
       </p:sp>
       <p:sp>
         <p:nvSpPr>
-          <p:cNvPr id="296" name="Google Shape;296;g2d290de53b1_0_61:notes"/>
+          <p:cNvPr id="299" name="Google Shape;299;g2d290de53b1_0_61:notes"/>
           <p:cNvSpPr txBox="1"/>
           <p:nvPr>
             <p:ph idx="1" type="body"/>
@@ -2174,7 +2175,7 @@
   <p:cSld>
     <p:spTree>
       <p:nvGrpSpPr>
-        <p:cNvPr id="303" name="Shape 303"/>
+        <p:cNvPr id="306" name="Shape 306"/>
         <p:cNvGrpSpPr/>
         <p:nvPr/>
       </p:nvGrpSpPr>
@@ -2188,7 +2189,7 @@
       </p:grpSpPr>
       <p:sp>
         <p:nvSpPr>
-          <p:cNvPr id="304" name="Google Shape;304;g2d290de53b1_0_557:notes"/>
+          <p:cNvPr id="307" name="Google Shape;307;g2d290de53b1_0_557:notes"/>
           <p:cNvSpPr/>
           <p:nvPr>
             <p:ph idx="2" type="sldImg"/>
@@ -2223,7 +2224,7 @@
       </p:sp>
       <p:sp>
         <p:nvSpPr>
-          <p:cNvPr id="305" name="Google Shape;305;g2d290de53b1_0_557:notes"/>
+          <p:cNvPr id="308" name="Google Shape;308;g2d290de53b1_0_557:notes"/>
           <p:cNvSpPr txBox="1"/>
           <p:nvPr>
             <p:ph idx="1" type="body"/>
@@ -2273,7 +2274,7 @@
   <p:cSld>
     <p:spTree>
       <p:nvGrpSpPr>
-        <p:cNvPr id="312" name="Shape 312"/>
+        <p:cNvPr id="315" name="Shape 315"/>
         <p:cNvGrpSpPr/>
         <p:nvPr/>
       </p:nvGrpSpPr>
@@ -2287,7 +2288,7 @@
       </p:grpSpPr>
       <p:sp>
         <p:nvSpPr>
-          <p:cNvPr id="313" name="Google Shape;313;g2d290de53b1_0_72:notes"/>
+          <p:cNvPr id="316" name="Google Shape;316;g2d290de53b1_0_72:notes"/>
           <p:cNvSpPr/>
           <p:nvPr>
             <p:ph idx="2" type="sldImg"/>
@@ -2322,7 +2323,7 @@
       </p:sp>
       <p:sp>
         <p:nvSpPr>
-          <p:cNvPr id="314" name="Google Shape;314;g2d290de53b1_0_72:notes"/>
+          <p:cNvPr id="317" name="Google Shape;317;g2d290de53b1_0_72:notes"/>
           <p:cNvSpPr txBox="1"/>
           <p:nvPr>
             <p:ph idx="1" type="body"/>
@@ -2372,7 +2373,7 @@
   <p:cSld>
     <p:spTree>
       <p:nvGrpSpPr>
-        <p:cNvPr id="321" name="Shape 321"/>
+        <p:cNvPr id="324" name="Shape 324"/>
         <p:cNvGrpSpPr/>
         <p:nvPr/>
       </p:nvGrpSpPr>
@@ -2386,7 +2387,7 @@
       </p:grpSpPr>
       <p:sp>
         <p:nvSpPr>
-          <p:cNvPr id="322" name="Google Shape;322;g2d290de53b1_0_565:notes"/>
+          <p:cNvPr id="325" name="Google Shape;325;g2d290de53b1_0_565:notes"/>
           <p:cNvSpPr/>
           <p:nvPr>
             <p:ph idx="2" type="sldImg"/>
@@ -2421,7 +2422,7 @@
       </p:sp>
       <p:sp>
         <p:nvSpPr>
-          <p:cNvPr id="323" name="Google Shape;323;g2d290de53b1_0_565:notes"/>
+          <p:cNvPr id="326" name="Google Shape;326;g2d290de53b1_0_565:notes"/>
           <p:cNvSpPr txBox="1"/>
           <p:nvPr>
             <p:ph idx="1" type="body"/>
@@ -2471,7 +2472,7 @@
   <p:cSld>
     <p:spTree>
       <p:nvGrpSpPr>
-        <p:cNvPr id="330" name="Shape 330"/>
+        <p:cNvPr id="333" name="Shape 333"/>
         <p:cNvGrpSpPr/>
         <p:nvPr/>
       </p:nvGrpSpPr>
@@ -2485,7 +2486,7 @@
       </p:grpSpPr>
       <p:sp>
         <p:nvSpPr>
-          <p:cNvPr id="331" name="Google Shape;331;g2d290de53b1_0_83:notes"/>
+          <p:cNvPr id="334" name="Google Shape;334;g2d290de53b1_0_83:notes"/>
           <p:cNvSpPr/>
           <p:nvPr>
             <p:ph idx="2" type="sldImg"/>
@@ -2520,7 +2521,7 @@
       </p:sp>
       <p:sp>
         <p:nvSpPr>
-          <p:cNvPr id="332" name="Google Shape;332;g2d290de53b1_0_83:notes"/>
+          <p:cNvPr id="335" name="Google Shape;335;g2d290de53b1_0_83:notes"/>
           <p:cNvSpPr txBox="1"/>
           <p:nvPr>
             <p:ph idx="1" type="body"/>
@@ -2570,7 +2571,7 @@
   <p:cSld>
     <p:spTree>
       <p:nvGrpSpPr>
-        <p:cNvPr id="339" name="Shape 339"/>
+        <p:cNvPr id="342" name="Shape 342"/>
         <p:cNvGrpSpPr/>
         <p:nvPr/>
       </p:nvGrpSpPr>
@@ -2584,7 +2585,7 @@
       </p:grpSpPr>
       <p:sp>
         <p:nvSpPr>
-          <p:cNvPr id="340" name="Google Shape;340;g2d290de53b1_0_953:notes"/>
+          <p:cNvPr id="343" name="Google Shape;343;g2d290de53b1_0_953:notes"/>
           <p:cNvSpPr/>
           <p:nvPr>
             <p:ph idx="2" type="sldImg"/>
@@ -2619,7 +2620,7 @@
       </p:sp>
       <p:sp>
         <p:nvSpPr>
-          <p:cNvPr id="341" name="Google Shape;341;g2d290de53b1_0_953:notes"/>
+          <p:cNvPr id="344" name="Google Shape;344;g2d290de53b1_0_953:notes"/>
           <p:cNvSpPr txBox="1"/>
           <p:nvPr>
             <p:ph idx="1" type="body"/>
@@ -2669,7 +2670,7 @@
   <p:cSld>
     <p:spTree>
       <p:nvGrpSpPr>
-        <p:cNvPr id="348" name="Shape 348"/>
+        <p:cNvPr id="351" name="Shape 351"/>
         <p:cNvGrpSpPr/>
         <p:nvPr/>
       </p:nvGrpSpPr>
@@ -2683,7 +2684,7 @@
       </p:grpSpPr>
       <p:sp>
         <p:nvSpPr>
-          <p:cNvPr id="349" name="Google Shape;349;g2d290de53b1_0_961:notes"/>
+          <p:cNvPr id="352" name="Google Shape;352;g2d290de53b1_0_961:notes"/>
           <p:cNvSpPr/>
           <p:nvPr>
             <p:ph idx="2" type="sldImg"/>
@@ -2718,7 +2719,7 @@
       </p:sp>
       <p:sp>
         <p:nvSpPr>
-          <p:cNvPr id="350" name="Google Shape;350;g2d290de53b1_0_961:notes"/>
+          <p:cNvPr id="353" name="Google Shape;353;g2d290de53b1_0_961:notes"/>
           <p:cNvSpPr txBox="1"/>
           <p:nvPr>
             <p:ph idx="1" type="body"/>
@@ -2768,7 +2769,7 @@
   <p:cSld>
     <p:spTree>
       <p:nvGrpSpPr>
-        <p:cNvPr id="357" name="Shape 357"/>
+        <p:cNvPr id="360" name="Shape 360"/>
         <p:cNvGrpSpPr/>
         <p:nvPr/>
       </p:nvGrpSpPr>
@@ -2782,7 +2783,7 @@
       </p:grpSpPr>
       <p:sp>
         <p:nvSpPr>
-          <p:cNvPr id="358" name="Google Shape;358;g2d290de53b1_0_814:notes"/>
+          <p:cNvPr id="361" name="Google Shape;361;g2d290de53b1_0_814:notes"/>
           <p:cNvSpPr txBox="1"/>
           <p:nvPr>
             <p:ph idx="1" type="body"/>
@@ -2821,7 +2822,7 @@
       </p:sp>
       <p:sp>
         <p:nvSpPr>
-          <p:cNvPr id="359" name="Google Shape;359;g2d290de53b1_0_814:notes"/>
+          <p:cNvPr id="362" name="Google Shape;362;g2d290de53b1_0_814:notes"/>
           <p:cNvSpPr/>
           <p:nvPr>
             <p:ph idx="2" type="sldImg"/>
@@ -2867,7 +2868,7 @@
   <p:cSld>
     <p:spTree>
       <p:nvGrpSpPr>
-        <p:cNvPr id="367" name="Shape 367"/>
+        <p:cNvPr id="370" name="Shape 370"/>
         <p:cNvGrpSpPr/>
         <p:nvPr/>
       </p:nvGrpSpPr>
@@ -2881,7 +2882,7 @@
       </p:grpSpPr>
       <p:sp>
         <p:nvSpPr>
-          <p:cNvPr id="368" name="Google Shape;368;g2d290de53b1_0_823:notes"/>
+          <p:cNvPr id="371" name="Google Shape;371;g2d290de53b1_0_823:notes"/>
           <p:cNvSpPr txBox="1"/>
           <p:nvPr>
             <p:ph idx="1" type="body"/>
@@ -2920,7 +2921,7 @@
       </p:sp>
       <p:sp>
         <p:nvSpPr>
-          <p:cNvPr id="369" name="Google Shape;369;g2d290de53b1_0_823:notes"/>
+          <p:cNvPr id="372" name="Google Shape;372;g2d290de53b1_0_823:notes"/>
           <p:cNvSpPr/>
           <p:nvPr>
             <p:ph idx="2" type="sldImg"/>
@@ -2966,7 +2967,7 @@
   <p:cSld>
     <p:spTree>
       <p:nvGrpSpPr>
-        <p:cNvPr id="121" name="Shape 121"/>
+        <p:cNvPr id="124" name="Shape 124"/>
         <p:cNvGrpSpPr/>
         <p:nvPr/>
       </p:nvGrpSpPr>
@@ -2980,7 +2981,7 @@
       </p:grpSpPr>
       <p:sp>
         <p:nvSpPr>
-          <p:cNvPr id="122" name="Google Shape;122;g2d290de53b1_0_338:notes"/>
+          <p:cNvPr id="125" name="Google Shape;125;g2d290de53b1_0_338:notes"/>
           <p:cNvSpPr txBox="1"/>
           <p:nvPr>
             <p:ph idx="1" type="body"/>
@@ -3019,7 +3020,7 @@
       </p:sp>
       <p:sp>
         <p:nvSpPr>
-          <p:cNvPr id="123" name="Google Shape;123;g2d290de53b1_0_338:notes"/>
+          <p:cNvPr id="126" name="Google Shape;126;g2d290de53b1_0_338:notes"/>
           <p:cNvSpPr/>
           <p:nvPr>
             <p:ph idx="2" type="sldImg"/>
@@ -3065,7 +3066,7 @@
   <p:cSld>
     <p:spTree>
       <p:nvGrpSpPr>
-        <p:cNvPr id="380" name="Shape 380"/>
+        <p:cNvPr id="383" name="Shape 383"/>
         <p:cNvGrpSpPr/>
         <p:nvPr/>
       </p:nvGrpSpPr>
@@ -3079,7 +3080,7 @@
       </p:grpSpPr>
       <p:sp>
         <p:nvSpPr>
-          <p:cNvPr id="381" name="Google Shape;381;g2d290de53b1_0_748:notes"/>
+          <p:cNvPr id="384" name="Google Shape;384;g2d290de53b1_0_748:notes"/>
           <p:cNvSpPr txBox="1"/>
           <p:nvPr>
             <p:ph idx="1" type="body"/>
@@ -3118,7 +3119,7 @@
       </p:sp>
       <p:sp>
         <p:nvSpPr>
-          <p:cNvPr id="382" name="Google Shape;382;g2d290de53b1_0_748:notes"/>
+          <p:cNvPr id="385" name="Google Shape;385;g2d290de53b1_0_748:notes"/>
           <p:cNvSpPr/>
           <p:nvPr>
             <p:ph idx="2" type="sldImg"/>
@@ -3164,7 +3165,7 @@
   <p:cSld>
     <p:spTree>
       <p:nvGrpSpPr>
-        <p:cNvPr id="387" name="Shape 387"/>
+        <p:cNvPr id="390" name="Shape 390"/>
         <p:cNvGrpSpPr/>
         <p:nvPr/>
       </p:nvGrpSpPr>
@@ -3178,7 +3179,7 @@
       </p:grpSpPr>
       <p:sp>
         <p:nvSpPr>
-          <p:cNvPr id="388" name="Google Shape;388;g2d290de53b1_0_979:notes"/>
+          <p:cNvPr id="391" name="Google Shape;391;g2d290de53b1_0_979:notes"/>
           <p:cNvSpPr/>
           <p:nvPr>
             <p:ph idx="2" type="sldImg"/>
@@ -3213,7 +3214,7 @@
       </p:sp>
       <p:sp>
         <p:nvSpPr>
-          <p:cNvPr id="389" name="Google Shape;389;g2d290de53b1_0_979:notes"/>
+          <p:cNvPr id="392" name="Google Shape;392;g2d290de53b1_0_979:notes"/>
           <p:cNvSpPr txBox="1"/>
           <p:nvPr>
             <p:ph idx="1" type="body"/>
@@ -3258,12 +3259,12 @@
 </p:notes>
 </file>
 
-<file path=ppt/notesSlides/notesSlide4.xml><?xml version="1.0" encoding="utf-8"?>
+<file path=ppt/notesSlides/notesSlide32.xml><?xml version="1.0" encoding="utf-8"?>
 <p:notes xmlns:a="http://schemas.openxmlformats.org/drawingml/2006/main" xmlns:r="http://schemas.openxmlformats.org/officeDocument/2006/relationships" xmlns:mc="http://schemas.openxmlformats.org/markup-compatibility/2006" xmlns:mv="urn:schemas-microsoft-com:mac:vml" xmlns:p="http://schemas.openxmlformats.org/presentationml/2006/main" xmlns:c="http://schemas.openxmlformats.org/drawingml/2006/chart" xmlns:dgm="http://schemas.openxmlformats.org/drawingml/2006/diagram" xmlns:o="urn:schemas-microsoft-com:office:office" xmlns:v="urn:schemas-microsoft-com:vml" xmlns:pvml="urn:schemas-microsoft-com:office:powerpoint" xmlns:com="http://schemas.openxmlformats.org/drawingml/2006/compatibility" xmlns:p14="http://schemas.microsoft.com/office/powerpoint/2010/main" xmlns:p15="http://schemas.microsoft.com/office/powerpoint/2012/main" xmlns:ahyp="http://schemas.microsoft.com/office/drawing/2018/hyperlinkcolor" showMasterPhAnim="0" showMasterSp="0">
   <p:cSld>
     <p:spTree>
       <p:nvGrpSpPr>
-        <p:cNvPr id="137" name="Shape 137"/>
+        <p:cNvPr id="400" name="Shape 400"/>
         <p:cNvGrpSpPr/>
         <p:nvPr/>
       </p:nvGrpSpPr>
@@ -3277,7 +3278,54 @@
       </p:grpSpPr>
       <p:sp>
         <p:nvSpPr>
-          <p:cNvPr id="138" name="Google Shape;138;g2d290de53b1_2_0:notes"/>
+          <p:cNvPr id="401" name="Google Shape;401;g1ff737c5ad4_0_3:notes"/>
+          <p:cNvSpPr txBox="1"/>
+          <p:nvPr>
+            <p:ph idx="1" type="body"/>
+          </p:nvPr>
+        </p:nvSpPr>
+        <p:spPr>
+          <a:xfrm>
+            <a:off x="685800" y="4343400"/>
+            <a:ext cx="5486400" cy="4114800"/>
+          </a:xfrm>
+          <a:prstGeom prst="rect">
+            <a:avLst/>
+          </a:prstGeom>
+          <a:noFill/>
+          <a:ln>
+            <a:noFill/>
+          </a:ln>
+        </p:spPr>
+        <p:txBody>
+          <a:bodyPr anchorCtr="0" anchor="t" bIns="45700" lIns="91425" spcFirstLastPara="1" rIns="91425" wrap="square" tIns="45700">
+            <a:noAutofit/>
+          </a:bodyPr>
+          <a:lstStyle/>
+          <a:p>
+            <a:pPr indent="0" lvl="0" marL="0" rtl="0" algn="l">
+              <a:lnSpc>
+                <a:spcPct val="100000"/>
+              </a:lnSpc>
+              <a:spcBef>
+                <a:spcPts val="0"/>
+              </a:spcBef>
+              <a:spcAft>
+                <a:spcPts val="0"/>
+              </a:spcAft>
+              <a:buSzPts val="1400"/>
+              <a:buNone/>
+            </a:pPr>
+            <a:r>
+              <a:t/>
+            </a:r>
+            <a:endParaRPr/>
+          </a:p>
+        </p:txBody>
+      </p:sp>
+      <p:sp>
+        <p:nvSpPr>
+          <p:cNvPr id="402" name="Google Shape;402;g1ff737c5ad4_0_3:notes"/>
           <p:cNvSpPr/>
           <p:nvPr>
             <p:ph idx="2" type="sldImg"/>
@@ -3285,7 +3333,7 @@
         </p:nvSpPr>
         <p:spPr>
           <a:xfrm>
-            <a:off x="381300" y="685800"/>
+            <a:off x="381000" y="685800"/>
             <a:ext cx="6096000" cy="3429000"/>
           </a:xfrm>
           <a:custGeom>
@@ -3308,11 +3356,81 @@
               </a:path>
             </a:pathLst>
           </a:custGeom>
+          <a:noFill/>
+          <a:ln cap="flat" cmpd="sng" w="12700">
+            <a:solidFill>
+              <a:srgbClr val="000000"/>
+            </a:solidFill>
+            <a:prstDash val="solid"/>
+            <a:miter lim="800000"/>
+            <a:headEnd len="sm" w="sm" type="none"/>
+            <a:tailEnd len="sm" w="sm" type="none"/>
+          </a:ln>
+        </p:spPr>
+      </p:sp>
+    </p:spTree>
+  </p:cSld>
+  <p:clrMapOvr>
+    <a:masterClrMapping/>
+  </p:clrMapOvr>
+</p:notes>
+</file>
+
+<file path=ppt/notesSlides/notesSlide4.xml><?xml version="1.0" encoding="utf-8"?>
+<p:notes xmlns:a="http://schemas.openxmlformats.org/drawingml/2006/main" xmlns:r="http://schemas.openxmlformats.org/officeDocument/2006/relationships" xmlns:mc="http://schemas.openxmlformats.org/markup-compatibility/2006" xmlns:mv="urn:schemas-microsoft-com:mac:vml" xmlns:p="http://schemas.openxmlformats.org/presentationml/2006/main" xmlns:c="http://schemas.openxmlformats.org/drawingml/2006/chart" xmlns:dgm="http://schemas.openxmlformats.org/drawingml/2006/diagram" xmlns:o="urn:schemas-microsoft-com:office:office" xmlns:v="urn:schemas-microsoft-com:vml" xmlns:pvml="urn:schemas-microsoft-com:office:powerpoint" xmlns:com="http://schemas.openxmlformats.org/drawingml/2006/compatibility" xmlns:p14="http://schemas.microsoft.com/office/powerpoint/2010/main" xmlns:p15="http://schemas.microsoft.com/office/powerpoint/2012/main" xmlns:ahyp="http://schemas.microsoft.com/office/drawing/2018/hyperlinkcolor" showMasterPhAnim="0" showMasterSp="0">
+  <p:cSld>
+    <p:spTree>
+      <p:nvGrpSpPr>
+        <p:cNvPr id="140" name="Shape 140"/>
+        <p:cNvGrpSpPr/>
+        <p:nvPr/>
+      </p:nvGrpSpPr>
+      <p:grpSpPr>
+        <a:xfrm>
+          <a:off x="0" y="0"/>
+          <a:ext cx="0" cy="0"/>
+          <a:chOff x="0" y="0"/>
+          <a:chExt cx="0" cy="0"/>
+        </a:xfrm>
+      </p:grpSpPr>
+      <p:sp>
+        <p:nvSpPr>
+          <p:cNvPr id="141" name="Google Shape;141;g2d290de53b1_2_0:notes"/>
+          <p:cNvSpPr/>
+          <p:nvPr>
+            <p:ph idx="2" type="sldImg"/>
+          </p:nvPr>
+        </p:nvSpPr>
+        <p:spPr>
+          <a:xfrm>
+            <a:off x="381300" y="685800"/>
+            <a:ext cx="6096000" cy="3429000"/>
+          </a:xfrm>
+          <a:custGeom>
+            <a:rect b="b" l="l" r="r" t="t"/>
+            <a:pathLst>
+              <a:path extrusionOk="0" h="120000" w="120000">
+                <a:moveTo>
+                  <a:pt x="0" y="0"/>
+                </a:moveTo>
+                <a:lnTo>
+                  <a:pt x="120000" y="0"/>
+                </a:lnTo>
+                <a:lnTo>
+                  <a:pt x="120000" y="120000"/>
+                </a:lnTo>
+                <a:lnTo>
+                  <a:pt x="0" y="120000"/>
+                </a:lnTo>
+                <a:close/>
+              </a:path>
+            </a:pathLst>
+          </a:custGeom>
         </p:spPr>
       </p:sp>
       <p:sp>
         <p:nvSpPr>
-          <p:cNvPr id="139" name="Google Shape;139;g2d290de53b1_2_0:notes"/>
+          <p:cNvPr id="142" name="Google Shape;142;g2d290de53b1_2_0:notes"/>
           <p:cNvSpPr txBox="1"/>
           <p:nvPr>
             <p:ph idx="1" type="body"/>
@@ -3393,7 +3511,7 @@
   <p:cSld>
     <p:spTree>
       <p:nvGrpSpPr>
-        <p:cNvPr id="144" name="Shape 144"/>
+        <p:cNvPr id="147" name="Shape 147"/>
         <p:cNvGrpSpPr/>
         <p:nvPr/>
       </p:nvGrpSpPr>
@@ -3407,7 +3525,7 @@
       </p:grpSpPr>
       <p:sp>
         <p:nvSpPr>
-          <p:cNvPr id="145" name="Google Shape;145;g2d290de53b1_0_200:notes"/>
+          <p:cNvPr id="148" name="Google Shape;148;g2d290de53b1_0_200:notes"/>
           <p:cNvSpPr/>
           <p:nvPr>
             <p:ph idx="2" type="sldImg"/>
@@ -3442,7 +3560,7 @@
       </p:sp>
       <p:sp>
         <p:nvSpPr>
-          <p:cNvPr id="146" name="Google Shape;146;g2d290de53b1_0_200:notes"/>
+          <p:cNvPr id="149" name="Google Shape;149;g2d290de53b1_0_200:notes"/>
           <p:cNvSpPr txBox="1"/>
           <p:nvPr>
             <p:ph idx="1" type="body"/>
@@ -3492,7 +3610,7 @@
   <p:cSld>
     <p:spTree>
       <p:nvGrpSpPr>
-        <p:cNvPr id="155" name="Shape 155"/>
+        <p:cNvPr id="158" name="Shape 158"/>
         <p:cNvGrpSpPr/>
         <p:nvPr/>
       </p:nvGrpSpPr>
@@ -3506,7 +3624,7 @@
       </p:grpSpPr>
       <p:sp>
         <p:nvSpPr>
-          <p:cNvPr id="156" name="Google Shape;156;g2d290de53b1_0_632:notes"/>
+          <p:cNvPr id="159" name="Google Shape;159;g2d290de53b1_0_632:notes"/>
           <p:cNvSpPr/>
           <p:nvPr>
             <p:ph idx="2" type="sldImg"/>
@@ -3541,7 +3659,7 @@
       </p:sp>
       <p:sp>
         <p:nvSpPr>
-          <p:cNvPr id="157" name="Google Shape;157;g2d290de53b1_0_632:notes"/>
+          <p:cNvPr id="160" name="Google Shape;160;g2d290de53b1_0_632:notes"/>
           <p:cNvSpPr txBox="1"/>
           <p:nvPr>
             <p:ph idx="1" type="body"/>
@@ -3591,7 +3709,7 @@
   <p:cSld>
     <p:spTree>
       <p:nvGrpSpPr>
-        <p:cNvPr id="164" name="Shape 164"/>
+        <p:cNvPr id="167" name="Shape 167"/>
         <p:cNvGrpSpPr/>
         <p:nvPr/>
       </p:nvGrpSpPr>
@@ -3605,7 +3723,7 @@
       </p:grpSpPr>
       <p:sp>
         <p:nvSpPr>
-          <p:cNvPr id="165" name="Google Shape;165;g2d290de53b1_0_971:notes"/>
+          <p:cNvPr id="168" name="Google Shape;168;g2d290de53b1_0_971:notes"/>
           <p:cNvSpPr/>
           <p:nvPr>
             <p:ph idx="2" type="sldImg"/>
@@ -3640,7 +3758,7 @@
       </p:sp>
       <p:sp>
         <p:nvSpPr>
-          <p:cNvPr id="166" name="Google Shape;166;g2d290de53b1_0_971:notes"/>
+          <p:cNvPr id="169" name="Google Shape;169;g2d290de53b1_0_971:notes"/>
           <p:cNvSpPr txBox="1"/>
           <p:nvPr>
             <p:ph idx="1" type="body"/>
@@ -3690,7 +3808,7 @@
   <p:cSld>
     <p:spTree>
       <p:nvGrpSpPr>
-        <p:cNvPr id="173" name="Shape 173"/>
+        <p:cNvPr id="176" name="Shape 176"/>
         <p:cNvGrpSpPr/>
         <p:nvPr/>
       </p:nvGrpSpPr>
@@ -3704,7 +3822,7 @@
       </p:grpSpPr>
       <p:sp>
         <p:nvSpPr>
-          <p:cNvPr id="174" name="Google Shape;174;g2d290de53b1_0_754:notes"/>
+          <p:cNvPr id="177" name="Google Shape;177;g2d290de53b1_0_754:notes"/>
           <p:cNvSpPr txBox="1"/>
           <p:nvPr>
             <p:ph idx="1" type="body"/>
@@ -3743,7 +3861,7 @@
       </p:sp>
       <p:sp>
         <p:nvSpPr>
-          <p:cNvPr id="175" name="Google Shape;175;g2d290de53b1_0_754:notes"/>
+          <p:cNvPr id="178" name="Google Shape;178;g2d290de53b1_0_754:notes"/>
           <p:cNvSpPr/>
           <p:nvPr>
             <p:ph idx="2" type="sldImg"/>
@@ -3789,7 +3907,7 @@
   <p:cSld>
     <p:spTree>
       <p:nvGrpSpPr>
-        <p:cNvPr id="183" name="Shape 183"/>
+        <p:cNvPr id="186" name="Shape 186"/>
         <p:cNvGrpSpPr/>
         <p:nvPr/>
       </p:nvGrpSpPr>
@@ -3803,7 +3921,7 @@
       </p:grpSpPr>
       <p:sp>
         <p:nvSpPr>
-          <p:cNvPr id="184" name="Google Shape;184;g2d290de53b1_0_886:notes"/>
+          <p:cNvPr id="187" name="Google Shape;187;g2d290de53b1_0_886:notes"/>
           <p:cNvSpPr txBox="1"/>
           <p:nvPr>
             <p:ph idx="1" type="body"/>
@@ -3842,7 +3960,7 @@
       </p:sp>
       <p:sp>
         <p:nvSpPr>
-          <p:cNvPr id="185" name="Google Shape;185;g2d290de53b1_0_886:notes"/>
+          <p:cNvPr id="188" name="Google Shape;188;g2d290de53b1_0_886:notes"/>
           <p:cNvSpPr/>
           <p:nvPr>
             <p:ph idx="2" type="sldImg"/>
@@ -4721,11 +4839,11 @@
 </file>
 
 <file path=ppt/slideLayouts/slideLayout12.xml><?xml version="1.0" encoding="utf-8"?>
-<p:sldLayout xmlns:a="http://schemas.openxmlformats.org/drawingml/2006/main" xmlns:r="http://schemas.openxmlformats.org/officeDocument/2006/relationships" xmlns:mc="http://schemas.openxmlformats.org/markup-compatibility/2006" xmlns:mv="urn:schemas-microsoft-com:mac:vml" xmlns:p="http://schemas.openxmlformats.org/presentationml/2006/main" xmlns:c="http://schemas.openxmlformats.org/drawingml/2006/chart" xmlns:dgm="http://schemas.openxmlformats.org/drawingml/2006/diagram" xmlns:o="urn:schemas-microsoft-com:office:office" xmlns:v="urn:schemas-microsoft-com:vml" xmlns:pvml="urn:schemas-microsoft-com:office:powerpoint" xmlns:com="http://schemas.openxmlformats.org/drawingml/2006/compatibility" xmlns:p14="http://schemas.microsoft.com/office/powerpoint/2010/main" xmlns:p15="http://schemas.microsoft.com/office/powerpoint/2012/main" xmlns:ahyp="http://schemas.microsoft.com/office/drawing/2018/hyperlinkcolor" matchingName="Title slide" type="title">
-  <p:cSld name="TITLE">
+<p:sldLayout xmlns:a="http://schemas.openxmlformats.org/drawingml/2006/main" xmlns:r="http://schemas.openxmlformats.org/officeDocument/2006/relationships" xmlns:mc="http://schemas.openxmlformats.org/markup-compatibility/2006" xmlns:mv="urn:schemas-microsoft-com:mac:vml" xmlns:p="http://schemas.openxmlformats.org/presentationml/2006/main" xmlns:c="http://schemas.openxmlformats.org/drawingml/2006/chart" xmlns:dgm="http://schemas.openxmlformats.org/drawingml/2006/diagram" xmlns:o="urn:schemas-microsoft-com:office:office" xmlns:v="urn:schemas-microsoft-com:vml" xmlns:pvml="urn:schemas-microsoft-com:office:powerpoint" xmlns:com="http://schemas.openxmlformats.org/drawingml/2006/compatibility" xmlns:p14="http://schemas.microsoft.com/office/powerpoint/2010/main" xmlns:p15="http://schemas.microsoft.com/office/powerpoint/2012/main" xmlns:ahyp="http://schemas.microsoft.com/office/drawing/2018/hyperlinkcolor" matchingName="Title and Content" type="obj">
+  <p:cSld name="OBJECT">
     <p:spTree>
       <p:nvGrpSpPr>
-        <p:cNvPr id="54" name="Shape 54"/>
+        <p:cNvPr id="50" name="Shape 50"/>
         <p:cNvGrpSpPr/>
         <p:nvPr/>
       </p:nvGrpSpPr>
@@ -4739,124 +4857,263 @@
       </p:grpSpPr>
       <p:sp>
         <p:nvSpPr>
-          <p:cNvPr id="55" name="Google Shape;55;p14"/>
+          <p:cNvPr id="51" name="Google Shape;51;p13"/>
           <p:cNvSpPr txBox="1"/>
           <p:nvPr>
-            <p:ph type="ctrTitle"/>
+            <p:ph type="title"/>
           </p:nvPr>
         </p:nvSpPr>
         <p:spPr>
           <a:xfrm>
-            <a:off x="623417" y="1489150"/>
-            <a:ext cx="17041200" cy="4105200"/>
-          </a:xfrm>
-          <a:prstGeom prst="rect">
-            <a:avLst/>
-          </a:prstGeom>
+            <a:off x="673579" y="229873"/>
+            <a:ext cx="16410900" cy="1091700"/>
+          </a:xfrm>
+          <a:prstGeom prst="rect">
+            <a:avLst/>
+          </a:prstGeom>
+          <a:noFill/>
+          <a:ln>
+            <a:noFill/>
+          </a:ln>
         </p:spPr>
         <p:txBody>
-          <a:bodyPr anchorCtr="0" anchor="b" bIns="182850" lIns="182850" spcFirstLastPara="1" rIns="182850" wrap="square" tIns="182850">
+          <a:bodyPr anchorCtr="0" anchor="t" bIns="182875" lIns="228600" spcFirstLastPara="1" rIns="228600" wrap="square" tIns="182875">
             <a:noAutofit/>
           </a:bodyPr>
           <a:lstStyle>
-            <a:lvl1pPr lvl="0" rtl="0" algn="ctr">
-              <a:spcBef>
-                <a:spcPts val="0"/>
-              </a:spcBef>
-              <a:spcAft>
-                <a:spcPts val="0"/>
-              </a:spcAft>
-              <a:buSzPts val="10400"/>
-              <a:buNone/>
-              <a:defRPr sz="10400"/>
+            <a:lvl1pPr lvl="0" marR="0" rtl="0" algn="l">
+              <a:lnSpc>
+                <a:spcPct val="90000"/>
+              </a:lnSpc>
+              <a:spcBef>
+                <a:spcPts val="0"/>
+              </a:spcBef>
+              <a:spcAft>
+                <a:spcPts val="0"/>
+              </a:spcAft>
+              <a:buClr>
+                <a:schemeClr val="dk1"/>
+              </a:buClr>
+              <a:buSzPts val="6000"/>
+              <a:buFont typeface="Arial"/>
+              <a:buNone/>
+              <a:defRPr b="0" i="0" sz="1800" u="none" cap="none" strike="noStrike">
+                <a:solidFill>
+                  <a:schemeClr val="dk1"/>
+                </a:solidFill>
+                <a:latin typeface="Arial"/>
+                <a:ea typeface="Arial"/>
+                <a:cs typeface="Arial"/>
+                <a:sym typeface="Arial"/>
+              </a:defRPr>
             </a:lvl1pPr>
-            <a:lvl2pPr lvl="1" rtl="0" algn="ctr">
-              <a:spcBef>
-                <a:spcPts val="0"/>
-              </a:spcBef>
-              <a:spcAft>
-                <a:spcPts val="0"/>
-              </a:spcAft>
-              <a:buSzPts val="10400"/>
-              <a:buNone/>
-              <a:defRPr sz="10400"/>
+            <a:lvl2pPr lvl="1" marR="0" rtl="0" algn="l">
+              <a:lnSpc>
+                <a:spcPct val="100000"/>
+              </a:lnSpc>
+              <a:spcBef>
+                <a:spcPts val="0"/>
+              </a:spcBef>
+              <a:spcAft>
+                <a:spcPts val="0"/>
+              </a:spcAft>
+              <a:buClr>
+                <a:srgbClr val="000000"/>
+              </a:buClr>
+              <a:buSzPts val="1800"/>
+              <a:buFont typeface="Arial"/>
+              <a:buNone/>
+              <a:defRPr b="0" i="0" sz="1800" u="none" cap="none" strike="noStrike">
+                <a:solidFill>
+                  <a:srgbClr val="000000"/>
+                </a:solidFill>
+                <a:latin typeface="Arial"/>
+                <a:ea typeface="Arial"/>
+                <a:cs typeface="Arial"/>
+                <a:sym typeface="Arial"/>
+              </a:defRPr>
             </a:lvl2pPr>
-            <a:lvl3pPr lvl="2" rtl="0" algn="ctr">
-              <a:spcBef>
-                <a:spcPts val="0"/>
-              </a:spcBef>
-              <a:spcAft>
-                <a:spcPts val="0"/>
-              </a:spcAft>
-              <a:buSzPts val="10400"/>
-              <a:buNone/>
-              <a:defRPr sz="10400"/>
+            <a:lvl3pPr lvl="2" marR="0" rtl="0" algn="l">
+              <a:lnSpc>
+                <a:spcPct val="100000"/>
+              </a:lnSpc>
+              <a:spcBef>
+                <a:spcPts val="0"/>
+              </a:spcBef>
+              <a:spcAft>
+                <a:spcPts val="0"/>
+              </a:spcAft>
+              <a:buClr>
+                <a:srgbClr val="000000"/>
+              </a:buClr>
+              <a:buSzPts val="1800"/>
+              <a:buFont typeface="Arial"/>
+              <a:buNone/>
+              <a:defRPr b="0" i="0" sz="1800" u="none" cap="none" strike="noStrike">
+                <a:solidFill>
+                  <a:srgbClr val="000000"/>
+                </a:solidFill>
+                <a:latin typeface="Arial"/>
+                <a:ea typeface="Arial"/>
+                <a:cs typeface="Arial"/>
+                <a:sym typeface="Arial"/>
+              </a:defRPr>
             </a:lvl3pPr>
-            <a:lvl4pPr lvl="3" rtl="0" algn="ctr">
-              <a:spcBef>
-                <a:spcPts val="0"/>
-              </a:spcBef>
-              <a:spcAft>
-                <a:spcPts val="0"/>
-              </a:spcAft>
-              <a:buSzPts val="10400"/>
-              <a:buNone/>
-              <a:defRPr sz="10400"/>
+            <a:lvl4pPr lvl="3" marR="0" rtl="0" algn="l">
+              <a:lnSpc>
+                <a:spcPct val="100000"/>
+              </a:lnSpc>
+              <a:spcBef>
+                <a:spcPts val="0"/>
+              </a:spcBef>
+              <a:spcAft>
+                <a:spcPts val="0"/>
+              </a:spcAft>
+              <a:buClr>
+                <a:srgbClr val="000000"/>
+              </a:buClr>
+              <a:buSzPts val="1800"/>
+              <a:buFont typeface="Arial"/>
+              <a:buNone/>
+              <a:defRPr b="0" i="0" sz="1800" u="none" cap="none" strike="noStrike">
+                <a:solidFill>
+                  <a:srgbClr val="000000"/>
+                </a:solidFill>
+                <a:latin typeface="Arial"/>
+                <a:ea typeface="Arial"/>
+                <a:cs typeface="Arial"/>
+                <a:sym typeface="Arial"/>
+              </a:defRPr>
             </a:lvl4pPr>
-            <a:lvl5pPr lvl="4" rtl="0" algn="ctr">
-              <a:spcBef>
-                <a:spcPts val="0"/>
-              </a:spcBef>
-              <a:spcAft>
-                <a:spcPts val="0"/>
-              </a:spcAft>
-              <a:buSzPts val="10400"/>
-              <a:buNone/>
-              <a:defRPr sz="10400"/>
+            <a:lvl5pPr lvl="4" marR="0" rtl="0" algn="l">
+              <a:lnSpc>
+                <a:spcPct val="100000"/>
+              </a:lnSpc>
+              <a:spcBef>
+                <a:spcPts val="0"/>
+              </a:spcBef>
+              <a:spcAft>
+                <a:spcPts val="0"/>
+              </a:spcAft>
+              <a:buClr>
+                <a:srgbClr val="000000"/>
+              </a:buClr>
+              <a:buSzPts val="1800"/>
+              <a:buFont typeface="Arial"/>
+              <a:buNone/>
+              <a:defRPr b="0" i="0" sz="1800" u="none" cap="none" strike="noStrike">
+                <a:solidFill>
+                  <a:srgbClr val="000000"/>
+                </a:solidFill>
+                <a:latin typeface="Arial"/>
+                <a:ea typeface="Arial"/>
+                <a:cs typeface="Arial"/>
+                <a:sym typeface="Arial"/>
+              </a:defRPr>
             </a:lvl5pPr>
-            <a:lvl6pPr lvl="5" rtl="0" algn="ctr">
-              <a:spcBef>
-                <a:spcPts val="0"/>
-              </a:spcBef>
-              <a:spcAft>
-                <a:spcPts val="0"/>
-              </a:spcAft>
-              <a:buSzPts val="10400"/>
-              <a:buNone/>
-              <a:defRPr sz="10400"/>
+            <a:lvl6pPr lvl="5" marR="0" rtl="0" algn="l">
+              <a:lnSpc>
+                <a:spcPct val="100000"/>
+              </a:lnSpc>
+              <a:spcBef>
+                <a:spcPts val="0"/>
+              </a:spcBef>
+              <a:spcAft>
+                <a:spcPts val="0"/>
+              </a:spcAft>
+              <a:buClr>
+                <a:srgbClr val="000000"/>
+              </a:buClr>
+              <a:buSzPts val="1800"/>
+              <a:buFont typeface="Arial"/>
+              <a:buNone/>
+              <a:defRPr b="0" i="0" sz="1800" u="none" cap="none" strike="noStrike">
+                <a:solidFill>
+                  <a:srgbClr val="000000"/>
+                </a:solidFill>
+                <a:latin typeface="Arial"/>
+                <a:ea typeface="Arial"/>
+                <a:cs typeface="Arial"/>
+                <a:sym typeface="Arial"/>
+              </a:defRPr>
             </a:lvl6pPr>
-            <a:lvl7pPr lvl="6" rtl="0" algn="ctr">
-              <a:spcBef>
-                <a:spcPts val="0"/>
-              </a:spcBef>
-              <a:spcAft>
-                <a:spcPts val="0"/>
-              </a:spcAft>
-              <a:buSzPts val="10400"/>
-              <a:buNone/>
-              <a:defRPr sz="10400"/>
+            <a:lvl7pPr lvl="6" marR="0" rtl="0" algn="l">
+              <a:lnSpc>
+                <a:spcPct val="100000"/>
+              </a:lnSpc>
+              <a:spcBef>
+                <a:spcPts val="0"/>
+              </a:spcBef>
+              <a:spcAft>
+                <a:spcPts val="0"/>
+              </a:spcAft>
+              <a:buClr>
+                <a:srgbClr val="000000"/>
+              </a:buClr>
+              <a:buSzPts val="1800"/>
+              <a:buFont typeface="Arial"/>
+              <a:buNone/>
+              <a:defRPr b="0" i="0" sz="1800" u="none" cap="none" strike="noStrike">
+                <a:solidFill>
+                  <a:srgbClr val="000000"/>
+                </a:solidFill>
+                <a:latin typeface="Arial"/>
+                <a:ea typeface="Arial"/>
+                <a:cs typeface="Arial"/>
+                <a:sym typeface="Arial"/>
+              </a:defRPr>
             </a:lvl7pPr>
-            <a:lvl8pPr lvl="7" rtl="0" algn="ctr">
-              <a:spcBef>
-                <a:spcPts val="0"/>
-              </a:spcBef>
-              <a:spcAft>
-                <a:spcPts val="0"/>
-              </a:spcAft>
-              <a:buSzPts val="10400"/>
-              <a:buNone/>
-              <a:defRPr sz="10400"/>
+            <a:lvl8pPr lvl="7" marR="0" rtl="0" algn="l">
+              <a:lnSpc>
+                <a:spcPct val="100000"/>
+              </a:lnSpc>
+              <a:spcBef>
+                <a:spcPts val="0"/>
+              </a:spcBef>
+              <a:spcAft>
+                <a:spcPts val="0"/>
+              </a:spcAft>
+              <a:buClr>
+                <a:srgbClr val="000000"/>
+              </a:buClr>
+              <a:buSzPts val="1800"/>
+              <a:buFont typeface="Arial"/>
+              <a:buNone/>
+              <a:defRPr b="0" i="0" sz="1800" u="none" cap="none" strike="noStrike">
+                <a:solidFill>
+                  <a:srgbClr val="000000"/>
+                </a:solidFill>
+                <a:latin typeface="Arial"/>
+                <a:ea typeface="Arial"/>
+                <a:cs typeface="Arial"/>
+                <a:sym typeface="Arial"/>
+              </a:defRPr>
             </a:lvl8pPr>
-            <a:lvl9pPr lvl="8" rtl="0" algn="ctr">
-              <a:spcBef>
-                <a:spcPts val="0"/>
-              </a:spcBef>
-              <a:spcAft>
-                <a:spcPts val="0"/>
-              </a:spcAft>
-              <a:buSzPts val="10400"/>
-              <a:buNone/>
-              <a:defRPr sz="10400"/>
+            <a:lvl9pPr lvl="8" marR="0" rtl="0" algn="l">
+              <a:lnSpc>
+                <a:spcPct val="100000"/>
+              </a:lnSpc>
+              <a:spcBef>
+                <a:spcPts val="0"/>
+              </a:spcBef>
+              <a:spcAft>
+                <a:spcPts val="0"/>
+              </a:spcAft>
+              <a:buClr>
+                <a:srgbClr val="000000"/>
+              </a:buClr>
+              <a:buSzPts val="1800"/>
+              <a:buFont typeface="Arial"/>
+              <a:buNone/>
+              <a:defRPr b="0" i="0" sz="1800" u="none" cap="none" strike="noStrike">
+                <a:solidFill>
+                  <a:srgbClr val="000000"/>
+                </a:solidFill>
+                <a:latin typeface="Arial"/>
+                <a:ea typeface="Arial"/>
+                <a:cs typeface="Arial"/>
+                <a:sym typeface="Arial"/>
+              </a:defRPr>
             </a:lvl9pPr>
           </a:lstStyle>
           <a:p/>
@@ -4864,231 +5121,266 @@
       </p:sp>
       <p:sp>
         <p:nvSpPr>
-          <p:cNvPr id="56" name="Google Shape;56;p14"/>
+          <p:cNvPr id="52" name="Google Shape;52;p13"/>
           <p:cNvSpPr txBox="1"/>
           <p:nvPr>
-            <p:ph idx="1" type="subTitle"/>
+            <p:ph idx="1" type="body"/>
           </p:nvPr>
         </p:nvSpPr>
         <p:spPr>
           <a:xfrm>
-            <a:off x="623400" y="5668250"/>
-            <a:ext cx="17041200" cy="1585200"/>
-          </a:xfrm>
-          <a:prstGeom prst="rect">
-            <a:avLst/>
-          </a:prstGeom>
+            <a:off x="404813" y="1783953"/>
+            <a:ext cx="17478300" cy="2762400"/>
+          </a:xfrm>
+          <a:prstGeom prst="rect">
+            <a:avLst/>
+          </a:prstGeom>
+          <a:noFill/>
+          <a:ln>
+            <a:noFill/>
+          </a:ln>
         </p:spPr>
         <p:txBody>
-          <a:bodyPr anchorCtr="0" anchor="t" bIns="182850" lIns="182850" spcFirstLastPara="1" rIns="182850" wrap="square" tIns="182850">
-            <a:noAutofit/>
+          <a:bodyPr anchorCtr="0" anchor="t" bIns="114275" lIns="182875" spcFirstLastPara="1" rIns="182875" wrap="square" tIns="114275">
+            <a:spAutoFit/>
           </a:bodyPr>
           <a:lstStyle>
-            <a:lvl1pPr lvl="0" rtl="0" algn="ctr">
+            <a:lvl1pPr indent="-228600" lvl="0" marL="457200" marR="0" rtl="0" algn="l">
+              <a:lnSpc>
+                <a:spcPct val="90000"/>
+              </a:lnSpc>
+              <a:spcBef>
+                <a:spcPts val="800"/>
+              </a:spcBef>
+              <a:spcAft>
+                <a:spcPts val="0"/>
+              </a:spcAft>
+              <a:buClr>
+                <a:schemeClr val="dk1"/>
+              </a:buClr>
+              <a:buSzPts val="3600"/>
+              <a:buFont typeface="Arial"/>
+              <a:buNone/>
+              <a:defRPr b="0" i="0" sz="1800" u="none" cap="none" strike="noStrike">
+                <a:solidFill>
+                  <a:schemeClr val="dk1"/>
+                </a:solidFill>
+                <a:latin typeface="Arial"/>
+                <a:ea typeface="Arial"/>
+                <a:cs typeface="Arial"/>
+                <a:sym typeface="Arial"/>
+              </a:defRPr>
+            </a:lvl1pPr>
+            <a:lvl2pPr indent="-400050" lvl="1" marL="914400" marR="0" rtl="0" algn="l">
+              <a:lnSpc>
+                <a:spcPct val="90000"/>
+              </a:lnSpc>
+              <a:spcBef>
+                <a:spcPts val="800"/>
+              </a:spcBef>
+              <a:spcAft>
+                <a:spcPts val="0"/>
+              </a:spcAft>
+              <a:buClr>
+                <a:schemeClr val="dk1"/>
+              </a:buClr>
+              <a:buSzPts val="2700"/>
+              <a:buFont typeface="Arial"/>
+              <a:buChar char="•"/>
+              <a:defRPr b="0" i="0" sz="1800" u="none" cap="none" strike="noStrike">
+                <a:solidFill>
+                  <a:schemeClr val="dk1"/>
+                </a:solidFill>
+                <a:latin typeface="Arial"/>
+                <a:ea typeface="Arial"/>
+                <a:cs typeface="Arial"/>
+                <a:sym typeface="Arial"/>
+              </a:defRPr>
+            </a:lvl2pPr>
+            <a:lvl3pPr indent="-400050" lvl="2" marL="1371600" marR="0" rtl="0" algn="l">
+              <a:lnSpc>
+                <a:spcPct val="90000"/>
+              </a:lnSpc>
+              <a:spcBef>
+                <a:spcPts val="800"/>
+              </a:spcBef>
+              <a:spcAft>
+                <a:spcPts val="0"/>
+              </a:spcAft>
+              <a:buClr>
+                <a:schemeClr val="dk1"/>
+              </a:buClr>
+              <a:buSzPts val="2700"/>
+              <a:buFont typeface="Arial"/>
+              <a:buChar char="•"/>
+              <a:defRPr b="0" i="0" sz="1800" u="none" cap="none" strike="noStrike">
+                <a:solidFill>
+                  <a:schemeClr val="dk1"/>
+                </a:solidFill>
+                <a:latin typeface="Arial"/>
+                <a:ea typeface="Arial"/>
+                <a:cs typeface="Arial"/>
+                <a:sym typeface="Arial"/>
+              </a:defRPr>
+            </a:lvl3pPr>
+            <a:lvl4pPr indent="-228600" lvl="3" marL="1828800" marR="0" rtl="0" algn="l">
+              <a:lnSpc>
+                <a:spcPct val="90000"/>
+              </a:lnSpc>
+              <a:spcBef>
+                <a:spcPts val="800"/>
+              </a:spcBef>
+              <a:spcAft>
+                <a:spcPts val="0"/>
+              </a:spcAft>
+              <a:buClr>
+                <a:schemeClr val="dk1"/>
+              </a:buClr>
+              <a:buSzPts val="2300"/>
+              <a:buFont typeface="Arial"/>
+              <a:buNone/>
+              <a:defRPr b="0" i="0" sz="1800" u="none" cap="none" strike="noStrike">
+                <a:solidFill>
+                  <a:schemeClr val="dk1"/>
+                </a:solidFill>
+                <a:latin typeface="Arial"/>
+                <a:ea typeface="Arial"/>
+                <a:cs typeface="Arial"/>
+                <a:sym typeface="Arial"/>
+              </a:defRPr>
+            </a:lvl4pPr>
+            <a:lvl5pPr indent="-228600" lvl="4" marL="2286000" marR="0" rtl="0" algn="l">
+              <a:lnSpc>
+                <a:spcPct val="90000"/>
+              </a:lnSpc>
+              <a:spcBef>
+                <a:spcPts val="800"/>
+              </a:spcBef>
+              <a:spcAft>
+                <a:spcPts val="0"/>
+              </a:spcAft>
+              <a:buClr>
+                <a:schemeClr val="dk1"/>
+              </a:buClr>
+              <a:buSzPts val="2300"/>
+              <a:buFont typeface="Arial"/>
+              <a:buNone/>
+              <a:defRPr b="0" i="0" sz="1800" u="none" cap="none" strike="noStrike">
+                <a:solidFill>
+                  <a:schemeClr val="dk1"/>
+                </a:solidFill>
+                <a:latin typeface="Arial"/>
+                <a:ea typeface="Arial"/>
+                <a:cs typeface="Arial"/>
+                <a:sym typeface="Arial"/>
+              </a:defRPr>
+            </a:lvl5pPr>
+            <a:lvl6pPr indent="-374650" lvl="5" marL="2743200" marR="0" rtl="0" algn="l">
               <a:lnSpc>
                 <a:spcPct val="100000"/>
               </a:lnSpc>
               <a:spcBef>
-                <a:spcPts val="0"/>
-              </a:spcBef>
-              <a:spcAft>
-                <a:spcPts val="0"/>
-              </a:spcAft>
-              <a:buSzPts val="5600"/>
-              <a:buNone/>
-              <a:defRPr sz="5600"/>
-            </a:lvl1pPr>
-            <a:lvl2pPr lvl="1" rtl="0" algn="ctr">
+                <a:spcPts val="500"/>
+              </a:spcBef>
+              <a:spcAft>
+                <a:spcPts val="0"/>
+              </a:spcAft>
+              <a:buClr>
+                <a:schemeClr val="lt1"/>
+              </a:buClr>
+              <a:buSzPts val="2300"/>
+              <a:buFont typeface="Arial"/>
+              <a:buChar char="•"/>
+              <a:defRPr b="0" i="0" sz="1800" u="none" cap="none" strike="noStrike">
+                <a:solidFill>
+                  <a:srgbClr val="000000"/>
+                </a:solidFill>
+                <a:latin typeface="Arial"/>
+                <a:ea typeface="Arial"/>
+                <a:cs typeface="Arial"/>
+                <a:sym typeface="Arial"/>
+              </a:defRPr>
+            </a:lvl6pPr>
+            <a:lvl7pPr indent="-374650" lvl="6" marL="3200400" marR="0" rtl="0" algn="l">
               <a:lnSpc>
                 <a:spcPct val="100000"/>
               </a:lnSpc>
               <a:spcBef>
-                <a:spcPts val="0"/>
-              </a:spcBef>
-              <a:spcAft>
-                <a:spcPts val="0"/>
-              </a:spcAft>
-              <a:buSzPts val="5600"/>
-              <a:buNone/>
-              <a:defRPr sz="5600"/>
-            </a:lvl2pPr>
-            <a:lvl3pPr lvl="2" rtl="0" algn="ctr">
+                <a:spcPts val="500"/>
+              </a:spcBef>
+              <a:spcAft>
+                <a:spcPts val="0"/>
+              </a:spcAft>
+              <a:buClr>
+                <a:schemeClr val="lt1"/>
+              </a:buClr>
+              <a:buSzPts val="2300"/>
+              <a:buFont typeface="Arial"/>
+              <a:buChar char="•"/>
+              <a:defRPr b="0" i="0" sz="1800" u="none" cap="none" strike="noStrike">
+                <a:solidFill>
+                  <a:srgbClr val="000000"/>
+                </a:solidFill>
+                <a:latin typeface="Arial"/>
+                <a:ea typeface="Arial"/>
+                <a:cs typeface="Arial"/>
+                <a:sym typeface="Arial"/>
+              </a:defRPr>
+            </a:lvl7pPr>
+            <a:lvl8pPr indent="-374650" lvl="7" marL="3657600" marR="0" rtl="0" algn="l">
               <a:lnSpc>
                 <a:spcPct val="100000"/>
               </a:lnSpc>
               <a:spcBef>
-                <a:spcPts val="0"/>
-              </a:spcBef>
-              <a:spcAft>
-                <a:spcPts val="0"/>
-              </a:spcAft>
-              <a:buSzPts val="5600"/>
-              <a:buNone/>
-              <a:defRPr sz="5600"/>
-            </a:lvl3pPr>
-            <a:lvl4pPr lvl="3" rtl="0" algn="ctr">
+                <a:spcPts val="500"/>
+              </a:spcBef>
+              <a:spcAft>
+                <a:spcPts val="0"/>
+              </a:spcAft>
+              <a:buClr>
+                <a:schemeClr val="lt1"/>
+              </a:buClr>
+              <a:buSzPts val="2300"/>
+              <a:buFont typeface="Arial"/>
+              <a:buChar char="•"/>
+              <a:defRPr b="0" i="0" sz="1800" u="none" cap="none" strike="noStrike">
+                <a:solidFill>
+                  <a:srgbClr val="000000"/>
+                </a:solidFill>
+                <a:latin typeface="Arial"/>
+                <a:ea typeface="Arial"/>
+                <a:cs typeface="Arial"/>
+                <a:sym typeface="Arial"/>
+              </a:defRPr>
+            </a:lvl8pPr>
+            <a:lvl9pPr indent="-374650" lvl="8" marL="4114800" marR="0" rtl="0" algn="l">
               <a:lnSpc>
                 <a:spcPct val="100000"/>
               </a:lnSpc>
               <a:spcBef>
-                <a:spcPts val="0"/>
-              </a:spcBef>
-              <a:spcAft>
-                <a:spcPts val="0"/>
-              </a:spcAft>
-              <a:buSzPts val="5600"/>
-              <a:buNone/>
-              <a:defRPr sz="5600"/>
-            </a:lvl4pPr>
-            <a:lvl5pPr lvl="4" rtl="0" algn="ctr">
-              <a:lnSpc>
-                <a:spcPct val="100000"/>
-              </a:lnSpc>
-              <a:spcBef>
-                <a:spcPts val="0"/>
-              </a:spcBef>
-              <a:spcAft>
-                <a:spcPts val="0"/>
-              </a:spcAft>
-              <a:buSzPts val="5600"/>
-              <a:buNone/>
-              <a:defRPr sz="5600"/>
-            </a:lvl5pPr>
-            <a:lvl6pPr lvl="5" rtl="0" algn="ctr">
-              <a:lnSpc>
-                <a:spcPct val="100000"/>
-              </a:lnSpc>
-              <a:spcBef>
-                <a:spcPts val="0"/>
-              </a:spcBef>
-              <a:spcAft>
-                <a:spcPts val="0"/>
-              </a:spcAft>
-              <a:buSzPts val="5600"/>
-              <a:buNone/>
-              <a:defRPr sz="5600"/>
-            </a:lvl6pPr>
-            <a:lvl7pPr lvl="6" rtl="0" algn="ctr">
-              <a:lnSpc>
-                <a:spcPct val="100000"/>
-              </a:lnSpc>
-              <a:spcBef>
-                <a:spcPts val="0"/>
-              </a:spcBef>
-              <a:spcAft>
-                <a:spcPts val="0"/>
-              </a:spcAft>
-              <a:buSzPts val="5600"/>
-              <a:buNone/>
-              <a:defRPr sz="5600"/>
-            </a:lvl7pPr>
-            <a:lvl8pPr lvl="7" rtl="0" algn="ctr">
-              <a:lnSpc>
-                <a:spcPct val="100000"/>
-              </a:lnSpc>
-              <a:spcBef>
-                <a:spcPts val="0"/>
-              </a:spcBef>
-              <a:spcAft>
-                <a:spcPts val="0"/>
-              </a:spcAft>
-              <a:buSzPts val="5600"/>
-              <a:buNone/>
-              <a:defRPr sz="5600"/>
-            </a:lvl8pPr>
-            <a:lvl9pPr lvl="8" rtl="0" algn="ctr">
-              <a:lnSpc>
-                <a:spcPct val="100000"/>
-              </a:lnSpc>
-              <a:spcBef>
-                <a:spcPts val="0"/>
-              </a:spcBef>
-              <a:spcAft>
-                <a:spcPts val="0"/>
-              </a:spcAft>
-              <a:buSzPts val="5600"/>
-              <a:buNone/>
-              <a:defRPr sz="5600"/>
+                <a:spcPts val="500"/>
+              </a:spcBef>
+              <a:spcAft>
+                <a:spcPts val="0"/>
+              </a:spcAft>
+              <a:buClr>
+                <a:schemeClr val="lt1"/>
+              </a:buClr>
+              <a:buSzPts val="2300"/>
+              <a:buFont typeface="Arial"/>
+              <a:buChar char="•"/>
+              <a:defRPr b="0" i="0" sz="1800" u="none" cap="none" strike="noStrike">
+                <a:solidFill>
+                  <a:srgbClr val="000000"/>
+                </a:solidFill>
+                <a:latin typeface="Arial"/>
+                <a:ea typeface="Arial"/>
+                <a:cs typeface="Arial"/>
+                <a:sym typeface="Arial"/>
+              </a:defRPr>
             </a:lvl9pPr>
           </a:lstStyle>
           <a:p/>
-        </p:txBody>
-      </p:sp>
-      <p:sp>
-        <p:nvSpPr>
-          <p:cNvPr id="57" name="Google Shape;57;p14"/>
-          <p:cNvSpPr txBox="1"/>
-          <p:nvPr>
-            <p:ph idx="12" type="sldNum"/>
-          </p:nvPr>
-        </p:nvSpPr>
-        <p:spPr>
-          <a:xfrm>
-            <a:off x="16944916" y="9326434"/>
-            <a:ext cx="1097400" cy="787200"/>
-          </a:xfrm>
-          <a:prstGeom prst="rect">
-            <a:avLst/>
-          </a:prstGeom>
-        </p:spPr>
-        <p:txBody>
-          <a:bodyPr anchorCtr="0" anchor="ctr" bIns="182850" lIns="182850" spcFirstLastPara="1" rIns="182850" wrap="square" tIns="182850">
-            <a:noAutofit/>
-          </a:bodyPr>
-          <a:lstStyle>
-            <a:lvl1pPr lvl="0" rtl="0">
-              <a:buNone/>
-              <a:defRPr/>
-            </a:lvl1pPr>
-            <a:lvl2pPr lvl="1" rtl="0">
-              <a:buNone/>
-              <a:defRPr/>
-            </a:lvl2pPr>
-            <a:lvl3pPr lvl="2" rtl="0">
-              <a:buNone/>
-              <a:defRPr/>
-            </a:lvl3pPr>
-            <a:lvl4pPr lvl="3" rtl="0">
-              <a:buNone/>
-              <a:defRPr/>
-            </a:lvl4pPr>
-            <a:lvl5pPr lvl="4" rtl="0">
-              <a:buNone/>
-              <a:defRPr/>
-            </a:lvl5pPr>
-            <a:lvl6pPr lvl="5" rtl="0">
-              <a:buNone/>
-              <a:defRPr/>
-            </a:lvl6pPr>
-            <a:lvl7pPr lvl="6" rtl="0">
-              <a:buNone/>
-              <a:defRPr/>
-            </a:lvl7pPr>
-            <a:lvl8pPr lvl="7" rtl="0">
-              <a:buNone/>
-              <a:defRPr/>
-            </a:lvl8pPr>
-            <a:lvl9pPr lvl="8" rtl="0">
-              <a:buNone/>
-              <a:defRPr/>
-            </a:lvl9pPr>
-          </a:lstStyle>
-          <a:p>
-            <a:pPr indent="0" lvl="0" marL="0" rtl="0" algn="r">
-              <a:spcBef>
-                <a:spcPts val="0"/>
-              </a:spcBef>
-              <a:spcAft>
-                <a:spcPts val="0"/>
-              </a:spcAft>
-              <a:buNone/>
-            </a:pPr>
-            <a:fld id="{00000000-1234-1234-1234-123412341234}" type="slidenum">
-              <a:rPr lang="en-GB"/>
-              <a:t>‹#›</a:t>
-            </a:fld>
-            <a:endParaRPr/>
-          </a:p>
         </p:txBody>
       </p:sp>
     </p:spTree>
@@ -5100,11 +5392,11 @@
 </file>
 
 <file path=ppt/slideLayouts/slideLayout13.xml><?xml version="1.0" encoding="utf-8"?>
-<p:sldLayout xmlns:a="http://schemas.openxmlformats.org/drawingml/2006/main" xmlns:r="http://schemas.openxmlformats.org/officeDocument/2006/relationships" xmlns:mc="http://schemas.openxmlformats.org/markup-compatibility/2006" xmlns:mv="urn:schemas-microsoft-com:mac:vml" xmlns:p="http://schemas.openxmlformats.org/presentationml/2006/main" xmlns:c="http://schemas.openxmlformats.org/drawingml/2006/chart" xmlns:dgm="http://schemas.openxmlformats.org/drawingml/2006/diagram" xmlns:o="urn:schemas-microsoft-com:office:office" xmlns:v="urn:schemas-microsoft-com:vml" xmlns:pvml="urn:schemas-microsoft-com:office:powerpoint" xmlns:com="http://schemas.openxmlformats.org/drawingml/2006/compatibility" xmlns:p14="http://schemas.microsoft.com/office/powerpoint/2010/main" xmlns:p15="http://schemas.microsoft.com/office/powerpoint/2012/main" xmlns:ahyp="http://schemas.microsoft.com/office/drawing/2018/hyperlinkcolor" matchingName="Section header" type="secHead">
-  <p:cSld name="SECTION_HEADER">
+<p:sldLayout xmlns:a="http://schemas.openxmlformats.org/drawingml/2006/main" xmlns:r="http://schemas.openxmlformats.org/officeDocument/2006/relationships" xmlns:mc="http://schemas.openxmlformats.org/markup-compatibility/2006" xmlns:mv="urn:schemas-microsoft-com:mac:vml" xmlns:p="http://schemas.openxmlformats.org/presentationml/2006/main" xmlns:c="http://schemas.openxmlformats.org/drawingml/2006/chart" xmlns:dgm="http://schemas.openxmlformats.org/drawingml/2006/diagram" xmlns:o="urn:schemas-microsoft-com:office:office" xmlns:v="urn:schemas-microsoft-com:vml" xmlns:pvml="urn:schemas-microsoft-com:office:powerpoint" xmlns:com="http://schemas.openxmlformats.org/drawingml/2006/compatibility" xmlns:p14="http://schemas.microsoft.com/office/powerpoint/2010/main" xmlns:p15="http://schemas.microsoft.com/office/powerpoint/2012/main" xmlns:ahyp="http://schemas.microsoft.com/office/drawing/2018/hyperlinkcolor" matchingName="Title slide" type="title">
+  <p:cSld name="TITLE">
     <p:spTree>
       <p:nvGrpSpPr>
-        <p:cNvPr id="58" name="Shape 58"/>
+        <p:cNvPr id="57" name="Shape 57"/>
         <p:cNvGrpSpPr/>
         <p:nvPr/>
       </p:nvGrpSpPr>
@@ -5118,23 +5410,23 @@
       </p:grpSpPr>
       <p:sp>
         <p:nvSpPr>
-          <p:cNvPr id="59" name="Google Shape;59;p15"/>
+          <p:cNvPr id="58" name="Google Shape;58;p15"/>
           <p:cNvSpPr txBox="1"/>
           <p:nvPr>
-            <p:ph type="title"/>
+            <p:ph type="ctrTitle"/>
           </p:nvPr>
         </p:nvSpPr>
         <p:spPr>
           <a:xfrm>
-            <a:off x="623400" y="4301700"/>
-            <a:ext cx="17041200" cy="1683600"/>
+            <a:off x="623417" y="1489150"/>
+            <a:ext cx="17041200" cy="4105200"/>
           </a:xfrm>
           <a:prstGeom prst="rect">
             <a:avLst/>
           </a:prstGeom>
         </p:spPr>
         <p:txBody>
-          <a:bodyPr anchorCtr="0" anchor="ctr" bIns="182850" lIns="182850" spcFirstLastPara="1" rIns="182850" wrap="square" tIns="182850">
+          <a:bodyPr anchorCtr="0" anchor="b" bIns="182850" lIns="182850" spcFirstLastPara="1" rIns="182850" wrap="square" tIns="182850">
             <a:noAutofit/>
           </a:bodyPr>
           <a:lstStyle>
@@ -5145,9 +5437,9 @@
               <a:spcAft>
                 <a:spcPts val="0"/>
               </a:spcAft>
-              <a:buSzPts val="7200"/>
-              <a:buNone/>
-              <a:defRPr sz="7200"/>
+              <a:buSzPts val="10400"/>
+              <a:buNone/>
+              <a:defRPr sz="10400"/>
             </a:lvl1pPr>
             <a:lvl2pPr lvl="1" rtl="0" algn="ctr">
               <a:spcBef>
@@ -5156,9 +5448,9 @@
               <a:spcAft>
                 <a:spcPts val="0"/>
               </a:spcAft>
-              <a:buSzPts val="7200"/>
-              <a:buNone/>
-              <a:defRPr sz="7200"/>
+              <a:buSzPts val="10400"/>
+              <a:buNone/>
+              <a:defRPr sz="10400"/>
             </a:lvl2pPr>
             <a:lvl3pPr lvl="2" rtl="0" algn="ctr">
               <a:spcBef>
@@ -5167,9 +5459,9 @@
               <a:spcAft>
                 <a:spcPts val="0"/>
               </a:spcAft>
-              <a:buSzPts val="7200"/>
-              <a:buNone/>
-              <a:defRPr sz="7200"/>
+              <a:buSzPts val="10400"/>
+              <a:buNone/>
+              <a:defRPr sz="10400"/>
             </a:lvl3pPr>
             <a:lvl4pPr lvl="3" rtl="0" algn="ctr">
               <a:spcBef>
@@ -5178,9 +5470,9 @@
               <a:spcAft>
                 <a:spcPts val="0"/>
               </a:spcAft>
-              <a:buSzPts val="7200"/>
-              <a:buNone/>
-              <a:defRPr sz="7200"/>
+              <a:buSzPts val="10400"/>
+              <a:buNone/>
+              <a:defRPr sz="10400"/>
             </a:lvl4pPr>
             <a:lvl5pPr lvl="4" rtl="0" algn="ctr">
               <a:spcBef>
@@ -5189,9 +5481,9 @@
               <a:spcAft>
                 <a:spcPts val="0"/>
               </a:spcAft>
-              <a:buSzPts val="7200"/>
-              <a:buNone/>
-              <a:defRPr sz="7200"/>
+              <a:buSzPts val="10400"/>
+              <a:buNone/>
+              <a:defRPr sz="10400"/>
             </a:lvl5pPr>
             <a:lvl6pPr lvl="5" rtl="0" algn="ctr">
               <a:spcBef>
@@ -5200,9 +5492,9 @@
               <a:spcAft>
                 <a:spcPts val="0"/>
               </a:spcAft>
-              <a:buSzPts val="7200"/>
-              <a:buNone/>
-              <a:defRPr sz="7200"/>
+              <a:buSzPts val="10400"/>
+              <a:buNone/>
+              <a:defRPr sz="10400"/>
             </a:lvl6pPr>
             <a:lvl7pPr lvl="6" rtl="0" algn="ctr">
               <a:spcBef>
@@ -5211,9 +5503,9 @@
               <a:spcAft>
                 <a:spcPts val="0"/>
               </a:spcAft>
-              <a:buSzPts val="7200"/>
-              <a:buNone/>
-              <a:defRPr sz="7200"/>
+              <a:buSzPts val="10400"/>
+              <a:buNone/>
+              <a:defRPr sz="10400"/>
             </a:lvl7pPr>
             <a:lvl8pPr lvl="7" rtl="0" algn="ctr">
               <a:spcBef>
@@ -5222,9 +5514,9 @@
               <a:spcAft>
                 <a:spcPts val="0"/>
               </a:spcAft>
-              <a:buSzPts val="7200"/>
-              <a:buNone/>
-              <a:defRPr sz="7200"/>
+              <a:buSzPts val="10400"/>
+              <a:buNone/>
+              <a:defRPr sz="10400"/>
             </a:lvl8pPr>
             <a:lvl9pPr lvl="8" rtl="0" algn="ctr">
               <a:spcBef>
@@ -5233,9 +5525,161 @@
               <a:spcAft>
                 <a:spcPts val="0"/>
               </a:spcAft>
-              <a:buSzPts val="7200"/>
-              <a:buNone/>
-              <a:defRPr sz="7200"/>
+              <a:buSzPts val="10400"/>
+              <a:buNone/>
+              <a:defRPr sz="10400"/>
+            </a:lvl9pPr>
+          </a:lstStyle>
+          <a:p/>
+        </p:txBody>
+      </p:sp>
+      <p:sp>
+        <p:nvSpPr>
+          <p:cNvPr id="59" name="Google Shape;59;p15"/>
+          <p:cNvSpPr txBox="1"/>
+          <p:nvPr>
+            <p:ph idx="1" type="subTitle"/>
+          </p:nvPr>
+        </p:nvSpPr>
+        <p:spPr>
+          <a:xfrm>
+            <a:off x="623400" y="5668250"/>
+            <a:ext cx="17041200" cy="1585200"/>
+          </a:xfrm>
+          <a:prstGeom prst="rect">
+            <a:avLst/>
+          </a:prstGeom>
+        </p:spPr>
+        <p:txBody>
+          <a:bodyPr anchorCtr="0" anchor="t" bIns="182850" lIns="182850" spcFirstLastPara="1" rIns="182850" wrap="square" tIns="182850">
+            <a:noAutofit/>
+          </a:bodyPr>
+          <a:lstStyle>
+            <a:lvl1pPr lvl="0" rtl="0" algn="ctr">
+              <a:lnSpc>
+                <a:spcPct val="100000"/>
+              </a:lnSpc>
+              <a:spcBef>
+                <a:spcPts val="0"/>
+              </a:spcBef>
+              <a:spcAft>
+                <a:spcPts val="0"/>
+              </a:spcAft>
+              <a:buSzPts val="5600"/>
+              <a:buNone/>
+              <a:defRPr sz="5600"/>
+            </a:lvl1pPr>
+            <a:lvl2pPr lvl="1" rtl="0" algn="ctr">
+              <a:lnSpc>
+                <a:spcPct val="100000"/>
+              </a:lnSpc>
+              <a:spcBef>
+                <a:spcPts val="0"/>
+              </a:spcBef>
+              <a:spcAft>
+                <a:spcPts val="0"/>
+              </a:spcAft>
+              <a:buSzPts val="5600"/>
+              <a:buNone/>
+              <a:defRPr sz="5600"/>
+            </a:lvl2pPr>
+            <a:lvl3pPr lvl="2" rtl="0" algn="ctr">
+              <a:lnSpc>
+                <a:spcPct val="100000"/>
+              </a:lnSpc>
+              <a:spcBef>
+                <a:spcPts val="0"/>
+              </a:spcBef>
+              <a:spcAft>
+                <a:spcPts val="0"/>
+              </a:spcAft>
+              <a:buSzPts val="5600"/>
+              <a:buNone/>
+              <a:defRPr sz="5600"/>
+            </a:lvl3pPr>
+            <a:lvl4pPr lvl="3" rtl="0" algn="ctr">
+              <a:lnSpc>
+                <a:spcPct val="100000"/>
+              </a:lnSpc>
+              <a:spcBef>
+                <a:spcPts val="0"/>
+              </a:spcBef>
+              <a:spcAft>
+                <a:spcPts val="0"/>
+              </a:spcAft>
+              <a:buSzPts val="5600"/>
+              <a:buNone/>
+              <a:defRPr sz="5600"/>
+            </a:lvl4pPr>
+            <a:lvl5pPr lvl="4" rtl="0" algn="ctr">
+              <a:lnSpc>
+                <a:spcPct val="100000"/>
+              </a:lnSpc>
+              <a:spcBef>
+                <a:spcPts val="0"/>
+              </a:spcBef>
+              <a:spcAft>
+                <a:spcPts val="0"/>
+              </a:spcAft>
+              <a:buSzPts val="5600"/>
+              <a:buNone/>
+              <a:defRPr sz="5600"/>
+            </a:lvl5pPr>
+            <a:lvl6pPr lvl="5" rtl="0" algn="ctr">
+              <a:lnSpc>
+                <a:spcPct val="100000"/>
+              </a:lnSpc>
+              <a:spcBef>
+                <a:spcPts val="0"/>
+              </a:spcBef>
+              <a:spcAft>
+                <a:spcPts val="0"/>
+              </a:spcAft>
+              <a:buSzPts val="5600"/>
+              <a:buNone/>
+              <a:defRPr sz="5600"/>
+            </a:lvl6pPr>
+            <a:lvl7pPr lvl="6" rtl="0" algn="ctr">
+              <a:lnSpc>
+                <a:spcPct val="100000"/>
+              </a:lnSpc>
+              <a:spcBef>
+                <a:spcPts val="0"/>
+              </a:spcBef>
+              <a:spcAft>
+                <a:spcPts val="0"/>
+              </a:spcAft>
+              <a:buSzPts val="5600"/>
+              <a:buNone/>
+              <a:defRPr sz="5600"/>
+            </a:lvl7pPr>
+            <a:lvl8pPr lvl="7" rtl="0" algn="ctr">
+              <a:lnSpc>
+                <a:spcPct val="100000"/>
+              </a:lnSpc>
+              <a:spcBef>
+                <a:spcPts val="0"/>
+              </a:spcBef>
+              <a:spcAft>
+                <a:spcPts val="0"/>
+              </a:spcAft>
+              <a:buSzPts val="5600"/>
+              <a:buNone/>
+              <a:defRPr sz="5600"/>
+            </a:lvl8pPr>
+            <a:lvl9pPr lvl="8" rtl="0" algn="ctr">
+              <a:lnSpc>
+                <a:spcPct val="100000"/>
+              </a:lnSpc>
+              <a:spcBef>
+                <a:spcPts val="0"/>
+              </a:spcBef>
+              <a:spcAft>
+                <a:spcPts val="0"/>
+              </a:spcAft>
+              <a:buSzPts val="5600"/>
+              <a:buNone/>
+              <a:defRPr sz="5600"/>
             </a:lvl9pPr>
           </a:lstStyle>
           <a:p/>
@@ -5327,8 +5771,8 @@
 </file>
 
 <file path=ppt/slideLayouts/slideLayout14.xml><?xml version="1.0" encoding="utf-8"?>
-<p:sldLayout xmlns:a="http://schemas.openxmlformats.org/drawingml/2006/main" xmlns:r="http://schemas.openxmlformats.org/officeDocument/2006/relationships" xmlns:mc="http://schemas.openxmlformats.org/markup-compatibility/2006" xmlns:mv="urn:schemas-microsoft-com:mac:vml" xmlns:p="http://schemas.openxmlformats.org/presentationml/2006/main" xmlns:c="http://schemas.openxmlformats.org/drawingml/2006/chart" xmlns:dgm="http://schemas.openxmlformats.org/drawingml/2006/diagram" xmlns:o="urn:schemas-microsoft-com:office:office" xmlns:v="urn:schemas-microsoft-com:vml" xmlns:pvml="urn:schemas-microsoft-com:office:powerpoint" xmlns:com="http://schemas.openxmlformats.org/drawingml/2006/compatibility" xmlns:p14="http://schemas.microsoft.com/office/powerpoint/2010/main" xmlns:p15="http://schemas.microsoft.com/office/powerpoint/2012/main" xmlns:ahyp="http://schemas.microsoft.com/office/drawing/2018/hyperlinkcolor" matchingName="Title and body" type="tx">
-  <p:cSld name="TITLE_AND_BODY">
+<p:sldLayout xmlns:a="http://schemas.openxmlformats.org/drawingml/2006/main" xmlns:r="http://schemas.openxmlformats.org/officeDocument/2006/relationships" xmlns:mc="http://schemas.openxmlformats.org/markup-compatibility/2006" xmlns:mv="urn:schemas-microsoft-com:mac:vml" xmlns:p="http://schemas.openxmlformats.org/presentationml/2006/main" xmlns:c="http://schemas.openxmlformats.org/drawingml/2006/chart" xmlns:dgm="http://schemas.openxmlformats.org/drawingml/2006/diagram" xmlns:o="urn:schemas-microsoft-com:office:office" xmlns:v="urn:schemas-microsoft-com:vml" xmlns:pvml="urn:schemas-microsoft-com:office:powerpoint" xmlns:com="http://schemas.openxmlformats.org/drawingml/2006/compatibility" xmlns:p14="http://schemas.microsoft.com/office/powerpoint/2010/main" xmlns:p15="http://schemas.microsoft.com/office/powerpoint/2012/main" xmlns:ahyp="http://schemas.microsoft.com/office/drawing/2018/hyperlinkcolor" matchingName="Section header" type="secHead">
+  <p:cSld name="SECTION_HEADER">
     <p:spTree>
       <p:nvGrpSpPr>
         <p:cNvPr id="61" name="Shape 61"/>
@@ -5353,116 +5797,116 @@
         </p:nvSpPr>
         <p:spPr>
           <a:xfrm>
-            <a:off x="623400" y="890050"/>
-            <a:ext cx="17041200" cy="1145400"/>
+            <a:off x="623400" y="4301700"/>
+            <a:ext cx="17041200" cy="1683600"/>
           </a:xfrm>
           <a:prstGeom prst="rect">
             <a:avLst/>
           </a:prstGeom>
         </p:spPr>
         <p:txBody>
-          <a:bodyPr anchorCtr="0" anchor="t" bIns="182850" lIns="182850" spcFirstLastPara="1" rIns="182850" wrap="square" tIns="182850">
+          <a:bodyPr anchorCtr="0" anchor="ctr" bIns="182850" lIns="182850" spcFirstLastPara="1" rIns="182850" wrap="square" tIns="182850">
             <a:noAutofit/>
           </a:bodyPr>
           <a:lstStyle>
-            <a:lvl1pPr lvl="0" rtl="0">
-              <a:spcBef>
-                <a:spcPts val="0"/>
-              </a:spcBef>
-              <a:spcAft>
-                <a:spcPts val="0"/>
-              </a:spcAft>
-              <a:buSzPts val="5600"/>
-              <a:buNone/>
-              <a:defRPr/>
+            <a:lvl1pPr lvl="0" rtl="0" algn="ctr">
+              <a:spcBef>
+                <a:spcPts val="0"/>
+              </a:spcBef>
+              <a:spcAft>
+                <a:spcPts val="0"/>
+              </a:spcAft>
+              <a:buSzPts val="7200"/>
+              <a:buNone/>
+              <a:defRPr sz="7200"/>
             </a:lvl1pPr>
-            <a:lvl2pPr lvl="1" rtl="0">
-              <a:spcBef>
-                <a:spcPts val="0"/>
-              </a:spcBef>
-              <a:spcAft>
-                <a:spcPts val="0"/>
-              </a:spcAft>
-              <a:buSzPts val="5600"/>
-              <a:buNone/>
-              <a:defRPr/>
+            <a:lvl2pPr lvl="1" rtl="0" algn="ctr">
+              <a:spcBef>
+                <a:spcPts val="0"/>
+              </a:spcBef>
+              <a:spcAft>
+                <a:spcPts val="0"/>
+              </a:spcAft>
+              <a:buSzPts val="7200"/>
+              <a:buNone/>
+              <a:defRPr sz="7200"/>
             </a:lvl2pPr>
-            <a:lvl3pPr lvl="2" rtl="0">
-              <a:spcBef>
-                <a:spcPts val="0"/>
-              </a:spcBef>
-              <a:spcAft>
-                <a:spcPts val="0"/>
-              </a:spcAft>
-              <a:buSzPts val="5600"/>
-              <a:buNone/>
-              <a:defRPr/>
+            <a:lvl3pPr lvl="2" rtl="0" algn="ctr">
+              <a:spcBef>
+                <a:spcPts val="0"/>
+              </a:spcBef>
+              <a:spcAft>
+                <a:spcPts val="0"/>
+              </a:spcAft>
+              <a:buSzPts val="7200"/>
+              <a:buNone/>
+              <a:defRPr sz="7200"/>
             </a:lvl3pPr>
-            <a:lvl4pPr lvl="3" rtl="0">
-              <a:spcBef>
-                <a:spcPts val="0"/>
-              </a:spcBef>
-              <a:spcAft>
-                <a:spcPts val="0"/>
-              </a:spcAft>
-              <a:buSzPts val="5600"/>
-              <a:buNone/>
-              <a:defRPr/>
+            <a:lvl4pPr lvl="3" rtl="0" algn="ctr">
+              <a:spcBef>
+                <a:spcPts val="0"/>
+              </a:spcBef>
+              <a:spcAft>
+                <a:spcPts val="0"/>
+              </a:spcAft>
+              <a:buSzPts val="7200"/>
+              <a:buNone/>
+              <a:defRPr sz="7200"/>
             </a:lvl4pPr>
-            <a:lvl5pPr lvl="4" rtl="0">
-              <a:spcBef>
-                <a:spcPts val="0"/>
-              </a:spcBef>
-              <a:spcAft>
-                <a:spcPts val="0"/>
-              </a:spcAft>
-              <a:buSzPts val="5600"/>
-              <a:buNone/>
-              <a:defRPr/>
+            <a:lvl5pPr lvl="4" rtl="0" algn="ctr">
+              <a:spcBef>
+                <a:spcPts val="0"/>
+              </a:spcBef>
+              <a:spcAft>
+                <a:spcPts val="0"/>
+              </a:spcAft>
+              <a:buSzPts val="7200"/>
+              <a:buNone/>
+              <a:defRPr sz="7200"/>
             </a:lvl5pPr>
-            <a:lvl6pPr lvl="5" rtl="0">
-              <a:spcBef>
-                <a:spcPts val="0"/>
-              </a:spcBef>
-              <a:spcAft>
-                <a:spcPts val="0"/>
-              </a:spcAft>
-              <a:buSzPts val="5600"/>
-              <a:buNone/>
-              <a:defRPr/>
+            <a:lvl6pPr lvl="5" rtl="0" algn="ctr">
+              <a:spcBef>
+                <a:spcPts val="0"/>
+              </a:spcBef>
+              <a:spcAft>
+                <a:spcPts val="0"/>
+              </a:spcAft>
+              <a:buSzPts val="7200"/>
+              <a:buNone/>
+              <a:defRPr sz="7200"/>
             </a:lvl6pPr>
-            <a:lvl7pPr lvl="6" rtl="0">
-              <a:spcBef>
-                <a:spcPts val="0"/>
-              </a:spcBef>
-              <a:spcAft>
-                <a:spcPts val="0"/>
-              </a:spcAft>
-              <a:buSzPts val="5600"/>
-              <a:buNone/>
-              <a:defRPr/>
+            <a:lvl7pPr lvl="6" rtl="0" algn="ctr">
+              <a:spcBef>
+                <a:spcPts val="0"/>
+              </a:spcBef>
+              <a:spcAft>
+                <a:spcPts val="0"/>
+              </a:spcAft>
+              <a:buSzPts val="7200"/>
+              <a:buNone/>
+              <a:defRPr sz="7200"/>
             </a:lvl7pPr>
-            <a:lvl8pPr lvl="7" rtl="0">
-              <a:spcBef>
-                <a:spcPts val="0"/>
-              </a:spcBef>
-              <a:spcAft>
-                <a:spcPts val="0"/>
-              </a:spcAft>
-              <a:buSzPts val="5600"/>
-              <a:buNone/>
-              <a:defRPr/>
+            <a:lvl8pPr lvl="7" rtl="0" algn="ctr">
+              <a:spcBef>
+                <a:spcPts val="0"/>
+              </a:spcBef>
+              <a:spcAft>
+                <a:spcPts val="0"/>
+              </a:spcAft>
+              <a:buSzPts val="7200"/>
+              <a:buNone/>
+              <a:defRPr sz="7200"/>
             </a:lvl8pPr>
-            <a:lvl9pPr lvl="8" rtl="0">
-              <a:spcBef>
-                <a:spcPts val="0"/>
-              </a:spcBef>
-              <a:spcAft>
-                <a:spcPts val="0"/>
-              </a:spcAft>
-              <a:buSzPts val="5600"/>
-              <a:buNone/>
-              <a:defRPr/>
+            <a:lvl9pPr lvl="8" rtl="0" algn="ctr">
+              <a:spcBef>
+                <a:spcPts val="0"/>
+              </a:spcBef>
+              <a:spcAft>
+                <a:spcPts val="0"/>
+              </a:spcAft>
+              <a:buSzPts val="7200"/>
+              <a:buNone/>
+              <a:defRPr sz="7200"/>
             </a:lvl9pPr>
           </a:lstStyle>
           <a:p/>
@@ -5471,131 +5915,6 @@
       <p:sp>
         <p:nvSpPr>
           <p:cNvPr id="63" name="Google Shape;63;p16"/>
-          <p:cNvSpPr txBox="1"/>
-          <p:nvPr>
-            <p:ph idx="1" type="body"/>
-          </p:nvPr>
-        </p:nvSpPr>
-        <p:spPr>
-          <a:xfrm>
-            <a:off x="623400" y="2304950"/>
-            <a:ext cx="17041200" cy="6832800"/>
-          </a:xfrm>
-          <a:prstGeom prst="rect">
-            <a:avLst/>
-          </a:prstGeom>
-        </p:spPr>
-        <p:txBody>
-          <a:bodyPr anchorCtr="0" anchor="t" bIns="182850" lIns="182850" spcFirstLastPara="1" rIns="182850" wrap="square" tIns="182850">
-            <a:noAutofit/>
-          </a:bodyPr>
-          <a:lstStyle>
-            <a:lvl1pPr indent="-457200" lvl="0" marL="457200" rtl="0">
-              <a:spcBef>
-                <a:spcPts val="0"/>
-              </a:spcBef>
-              <a:spcAft>
-                <a:spcPts val="0"/>
-              </a:spcAft>
-              <a:buSzPts val="3600"/>
-              <a:buChar char="●"/>
-              <a:defRPr/>
-            </a:lvl1pPr>
-            <a:lvl2pPr indent="-406400" lvl="1" marL="914400" rtl="0">
-              <a:spcBef>
-                <a:spcPts val="3200"/>
-              </a:spcBef>
-              <a:spcAft>
-                <a:spcPts val="0"/>
-              </a:spcAft>
-              <a:buSzPts val="2800"/>
-              <a:buChar char="○"/>
-              <a:defRPr/>
-            </a:lvl2pPr>
-            <a:lvl3pPr indent="-406400" lvl="2" marL="1371600" rtl="0">
-              <a:spcBef>
-                <a:spcPts val="3200"/>
-              </a:spcBef>
-              <a:spcAft>
-                <a:spcPts val="0"/>
-              </a:spcAft>
-              <a:buSzPts val="2800"/>
-              <a:buChar char="■"/>
-              <a:defRPr/>
-            </a:lvl3pPr>
-            <a:lvl4pPr indent="-406400" lvl="3" marL="1828800" rtl="0">
-              <a:spcBef>
-                <a:spcPts val="3200"/>
-              </a:spcBef>
-              <a:spcAft>
-                <a:spcPts val="0"/>
-              </a:spcAft>
-              <a:buSzPts val="2800"/>
-              <a:buChar char="●"/>
-              <a:defRPr/>
-            </a:lvl4pPr>
-            <a:lvl5pPr indent="-406400" lvl="4" marL="2286000" rtl="0">
-              <a:spcBef>
-                <a:spcPts val="3200"/>
-              </a:spcBef>
-              <a:spcAft>
-                <a:spcPts val="0"/>
-              </a:spcAft>
-              <a:buSzPts val="2800"/>
-              <a:buChar char="○"/>
-              <a:defRPr/>
-            </a:lvl5pPr>
-            <a:lvl6pPr indent="-406400" lvl="5" marL="2743200" rtl="0">
-              <a:spcBef>
-                <a:spcPts val="3200"/>
-              </a:spcBef>
-              <a:spcAft>
-                <a:spcPts val="0"/>
-              </a:spcAft>
-              <a:buSzPts val="2800"/>
-              <a:buChar char="■"/>
-              <a:defRPr/>
-            </a:lvl6pPr>
-            <a:lvl7pPr indent="-406400" lvl="6" marL="3200400" rtl="0">
-              <a:spcBef>
-                <a:spcPts val="3200"/>
-              </a:spcBef>
-              <a:spcAft>
-                <a:spcPts val="0"/>
-              </a:spcAft>
-              <a:buSzPts val="2800"/>
-              <a:buChar char="●"/>
-              <a:defRPr/>
-            </a:lvl7pPr>
-            <a:lvl8pPr indent="-406400" lvl="7" marL="3657600" rtl="0">
-              <a:spcBef>
-                <a:spcPts val="3200"/>
-              </a:spcBef>
-              <a:spcAft>
-                <a:spcPts val="0"/>
-              </a:spcAft>
-              <a:buSzPts val="2800"/>
-              <a:buChar char="○"/>
-              <a:defRPr/>
-            </a:lvl8pPr>
-            <a:lvl9pPr indent="-406400" lvl="8" marL="4114800" rtl="0">
-              <a:spcBef>
-                <a:spcPts val="3200"/>
-              </a:spcBef>
-              <a:spcAft>
-                <a:spcPts val="3200"/>
-              </a:spcAft>
-              <a:buSzPts val="2800"/>
-              <a:buChar char="■"/>
-              <a:defRPr/>
-            </a:lvl9pPr>
-          </a:lstStyle>
-          <a:p/>
-        </p:txBody>
-      </p:sp>
-      <p:sp>
-        <p:nvSpPr>
-          <p:cNvPr id="64" name="Google Shape;64;p16"/>
           <p:cNvSpPr txBox="1"/>
           <p:nvPr>
             <p:ph idx="12" type="sldNum"/>
@@ -5679,11 +5998,11 @@
 </file>
 
 <file path=ppt/slideLayouts/slideLayout15.xml><?xml version="1.0" encoding="utf-8"?>
-<p:sldLayout xmlns:a="http://schemas.openxmlformats.org/drawingml/2006/main" xmlns:r="http://schemas.openxmlformats.org/officeDocument/2006/relationships" xmlns:mc="http://schemas.openxmlformats.org/markup-compatibility/2006" xmlns:mv="urn:schemas-microsoft-com:mac:vml" xmlns:p="http://schemas.openxmlformats.org/presentationml/2006/main" xmlns:c="http://schemas.openxmlformats.org/drawingml/2006/chart" xmlns:dgm="http://schemas.openxmlformats.org/drawingml/2006/diagram" xmlns:o="urn:schemas-microsoft-com:office:office" xmlns:v="urn:schemas-microsoft-com:vml" xmlns:pvml="urn:schemas-microsoft-com:office:powerpoint" xmlns:com="http://schemas.openxmlformats.org/drawingml/2006/compatibility" xmlns:p14="http://schemas.microsoft.com/office/powerpoint/2010/main" xmlns:p15="http://schemas.microsoft.com/office/powerpoint/2012/main" xmlns:ahyp="http://schemas.microsoft.com/office/drawing/2018/hyperlinkcolor" matchingName="Title and two columns" type="twoColTx">
-  <p:cSld name="TITLE_AND_TWO_COLUMNS">
+<p:sldLayout xmlns:a="http://schemas.openxmlformats.org/drawingml/2006/main" xmlns:r="http://schemas.openxmlformats.org/officeDocument/2006/relationships" xmlns:mc="http://schemas.openxmlformats.org/markup-compatibility/2006" xmlns:mv="urn:schemas-microsoft-com:mac:vml" xmlns:p="http://schemas.openxmlformats.org/presentationml/2006/main" xmlns:c="http://schemas.openxmlformats.org/drawingml/2006/chart" xmlns:dgm="http://schemas.openxmlformats.org/drawingml/2006/diagram" xmlns:o="urn:schemas-microsoft-com:office:office" xmlns:v="urn:schemas-microsoft-com:vml" xmlns:pvml="urn:schemas-microsoft-com:office:powerpoint" xmlns:com="http://schemas.openxmlformats.org/drawingml/2006/compatibility" xmlns:p14="http://schemas.microsoft.com/office/powerpoint/2010/main" xmlns:p15="http://schemas.microsoft.com/office/powerpoint/2012/main" xmlns:ahyp="http://schemas.microsoft.com/office/drawing/2018/hyperlinkcolor" matchingName="Title and body" type="tx">
+  <p:cSld name="TITLE_AND_BODY">
     <p:spTree>
       <p:nvGrpSpPr>
-        <p:cNvPr id="65" name="Shape 65"/>
+        <p:cNvPr id="64" name="Shape 64"/>
         <p:cNvGrpSpPr/>
         <p:nvPr/>
       </p:nvGrpSpPr>
@@ -5697,7 +6016,7 @@
       </p:grpSpPr>
       <p:sp>
         <p:nvSpPr>
-          <p:cNvPr id="66" name="Google Shape;66;p17"/>
+          <p:cNvPr id="65" name="Google Shape;65;p17"/>
           <p:cNvSpPr txBox="1"/>
           <p:nvPr>
             <p:ph type="title"/>
@@ -5814,6 +6133,131 @@
               </a:spcAft>
               <a:buSzPts val="5600"/>
               <a:buNone/>
+              <a:defRPr/>
+            </a:lvl9pPr>
+          </a:lstStyle>
+          <a:p/>
+        </p:txBody>
+      </p:sp>
+      <p:sp>
+        <p:nvSpPr>
+          <p:cNvPr id="66" name="Google Shape;66;p17"/>
+          <p:cNvSpPr txBox="1"/>
+          <p:nvPr>
+            <p:ph idx="1" type="body"/>
+          </p:nvPr>
+        </p:nvSpPr>
+        <p:spPr>
+          <a:xfrm>
+            <a:off x="623400" y="2304950"/>
+            <a:ext cx="17041200" cy="6832800"/>
+          </a:xfrm>
+          <a:prstGeom prst="rect">
+            <a:avLst/>
+          </a:prstGeom>
+        </p:spPr>
+        <p:txBody>
+          <a:bodyPr anchorCtr="0" anchor="t" bIns="182850" lIns="182850" spcFirstLastPara="1" rIns="182850" wrap="square" tIns="182850">
+            <a:noAutofit/>
+          </a:bodyPr>
+          <a:lstStyle>
+            <a:lvl1pPr indent="-457200" lvl="0" marL="457200" rtl="0">
+              <a:spcBef>
+                <a:spcPts val="0"/>
+              </a:spcBef>
+              <a:spcAft>
+                <a:spcPts val="0"/>
+              </a:spcAft>
+              <a:buSzPts val="3600"/>
+              <a:buChar char="●"/>
+              <a:defRPr/>
+            </a:lvl1pPr>
+            <a:lvl2pPr indent="-406400" lvl="1" marL="914400" rtl="0">
+              <a:spcBef>
+                <a:spcPts val="3200"/>
+              </a:spcBef>
+              <a:spcAft>
+                <a:spcPts val="0"/>
+              </a:spcAft>
+              <a:buSzPts val="2800"/>
+              <a:buChar char="○"/>
+              <a:defRPr/>
+            </a:lvl2pPr>
+            <a:lvl3pPr indent="-406400" lvl="2" marL="1371600" rtl="0">
+              <a:spcBef>
+                <a:spcPts val="3200"/>
+              </a:spcBef>
+              <a:spcAft>
+                <a:spcPts val="0"/>
+              </a:spcAft>
+              <a:buSzPts val="2800"/>
+              <a:buChar char="■"/>
+              <a:defRPr/>
+            </a:lvl3pPr>
+            <a:lvl4pPr indent="-406400" lvl="3" marL="1828800" rtl="0">
+              <a:spcBef>
+                <a:spcPts val="3200"/>
+              </a:spcBef>
+              <a:spcAft>
+                <a:spcPts val="0"/>
+              </a:spcAft>
+              <a:buSzPts val="2800"/>
+              <a:buChar char="●"/>
+              <a:defRPr/>
+            </a:lvl4pPr>
+            <a:lvl5pPr indent="-406400" lvl="4" marL="2286000" rtl="0">
+              <a:spcBef>
+                <a:spcPts val="3200"/>
+              </a:spcBef>
+              <a:spcAft>
+                <a:spcPts val="0"/>
+              </a:spcAft>
+              <a:buSzPts val="2800"/>
+              <a:buChar char="○"/>
+              <a:defRPr/>
+            </a:lvl5pPr>
+            <a:lvl6pPr indent="-406400" lvl="5" marL="2743200" rtl="0">
+              <a:spcBef>
+                <a:spcPts val="3200"/>
+              </a:spcBef>
+              <a:spcAft>
+                <a:spcPts val="0"/>
+              </a:spcAft>
+              <a:buSzPts val="2800"/>
+              <a:buChar char="■"/>
+              <a:defRPr/>
+            </a:lvl6pPr>
+            <a:lvl7pPr indent="-406400" lvl="6" marL="3200400" rtl="0">
+              <a:spcBef>
+                <a:spcPts val="3200"/>
+              </a:spcBef>
+              <a:spcAft>
+                <a:spcPts val="0"/>
+              </a:spcAft>
+              <a:buSzPts val="2800"/>
+              <a:buChar char="●"/>
+              <a:defRPr/>
+            </a:lvl7pPr>
+            <a:lvl8pPr indent="-406400" lvl="7" marL="3657600" rtl="0">
+              <a:spcBef>
+                <a:spcPts val="3200"/>
+              </a:spcBef>
+              <a:spcAft>
+                <a:spcPts val="0"/>
+              </a:spcAft>
+              <a:buSzPts val="2800"/>
+              <a:buChar char="○"/>
+              <a:defRPr/>
+            </a:lvl8pPr>
+            <a:lvl9pPr indent="-406400" lvl="8" marL="4114800" rtl="0">
+              <a:spcBef>
+                <a:spcPts val="3200"/>
+              </a:spcBef>
+              <a:spcAft>
+                <a:spcPts val="3200"/>
+              </a:spcAft>
+              <a:buSzPts val="2800"/>
+              <a:buChar char="■"/>
               <a:defRPr/>
             </a:lvl9pPr>
           </a:lstStyle>
@@ -5823,256 +6267,6 @@
       <p:sp>
         <p:nvSpPr>
           <p:cNvPr id="67" name="Google Shape;67;p17"/>
-          <p:cNvSpPr txBox="1"/>
-          <p:nvPr>
-            <p:ph idx="1" type="body"/>
-          </p:nvPr>
-        </p:nvSpPr>
-        <p:spPr>
-          <a:xfrm>
-            <a:off x="623400" y="2304950"/>
-            <a:ext cx="7999800" cy="6832800"/>
-          </a:xfrm>
-          <a:prstGeom prst="rect">
-            <a:avLst/>
-          </a:prstGeom>
-        </p:spPr>
-        <p:txBody>
-          <a:bodyPr anchorCtr="0" anchor="t" bIns="182850" lIns="182850" spcFirstLastPara="1" rIns="182850" wrap="square" tIns="182850">
-            <a:noAutofit/>
-          </a:bodyPr>
-          <a:lstStyle>
-            <a:lvl1pPr indent="-406400" lvl="0" marL="457200" rtl="0">
-              <a:spcBef>
-                <a:spcPts val="0"/>
-              </a:spcBef>
-              <a:spcAft>
-                <a:spcPts val="0"/>
-              </a:spcAft>
-              <a:buSzPts val="2800"/>
-              <a:buChar char="●"/>
-              <a:defRPr sz="2800"/>
-            </a:lvl1pPr>
-            <a:lvl2pPr indent="-381000" lvl="1" marL="914400" rtl="0">
-              <a:spcBef>
-                <a:spcPts val="3200"/>
-              </a:spcBef>
-              <a:spcAft>
-                <a:spcPts val="0"/>
-              </a:spcAft>
-              <a:buSzPts val="2400"/>
-              <a:buChar char="○"/>
-              <a:defRPr sz="2400"/>
-            </a:lvl2pPr>
-            <a:lvl3pPr indent="-381000" lvl="2" marL="1371600" rtl="0">
-              <a:spcBef>
-                <a:spcPts val="3200"/>
-              </a:spcBef>
-              <a:spcAft>
-                <a:spcPts val="0"/>
-              </a:spcAft>
-              <a:buSzPts val="2400"/>
-              <a:buChar char="■"/>
-              <a:defRPr sz="2400"/>
-            </a:lvl3pPr>
-            <a:lvl4pPr indent="-381000" lvl="3" marL="1828800" rtl="0">
-              <a:spcBef>
-                <a:spcPts val="3200"/>
-              </a:spcBef>
-              <a:spcAft>
-                <a:spcPts val="0"/>
-              </a:spcAft>
-              <a:buSzPts val="2400"/>
-              <a:buChar char="●"/>
-              <a:defRPr sz="2400"/>
-            </a:lvl4pPr>
-            <a:lvl5pPr indent="-381000" lvl="4" marL="2286000" rtl="0">
-              <a:spcBef>
-                <a:spcPts val="3200"/>
-              </a:spcBef>
-              <a:spcAft>
-                <a:spcPts val="0"/>
-              </a:spcAft>
-              <a:buSzPts val="2400"/>
-              <a:buChar char="○"/>
-              <a:defRPr sz="2400"/>
-            </a:lvl5pPr>
-            <a:lvl6pPr indent="-381000" lvl="5" marL="2743200" rtl="0">
-              <a:spcBef>
-                <a:spcPts val="3200"/>
-              </a:spcBef>
-              <a:spcAft>
-                <a:spcPts val="0"/>
-              </a:spcAft>
-              <a:buSzPts val="2400"/>
-              <a:buChar char="■"/>
-              <a:defRPr sz="2400"/>
-            </a:lvl6pPr>
-            <a:lvl7pPr indent="-381000" lvl="6" marL="3200400" rtl="0">
-              <a:spcBef>
-                <a:spcPts val="3200"/>
-              </a:spcBef>
-              <a:spcAft>
-                <a:spcPts val="0"/>
-              </a:spcAft>
-              <a:buSzPts val="2400"/>
-              <a:buChar char="●"/>
-              <a:defRPr sz="2400"/>
-            </a:lvl7pPr>
-            <a:lvl8pPr indent="-381000" lvl="7" marL="3657600" rtl="0">
-              <a:spcBef>
-                <a:spcPts val="3200"/>
-              </a:spcBef>
-              <a:spcAft>
-                <a:spcPts val="0"/>
-              </a:spcAft>
-              <a:buSzPts val="2400"/>
-              <a:buChar char="○"/>
-              <a:defRPr sz="2400"/>
-            </a:lvl8pPr>
-            <a:lvl9pPr indent="-381000" lvl="8" marL="4114800" rtl="0">
-              <a:spcBef>
-                <a:spcPts val="3200"/>
-              </a:spcBef>
-              <a:spcAft>
-                <a:spcPts val="3200"/>
-              </a:spcAft>
-              <a:buSzPts val="2400"/>
-              <a:buChar char="■"/>
-              <a:defRPr sz="2400"/>
-            </a:lvl9pPr>
-          </a:lstStyle>
-          <a:p/>
-        </p:txBody>
-      </p:sp>
-      <p:sp>
-        <p:nvSpPr>
-          <p:cNvPr id="68" name="Google Shape;68;p17"/>
-          <p:cNvSpPr txBox="1"/>
-          <p:nvPr>
-            <p:ph idx="2" type="body"/>
-          </p:nvPr>
-        </p:nvSpPr>
-        <p:spPr>
-          <a:xfrm>
-            <a:off x="9664800" y="2304950"/>
-            <a:ext cx="7999800" cy="6832800"/>
-          </a:xfrm>
-          <a:prstGeom prst="rect">
-            <a:avLst/>
-          </a:prstGeom>
-        </p:spPr>
-        <p:txBody>
-          <a:bodyPr anchorCtr="0" anchor="t" bIns="182850" lIns="182850" spcFirstLastPara="1" rIns="182850" wrap="square" tIns="182850">
-            <a:noAutofit/>
-          </a:bodyPr>
-          <a:lstStyle>
-            <a:lvl1pPr indent="-406400" lvl="0" marL="457200" rtl="0">
-              <a:spcBef>
-                <a:spcPts val="0"/>
-              </a:spcBef>
-              <a:spcAft>
-                <a:spcPts val="0"/>
-              </a:spcAft>
-              <a:buSzPts val="2800"/>
-              <a:buChar char="●"/>
-              <a:defRPr sz="2800"/>
-            </a:lvl1pPr>
-            <a:lvl2pPr indent="-381000" lvl="1" marL="914400" rtl="0">
-              <a:spcBef>
-                <a:spcPts val="3200"/>
-              </a:spcBef>
-              <a:spcAft>
-                <a:spcPts val="0"/>
-              </a:spcAft>
-              <a:buSzPts val="2400"/>
-              <a:buChar char="○"/>
-              <a:defRPr sz="2400"/>
-            </a:lvl2pPr>
-            <a:lvl3pPr indent="-381000" lvl="2" marL="1371600" rtl="0">
-              <a:spcBef>
-                <a:spcPts val="3200"/>
-              </a:spcBef>
-              <a:spcAft>
-                <a:spcPts val="0"/>
-              </a:spcAft>
-              <a:buSzPts val="2400"/>
-              <a:buChar char="■"/>
-              <a:defRPr sz="2400"/>
-            </a:lvl3pPr>
-            <a:lvl4pPr indent="-381000" lvl="3" marL="1828800" rtl="0">
-              <a:spcBef>
-                <a:spcPts val="3200"/>
-              </a:spcBef>
-              <a:spcAft>
-                <a:spcPts val="0"/>
-              </a:spcAft>
-              <a:buSzPts val="2400"/>
-              <a:buChar char="●"/>
-              <a:defRPr sz="2400"/>
-            </a:lvl4pPr>
-            <a:lvl5pPr indent="-381000" lvl="4" marL="2286000" rtl="0">
-              <a:spcBef>
-                <a:spcPts val="3200"/>
-              </a:spcBef>
-              <a:spcAft>
-                <a:spcPts val="0"/>
-              </a:spcAft>
-              <a:buSzPts val="2400"/>
-              <a:buChar char="○"/>
-              <a:defRPr sz="2400"/>
-            </a:lvl5pPr>
-            <a:lvl6pPr indent="-381000" lvl="5" marL="2743200" rtl="0">
-              <a:spcBef>
-                <a:spcPts val="3200"/>
-              </a:spcBef>
-              <a:spcAft>
-                <a:spcPts val="0"/>
-              </a:spcAft>
-              <a:buSzPts val="2400"/>
-              <a:buChar char="■"/>
-              <a:defRPr sz="2400"/>
-            </a:lvl6pPr>
-            <a:lvl7pPr indent="-381000" lvl="6" marL="3200400" rtl="0">
-              <a:spcBef>
-                <a:spcPts val="3200"/>
-              </a:spcBef>
-              <a:spcAft>
-                <a:spcPts val="0"/>
-              </a:spcAft>
-              <a:buSzPts val="2400"/>
-              <a:buChar char="●"/>
-              <a:defRPr sz="2400"/>
-            </a:lvl7pPr>
-            <a:lvl8pPr indent="-381000" lvl="7" marL="3657600" rtl="0">
-              <a:spcBef>
-                <a:spcPts val="3200"/>
-              </a:spcBef>
-              <a:spcAft>
-                <a:spcPts val="0"/>
-              </a:spcAft>
-              <a:buSzPts val="2400"/>
-              <a:buChar char="○"/>
-              <a:defRPr sz="2400"/>
-            </a:lvl8pPr>
-            <a:lvl9pPr indent="-381000" lvl="8" marL="4114800" rtl="0">
-              <a:spcBef>
-                <a:spcPts val="3200"/>
-              </a:spcBef>
-              <a:spcAft>
-                <a:spcPts val="3200"/>
-              </a:spcAft>
-              <a:buSzPts val="2400"/>
-              <a:buChar char="■"/>
-              <a:defRPr sz="2400"/>
-            </a:lvl9pPr>
-          </a:lstStyle>
-          <a:p/>
-        </p:txBody>
-      </p:sp>
-      <p:sp>
-        <p:nvSpPr>
-          <p:cNvPr id="69" name="Google Shape;69;p17"/>
           <p:cNvSpPr txBox="1"/>
           <p:nvPr>
             <p:ph idx="12" type="sldNum"/>
@@ -6156,11 +6350,11 @@
 </file>
 
 <file path=ppt/slideLayouts/slideLayout16.xml><?xml version="1.0" encoding="utf-8"?>
-<p:sldLayout xmlns:a="http://schemas.openxmlformats.org/drawingml/2006/main" xmlns:r="http://schemas.openxmlformats.org/officeDocument/2006/relationships" xmlns:mc="http://schemas.openxmlformats.org/markup-compatibility/2006" xmlns:mv="urn:schemas-microsoft-com:mac:vml" xmlns:p="http://schemas.openxmlformats.org/presentationml/2006/main" xmlns:c="http://schemas.openxmlformats.org/drawingml/2006/chart" xmlns:dgm="http://schemas.openxmlformats.org/drawingml/2006/diagram" xmlns:o="urn:schemas-microsoft-com:office:office" xmlns:v="urn:schemas-microsoft-com:vml" xmlns:pvml="urn:schemas-microsoft-com:office:powerpoint" xmlns:com="http://schemas.openxmlformats.org/drawingml/2006/compatibility" xmlns:p14="http://schemas.microsoft.com/office/powerpoint/2010/main" xmlns:p15="http://schemas.microsoft.com/office/powerpoint/2012/main" xmlns:ahyp="http://schemas.microsoft.com/office/drawing/2018/hyperlinkcolor" matchingName="Title only" type="titleOnly">
-  <p:cSld name="TITLE_ONLY">
+<p:sldLayout xmlns:a="http://schemas.openxmlformats.org/drawingml/2006/main" xmlns:r="http://schemas.openxmlformats.org/officeDocument/2006/relationships" xmlns:mc="http://schemas.openxmlformats.org/markup-compatibility/2006" xmlns:mv="urn:schemas-microsoft-com:mac:vml" xmlns:p="http://schemas.openxmlformats.org/presentationml/2006/main" xmlns:c="http://schemas.openxmlformats.org/drawingml/2006/chart" xmlns:dgm="http://schemas.openxmlformats.org/drawingml/2006/diagram" xmlns:o="urn:schemas-microsoft-com:office:office" xmlns:v="urn:schemas-microsoft-com:vml" xmlns:pvml="urn:schemas-microsoft-com:office:powerpoint" xmlns:com="http://schemas.openxmlformats.org/drawingml/2006/compatibility" xmlns:p14="http://schemas.microsoft.com/office/powerpoint/2010/main" xmlns:p15="http://schemas.microsoft.com/office/powerpoint/2012/main" xmlns:ahyp="http://schemas.microsoft.com/office/drawing/2018/hyperlinkcolor" matchingName="Title and two columns" type="twoColTx">
+  <p:cSld name="TITLE_AND_TWO_COLUMNS">
     <p:spTree>
       <p:nvGrpSpPr>
-        <p:cNvPr id="70" name="Shape 70"/>
+        <p:cNvPr id="68" name="Shape 68"/>
         <p:cNvGrpSpPr/>
         <p:nvPr/>
       </p:nvGrpSpPr>
@@ -6174,7 +6368,7 @@
       </p:grpSpPr>
       <p:sp>
         <p:nvSpPr>
-          <p:cNvPr id="71" name="Google Shape;71;p18"/>
+          <p:cNvPr id="69" name="Google Shape;69;p18"/>
           <p:cNvSpPr txBox="1"/>
           <p:nvPr>
             <p:ph type="title"/>
@@ -6292,6 +6486,256 @@
               <a:buSzPts val="5600"/>
               <a:buNone/>
               <a:defRPr/>
+            </a:lvl9pPr>
+          </a:lstStyle>
+          <a:p/>
+        </p:txBody>
+      </p:sp>
+      <p:sp>
+        <p:nvSpPr>
+          <p:cNvPr id="70" name="Google Shape;70;p18"/>
+          <p:cNvSpPr txBox="1"/>
+          <p:nvPr>
+            <p:ph idx="1" type="body"/>
+          </p:nvPr>
+        </p:nvSpPr>
+        <p:spPr>
+          <a:xfrm>
+            <a:off x="623400" y="2304950"/>
+            <a:ext cx="7999800" cy="6832800"/>
+          </a:xfrm>
+          <a:prstGeom prst="rect">
+            <a:avLst/>
+          </a:prstGeom>
+        </p:spPr>
+        <p:txBody>
+          <a:bodyPr anchorCtr="0" anchor="t" bIns="182850" lIns="182850" spcFirstLastPara="1" rIns="182850" wrap="square" tIns="182850">
+            <a:noAutofit/>
+          </a:bodyPr>
+          <a:lstStyle>
+            <a:lvl1pPr indent="-406400" lvl="0" marL="457200" rtl="0">
+              <a:spcBef>
+                <a:spcPts val="0"/>
+              </a:spcBef>
+              <a:spcAft>
+                <a:spcPts val="0"/>
+              </a:spcAft>
+              <a:buSzPts val="2800"/>
+              <a:buChar char="●"/>
+              <a:defRPr sz="2800"/>
+            </a:lvl1pPr>
+            <a:lvl2pPr indent="-381000" lvl="1" marL="914400" rtl="0">
+              <a:spcBef>
+                <a:spcPts val="3200"/>
+              </a:spcBef>
+              <a:spcAft>
+                <a:spcPts val="0"/>
+              </a:spcAft>
+              <a:buSzPts val="2400"/>
+              <a:buChar char="○"/>
+              <a:defRPr sz="2400"/>
+            </a:lvl2pPr>
+            <a:lvl3pPr indent="-381000" lvl="2" marL="1371600" rtl="0">
+              <a:spcBef>
+                <a:spcPts val="3200"/>
+              </a:spcBef>
+              <a:spcAft>
+                <a:spcPts val="0"/>
+              </a:spcAft>
+              <a:buSzPts val="2400"/>
+              <a:buChar char="■"/>
+              <a:defRPr sz="2400"/>
+            </a:lvl3pPr>
+            <a:lvl4pPr indent="-381000" lvl="3" marL="1828800" rtl="0">
+              <a:spcBef>
+                <a:spcPts val="3200"/>
+              </a:spcBef>
+              <a:spcAft>
+                <a:spcPts val="0"/>
+              </a:spcAft>
+              <a:buSzPts val="2400"/>
+              <a:buChar char="●"/>
+              <a:defRPr sz="2400"/>
+            </a:lvl4pPr>
+            <a:lvl5pPr indent="-381000" lvl="4" marL="2286000" rtl="0">
+              <a:spcBef>
+                <a:spcPts val="3200"/>
+              </a:spcBef>
+              <a:spcAft>
+                <a:spcPts val="0"/>
+              </a:spcAft>
+              <a:buSzPts val="2400"/>
+              <a:buChar char="○"/>
+              <a:defRPr sz="2400"/>
+            </a:lvl5pPr>
+            <a:lvl6pPr indent="-381000" lvl="5" marL="2743200" rtl="0">
+              <a:spcBef>
+                <a:spcPts val="3200"/>
+              </a:spcBef>
+              <a:spcAft>
+                <a:spcPts val="0"/>
+              </a:spcAft>
+              <a:buSzPts val="2400"/>
+              <a:buChar char="■"/>
+              <a:defRPr sz="2400"/>
+            </a:lvl6pPr>
+            <a:lvl7pPr indent="-381000" lvl="6" marL="3200400" rtl="0">
+              <a:spcBef>
+                <a:spcPts val="3200"/>
+              </a:spcBef>
+              <a:spcAft>
+                <a:spcPts val="0"/>
+              </a:spcAft>
+              <a:buSzPts val="2400"/>
+              <a:buChar char="●"/>
+              <a:defRPr sz="2400"/>
+            </a:lvl7pPr>
+            <a:lvl8pPr indent="-381000" lvl="7" marL="3657600" rtl="0">
+              <a:spcBef>
+                <a:spcPts val="3200"/>
+              </a:spcBef>
+              <a:spcAft>
+                <a:spcPts val="0"/>
+              </a:spcAft>
+              <a:buSzPts val="2400"/>
+              <a:buChar char="○"/>
+              <a:defRPr sz="2400"/>
+            </a:lvl8pPr>
+            <a:lvl9pPr indent="-381000" lvl="8" marL="4114800" rtl="0">
+              <a:spcBef>
+                <a:spcPts val="3200"/>
+              </a:spcBef>
+              <a:spcAft>
+                <a:spcPts val="3200"/>
+              </a:spcAft>
+              <a:buSzPts val="2400"/>
+              <a:buChar char="■"/>
+              <a:defRPr sz="2400"/>
+            </a:lvl9pPr>
+          </a:lstStyle>
+          <a:p/>
+        </p:txBody>
+      </p:sp>
+      <p:sp>
+        <p:nvSpPr>
+          <p:cNvPr id="71" name="Google Shape;71;p18"/>
+          <p:cNvSpPr txBox="1"/>
+          <p:nvPr>
+            <p:ph idx="2" type="body"/>
+          </p:nvPr>
+        </p:nvSpPr>
+        <p:spPr>
+          <a:xfrm>
+            <a:off x="9664800" y="2304950"/>
+            <a:ext cx="7999800" cy="6832800"/>
+          </a:xfrm>
+          <a:prstGeom prst="rect">
+            <a:avLst/>
+          </a:prstGeom>
+        </p:spPr>
+        <p:txBody>
+          <a:bodyPr anchorCtr="0" anchor="t" bIns="182850" lIns="182850" spcFirstLastPara="1" rIns="182850" wrap="square" tIns="182850">
+            <a:noAutofit/>
+          </a:bodyPr>
+          <a:lstStyle>
+            <a:lvl1pPr indent="-406400" lvl="0" marL="457200" rtl="0">
+              <a:spcBef>
+                <a:spcPts val="0"/>
+              </a:spcBef>
+              <a:spcAft>
+                <a:spcPts val="0"/>
+              </a:spcAft>
+              <a:buSzPts val="2800"/>
+              <a:buChar char="●"/>
+              <a:defRPr sz="2800"/>
+            </a:lvl1pPr>
+            <a:lvl2pPr indent="-381000" lvl="1" marL="914400" rtl="0">
+              <a:spcBef>
+                <a:spcPts val="3200"/>
+              </a:spcBef>
+              <a:spcAft>
+                <a:spcPts val="0"/>
+              </a:spcAft>
+              <a:buSzPts val="2400"/>
+              <a:buChar char="○"/>
+              <a:defRPr sz="2400"/>
+            </a:lvl2pPr>
+            <a:lvl3pPr indent="-381000" lvl="2" marL="1371600" rtl="0">
+              <a:spcBef>
+                <a:spcPts val="3200"/>
+              </a:spcBef>
+              <a:spcAft>
+                <a:spcPts val="0"/>
+              </a:spcAft>
+              <a:buSzPts val="2400"/>
+              <a:buChar char="■"/>
+              <a:defRPr sz="2400"/>
+            </a:lvl3pPr>
+            <a:lvl4pPr indent="-381000" lvl="3" marL="1828800" rtl="0">
+              <a:spcBef>
+                <a:spcPts val="3200"/>
+              </a:spcBef>
+              <a:spcAft>
+                <a:spcPts val="0"/>
+              </a:spcAft>
+              <a:buSzPts val="2400"/>
+              <a:buChar char="●"/>
+              <a:defRPr sz="2400"/>
+            </a:lvl4pPr>
+            <a:lvl5pPr indent="-381000" lvl="4" marL="2286000" rtl="0">
+              <a:spcBef>
+                <a:spcPts val="3200"/>
+              </a:spcBef>
+              <a:spcAft>
+                <a:spcPts val="0"/>
+              </a:spcAft>
+              <a:buSzPts val="2400"/>
+              <a:buChar char="○"/>
+              <a:defRPr sz="2400"/>
+            </a:lvl5pPr>
+            <a:lvl6pPr indent="-381000" lvl="5" marL="2743200" rtl="0">
+              <a:spcBef>
+                <a:spcPts val="3200"/>
+              </a:spcBef>
+              <a:spcAft>
+                <a:spcPts val="0"/>
+              </a:spcAft>
+              <a:buSzPts val="2400"/>
+              <a:buChar char="■"/>
+              <a:defRPr sz="2400"/>
+            </a:lvl6pPr>
+            <a:lvl7pPr indent="-381000" lvl="6" marL="3200400" rtl="0">
+              <a:spcBef>
+                <a:spcPts val="3200"/>
+              </a:spcBef>
+              <a:spcAft>
+                <a:spcPts val="0"/>
+              </a:spcAft>
+              <a:buSzPts val="2400"/>
+              <a:buChar char="●"/>
+              <a:defRPr sz="2400"/>
+            </a:lvl7pPr>
+            <a:lvl8pPr indent="-381000" lvl="7" marL="3657600" rtl="0">
+              <a:spcBef>
+                <a:spcPts val="3200"/>
+              </a:spcBef>
+              <a:spcAft>
+                <a:spcPts val="0"/>
+              </a:spcAft>
+              <a:buSzPts val="2400"/>
+              <a:buChar char="○"/>
+              <a:defRPr sz="2400"/>
+            </a:lvl8pPr>
+            <a:lvl9pPr indent="-381000" lvl="8" marL="4114800" rtl="0">
+              <a:spcBef>
+                <a:spcPts val="3200"/>
+              </a:spcBef>
+              <a:spcAft>
+                <a:spcPts val="3200"/>
+              </a:spcAft>
+              <a:buSzPts val="2400"/>
+              <a:buChar char="■"/>
+              <a:defRPr sz="2400"/>
             </a:lvl9pPr>
           </a:lstStyle>
           <a:p/>
@@ -6383,8 +6827,8 @@
 </file>
 
 <file path=ppt/slideLayouts/slideLayout17.xml><?xml version="1.0" encoding="utf-8"?>
-<p:sldLayout xmlns:a="http://schemas.openxmlformats.org/drawingml/2006/main" xmlns:r="http://schemas.openxmlformats.org/officeDocument/2006/relationships" xmlns:mc="http://schemas.openxmlformats.org/markup-compatibility/2006" xmlns:mv="urn:schemas-microsoft-com:mac:vml" xmlns:p="http://schemas.openxmlformats.org/presentationml/2006/main" xmlns:c="http://schemas.openxmlformats.org/drawingml/2006/chart" xmlns:dgm="http://schemas.openxmlformats.org/drawingml/2006/diagram" xmlns:o="urn:schemas-microsoft-com:office:office" xmlns:v="urn:schemas-microsoft-com:vml" xmlns:pvml="urn:schemas-microsoft-com:office:powerpoint" xmlns:com="http://schemas.openxmlformats.org/drawingml/2006/compatibility" xmlns:p14="http://schemas.microsoft.com/office/powerpoint/2010/main" xmlns:p15="http://schemas.microsoft.com/office/powerpoint/2012/main" xmlns:ahyp="http://schemas.microsoft.com/office/drawing/2018/hyperlinkcolor" matchingName="One column text">
-  <p:cSld name="ONE_COLUMN_TEXT">
+<p:sldLayout xmlns:a="http://schemas.openxmlformats.org/drawingml/2006/main" xmlns:r="http://schemas.openxmlformats.org/officeDocument/2006/relationships" xmlns:mc="http://schemas.openxmlformats.org/markup-compatibility/2006" xmlns:mv="urn:schemas-microsoft-com:mac:vml" xmlns:p="http://schemas.openxmlformats.org/presentationml/2006/main" xmlns:c="http://schemas.openxmlformats.org/drawingml/2006/chart" xmlns:dgm="http://schemas.openxmlformats.org/drawingml/2006/diagram" xmlns:o="urn:schemas-microsoft-com:office:office" xmlns:v="urn:schemas-microsoft-com:vml" xmlns:pvml="urn:schemas-microsoft-com:office:powerpoint" xmlns:com="http://schemas.openxmlformats.org/drawingml/2006/compatibility" xmlns:p14="http://schemas.microsoft.com/office/powerpoint/2010/main" xmlns:p15="http://schemas.microsoft.com/office/powerpoint/2012/main" xmlns:ahyp="http://schemas.microsoft.com/office/drawing/2018/hyperlinkcolor" matchingName="Title only" type="titleOnly">
+  <p:cSld name="TITLE_ONLY">
     <p:spTree>
       <p:nvGrpSpPr>
         <p:cNvPr id="73" name="Shape 73"/>
@@ -6409,15 +6853,15 @@
         </p:nvSpPr>
         <p:spPr>
           <a:xfrm>
-            <a:off x="623400" y="1111200"/>
-            <a:ext cx="5616000" cy="1511400"/>
+            <a:off x="623400" y="890050"/>
+            <a:ext cx="17041200" cy="1145400"/>
           </a:xfrm>
           <a:prstGeom prst="rect">
             <a:avLst/>
           </a:prstGeom>
         </p:spPr>
         <p:txBody>
-          <a:bodyPr anchorCtr="0" anchor="b" bIns="182850" lIns="182850" spcFirstLastPara="1" rIns="182850" wrap="square" tIns="182850">
+          <a:bodyPr anchorCtr="0" anchor="t" bIns="182850" lIns="182850" spcFirstLastPara="1" rIns="182850" wrap="square" tIns="182850">
             <a:noAutofit/>
           </a:bodyPr>
           <a:lstStyle>
@@ -6428,9 +6872,9 @@
               <a:spcAft>
                 <a:spcPts val="0"/>
               </a:spcAft>
-              <a:buSzPts val="4800"/>
-              <a:buNone/>
-              <a:defRPr sz="4800"/>
+              <a:buSzPts val="5600"/>
+              <a:buNone/>
+              <a:defRPr/>
             </a:lvl1pPr>
             <a:lvl2pPr lvl="1" rtl="0">
               <a:spcBef>
@@ -6439,9 +6883,9 @@
               <a:spcAft>
                 <a:spcPts val="0"/>
               </a:spcAft>
-              <a:buSzPts val="4800"/>
-              <a:buNone/>
-              <a:defRPr sz="4800"/>
+              <a:buSzPts val="5600"/>
+              <a:buNone/>
+              <a:defRPr/>
             </a:lvl2pPr>
             <a:lvl3pPr lvl="2" rtl="0">
               <a:spcBef>
@@ -6450,9 +6894,9 @@
               <a:spcAft>
                 <a:spcPts val="0"/>
               </a:spcAft>
-              <a:buSzPts val="4800"/>
-              <a:buNone/>
-              <a:defRPr sz="4800"/>
+              <a:buSzPts val="5600"/>
+              <a:buNone/>
+              <a:defRPr/>
             </a:lvl3pPr>
             <a:lvl4pPr lvl="3" rtl="0">
               <a:spcBef>
@@ -6461,9 +6905,9 @@
               <a:spcAft>
                 <a:spcPts val="0"/>
               </a:spcAft>
-              <a:buSzPts val="4800"/>
-              <a:buNone/>
-              <a:defRPr sz="4800"/>
+              <a:buSzPts val="5600"/>
+              <a:buNone/>
+              <a:defRPr/>
             </a:lvl4pPr>
             <a:lvl5pPr lvl="4" rtl="0">
               <a:spcBef>
@@ -6472,9 +6916,9 @@
               <a:spcAft>
                 <a:spcPts val="0"/>
               </a:spcAft>
-              <a:buSzPts val="4800"/>
-              <a:buNone/>
-              <a:defRPr sz="4800"/>
+              <a:buSzPts val="5600"/>
+              <a:buNone/>
+              <a:defRPr/>
             </a:lvl5pPr>
             <a:lvl6pPr lvl="5" rtl="0">
               <a:spcBef>
@@ -6483,9 +6927,9 @@
               <a:spcAft>
                 <a:spcPts val="0"/>
               </a:spcAft>
-              <a:buSzPts val="4800"/>
-              <a:buNone/>
-              <a:defRPr sz="4800"/>
+              <a:buSzPts val="5600"/>
+              <a:buNone/>
+              <a:defRPr/>
             </a:lvl6pPr>
             <a:lvl7pPr lvl="6" rtl="0">
               <a:spcBef>
@@ -6494,9 +6938,9 @@
               <a:spcAft>
                 <a:spcPts val="0"/>
               </a:spcAft>
-              <a:buSzPts val="4800"/>
-              <a:buNone/>
-              <a:defRPr sz="4800"/>
+              <a:buSzPts val="5600"/>
+              <a:buNone/>
+              <a:defRPr/>
             </a:lvl7pPr>
             <a:lvl8pPr lvl="7" rtl="0">
               <a:spcBef>
@@ -6505,9 +6949,9 @@
               <a:spcAft>
                 <a:spcPts val="0"/>
               </a:spcAft>
-              <a:buSzPts val="4800"/>
-              <a:buNone/>
-              <a:defRPr sz="4800"/>
+              <a:buSzPts val="5600"/>
+              <a:buNone/>
+              <a:defRPr/>
             </a:lvl8pPr>
             <a:lvl9pPr lvl="8" rtl="0">
               <a:spcBef>
@@ -6516,9 +6960,9 @@
               <a:spcAft>
                 <a:spcPts val="0"/>
               </a:spcAft>
-              <a:buSzPts val="4800"/>
-              <a:buNone/>
-              <a:defRPr sz="4800"/>
+              <a:buSzPts val="5600"/>
+              <a:buNone/>
+              <a:defRPr/>
             </a:lvl9pPr>
           </a:lstStyle>
           <a:p/>
@@ -6527,131 +6971,6 @@
       <p:sp>
         <p:nvSpPr>
           <p:cNvPr id="75" name="Google Shape;75;p19"/>
-          <p:cNvSpPr txBox="1"/>
-          <p:nvPr>
-            <p:ph idx="1" type="body"/>
-          </p:nvPr>
-        </p:nvSpPr>
-        <p:spPr>
-          <a:xfrm>
-            <a:off x="623400" y="2779200"/>
-            <a:ext cx="5616000" cy="6358800"/>
-          </a:xfrm>
-          <a:prstGeom prst="rect">
-            <a:avLst/>
-          </a:prstGeom>
-        </p:spPr>
-        <p:txBody>
-          <a:bodyPr anchorCtr="0" anchor="t" bIns="182850" lIns="182850" spcFirstLastPara="1" rIns="182850" wrap="square" tIns="182850">
-            <a:noAutofit/>
-          </a:bodyPr>
-          <a:lstStyle>
-            <a:lvl1pPr indent="-381000" lvl="0" marL="457200" rtl="0">
-              <a:spcBef>
-                <a:spcPts val="0"/>
-              </a:spcBef>
-              <a:spcAft>
-                <a:spcPts val="0"/>
-              </a:spcAft>
-              <a:buSzPts val="2400"/>
-              <a:buChar char="●"/>
-              <a:defRPr sz="2400"/>
-            </a:lvl1pPr>
-            <a:lvl2pPr indent="-381000" lvl="1" marL="914400" rtl="0">
-              <a:spcBef>
-                <a:spcPts val="3200"/>
-              </a:spcBef>
-              <a:spcAft>
-                <a:spcPts val="0"/>
-              </a:spcAft>
-              <a:buSzPts val="2400"/>
-              <a:buChar char="○"/>
-              <a:defRPr sz="2400"/>
-            </a:lvl2pPr>
-            <a:lvl3pPr indent="-381000" lvl="2" marL="1371600" rtl="0">
-              <a:spcBef>
-                <a:spcPts val="3200"/>
-              </a:spcBef>
-              <a:spcAft>
-                <a:spcPts val="0"/>
-              </a:spcAft>
-              <a:buSzPts val="2400"/>
-              <a:buChar char="■"/>
-              <a:defRPr sz="2400"/>
-            </a:lvl3pPr>
-            <a:lvl4pPr indent="-381000" lvl="3" marL="1828800" rtl="0">
-              <a:spcBef>
-                <a:spcPts val="3200"/>
-              </a:spcBef>
-              <a:spcAft>
-                <a:spcPts val="0"/>
-              </a:spcAft>
-              <a:buSzPts val="2400"/>
-              <a:buChar char="●"/>
-              <a:defRPr sz="2400"/>
-            </a:lvl4pPr>
-            <a:lvl5pPr indent="-381000" lvl="4" marL="2286000" rtl="0">
-              <a:spcBef>
-                <a:spcPts val="3200"/>
-              </a:spcBef>
-              <a:spcAft>
-                <a:spcPts val="0"/>
-              </a:spcAft>
-              <a:buSzPts val="2400"/>
-              <a:buChar char="○"/>
-              <a:defRPr sz="2400"/>
-            </a:lvl5pPr>
-            <a:lvl6pPr indent="-381000" lvl="5" marL="2743200" rtl="0">
-              <a:spcBef>
-                <a:spcPts val="3200"/>
-              </a:spcBef>
-              <a:spcAft>
-                <a:spcPts val="0"/>
-              </a:spcAft>
-              <a:buSzPts val="2400"/>
-              <a:buChar char="■"/>
-              <a:defRPr sz="2400"/>
-            </a:lvl6pPr>
-            <a:lvl7pPr indent="-381000" lvl="6" marL="3200400" rtl="0">
-              <a:spcBef>
-                <a:spcPts val="3200"/>
-              </a:spcBef>
-              <a:spcAft>
-                <a:spcPts val="0"/>
-              </a:spcAft>
-              <a:buSzPts val="2400"/>
-              <a:buChar char="●"/>
-              <a:defRPr sz="2400"/>
-            </a:lvl7pPr>
-            <a:lvl8pPr indent="-381000" lvl="7" marL="3657600" rtl="0">
-              <a:spcBef>
-                <a:spcPts val="3200"/>
-              </a:spcBef>
-              <a:spcAft>
-                <a:spcPts val="0"/>
-              </a:spcAft>
-              <a:buSzPts val="2400"/>
-              <a:buChar char="○"/>
-              <a:defRPr sz="2400"/>
-            </a:lvl8pPr>
-            <a:lvl9pPr indent="-381000" lvl="8" marL="4114800" rtl="0">
-              <a:spcBef>
-                <a:spcPts val="3200"/>
-              </a:spcBef>
-              <a:spcAft>
-                <a:spcPts val="3200"/>
-              </a:spcAft>
-              <a:buSzPts val="2400"/>
-              <a:buChar char="■"/>
-              <a:defRPr sz="2400"/>
-            </a:lvl9pPr>
-          </a:lstStyle>
-          <a:p/>
-        </p:txBody>
-      </p:sp>
-      <p:sp>
-        <p:nvSpPr>
-          <p:cNvPr id="76" name="Google Shape;76;p19"/>
           <p:cNvSpPr txBox="1"/>
           <p:nvPr>
             <p:ph idx="12" type="sldNum"/>
@@ -6735,11 +7054,11 @@
 </file>
 
 <file path=ppt/slideLayouts/slideLayout18.xml><?xml version="1.0" encoding="utf-8"?>
-<p:sldLayout xmlns:a="http://schemas.openxmlformats.org/drawingml/2006/main" xmlns:r="http://schemas.openxmlformats.org/officeDocument/2006/relationships" xmlns:mc="http://schemas.openxmlformats.org/markup-compatibility/2006" xmlns:mv="urn:schemas-microsoft-com:mac:vml" xmlns:p="http://schemas.openxmlformats.org/presentationml/2006/main" xmlns:c="http://schemas.openxmlformats.org/drawingml/2006/chart" xmlns:dgm="http://schemas.openxmlformats.org/drawingml/2006/diagram" xmlns:o="urn:schemas-microsoft-com:office:office" xmlns:v="urn:schemas-microsoft-com:vml" xmlns:pvml="urn:schemas-microsoft-com:office:powerpoint" xmlns:com="http://schemas.openxmlformats.org/drawingml/2006/compatibility" xmlns:p14="http://schemas.microsoft.com/office/powerpoint/2010/main" xmlns:p15="http://schemas.microsoft.com/office/powerpoint/2012/main" xmlns:ahyp="http://schemas.microsoft.com/office/drawing/2018/hyperlinkcolor" matchingName="Main point">
-  <p:cSld name="MAIN_POINT">
+<p:sldLayout xmlns:a="http://schemas.openxmlformats.org/drawingml/2006/main" xmlns:r="http://schemas.openxmlformats.org/officeDocument/2006/relationships" xmlns:mc="http://schemas.openxmlformats.org/markup-compatibility/2006" xmlns:mv="urn:schemas-microsoft-com:mac:vml" xmlns:p="http://schemas.openxmlformats.org/presentationml/2006/main" xmlns:c="http://schemas.openxmlformats.org/drawingml/2006/chart" xmlns:dgm="http://schemas.openxmlformats.org/drawingml/2006/diagram" xmlns:o="urn:schemas-microsoft-com:office:office" xmlns:v="urn:schemas-microsoft-com:vml" xmlns:pvml="urn:schemas-microsoft-com:office:powerpoint" xmlns:com="http://schemas.openxmlformats.org/drawingml/2006/compatibility" xmlns:p14="http://schemas.microsoft.com/office/powerpoint/2010/main" xmlns:p15="http://schemas.microsoft.com/office/powerpoint/2012/main" xmlns:ahyp="http://schemas.microsoft.com/office/drawing/2018/hyperlinkcolor" matchingName="One column text">
+  <p:cSld name="ONE_COLUMN_TEXT">
     <p:spTree>
       <p:nvGrpSpPr>
-        <p:cNvPr id="77" name="Shape 77"/>
+        <p:cNvPr id="76" name="Shape 76"/>
         <p:cNvGrpSpPr/>
         <p:nvPr/>
       </p:nvGrpSpPr>
@@ -6753,7 +7072,7 @@
       </p:grpSpPr>
       <p:sp>
         <p:nvSpPr>
-          <p:cNvPr id="78" name="Google Shape;78;p20"/>
+          <p:cNvPr id="77" name="Google Shape;77;p20"/>
           <p:cNvSpPr txBox="1"/>
           <p:nvPr>
             <p:ph type="title"/>
@@ -6761,15 +7080,15 @@
         </p:nvSpPr>
         <p:spPr>
           <a:xfrm>
-            <a:off x="980500" y="900300"/>
-            <a:ext cx="12735600" cy="8181600"/>
+            <a:off x="623400" y="1111200"/>
+            <a:ext cx="5616000" cy="1511400"/>
           </a:xfrm>
           <a:prstGeom prst="rect">
             <a:avLst/>
           </a:prstGeom>
         </p:spPr>
         <p:txBody>
-          <a:bodyPr anchorCtr="0" anchor="ctr" bIns="182850" lIns="182850" spcFirstLastPara="1" rIns="182850" wrap="square" tIns="182850">
+          <a:bodyPr anchorCtr="0" anchor="b" bIns="182850" lIns="182850" spcFirstLastPara="1" rIns="182850" wrap="square" tIns="182850">
             <a:noAutofit/>
           </a:bodyPr>
           <a:lstStyle>
@@ -6780,9 +7099,9 @@
               <a:spcAft>
                 <a:spcPts val="0"/>
               </a:spcAft>
-              <a:buSzPts val="9600"/>
-              <a:buNone/>
-              <a:defRPr sz="9600"/>
+              <a:buSzPts val="4800"/>
+              <a:buNone/>
+              <a:defRPr sz="4800"/>
             </a:lvl1pPr>
             <a:lvl2pPr lvl="1" rtl="0">
               <a:spcBef>
@@ -6791,9 +7110,9 @@
               <a:spcAft>
                 <a:spcPts val="0"/>
               </a:spcAft>
-              <a:buSzPts val="9600"/>
-              <a:buNone/>
-              <a:defRPr sz="9600"/>
+              <a:buSzPts val="4800"/>
+              <a:buNone/>
+              <a:defRPr sz="4800"/>
             </a:lvl2pPr>
             <a:lvl3pPr lvl="2" rtl="0">
               <a:spcBef>
@@ -6802,9 +7121,9 @@
               <a:spcAft>
                 <a:spcPts val="0"/>
               </a:spcAft>
-              <a:buSzPts val="9600"/>
-              <a:buNone/>
-              <a:defRPr sz="9600"/>
+              <a:buSzPts val="4800"/>
+              <a:buNone/>
+              <a:defRPr sz="4800"/>
             </a:lvl3pPr>
             <a:lvl4pPr lvl="3" rtl="0">
               <a:spcBef>
@@ -6813,9 +7132,9 @@
               <a:spcAft>
                 <a:spcPts val="0"/>
               </a:spcAft>
-              <a:buSzPts val="9600"/>
-              <a:buNone/>
-              <a:defRPr sz="9600"/>
+              <a:buSzPts val="4800"/>
+              <a:buNone/>
+              <a:defRPr sz="4800"/>
             </a:lvl4pPr>
             <a:lvl5pPr lvl="4" rtl="0">
               <a:spcBef>
@@ -6824,9 +7143,9 @@
               <a:spcAft>
                 <a:spcPts val="0"/>
               </a:spcAft>
-              <a:buSzPts val="9600"/>
-              <a:buNone/>
-              <a:defRPr sz="9600"/>
+              <a:buSzPts val="4800"/>
+              <a:buNone/>
+              <a:defRPr sz="4800"/>
             </a:lvl5pPr>
             <a:lvl6pPr lvl="5" rtl="0">
               <a:spcBef>
@@ -6835,9 +7154,9 @@
               <a:spcAft>
                 <a:spcPts val="0"/>
               </a:spcAft>
-              <a:buSzPts val="9600"/>
-              <a:buNone/>
-              <a:defRPr sz="9600"/>
+              <a:buSzPts val="4800"/>
+              <a:buNone/>
+              <a:defRPr sz="4800"/>
             </a:lvl6pPr>
             <a:lvl7pPr lvl="6" rtl="0">
               <a:spcBef>
@@ -6846,9 +7165,9 @@
               <a:spcAft>
                 <a:spcPts val="0"/>
               </a:spcAft>
-              <a:buSzPts val="9600"/>
-              <a:buNone/>
-              <a:defRPr sz="9600"/>
+              <a:buSzPts val="4800"/>
+              <a:buNone/>
+              <a:defRPr sz="4800"/>
             </a:lvl7pPr>
             <a:lvl8pPr lvl="7" rtl="0">
               <a:spcBef>
@@ -6857,9 +7176,9 @@
               <a:spcAft>
                 <a:spcPts val="0"/>
               </a:spcAft>
-              <a:buSzPts val="9600"/>
-              <a:buNone/>
-              <a:defRPr sz="9600"/>
+              <a:buSzPts val="4800"/>
+              <a:buNone/>
+              <a:defRPr sz="4800"/>
             </a:lvl8pPr>
             <a:lvl9pPr lvl="8" rtl="0">
               <a:spcBef>
@@ -6868,9 +7187,134 @@
               <a:spcAft>
                 <a:spcPts val="0"/>
               </a:spcAft>
-              <a:buSzPts val="9600"/>
-              <a:buNone/>
-              <a:defRPr sz="9600"/>
+              <a:buSzPts val="4800"/>
+              <a:buNone/>
+              <a:defRPr sz="4800"/>
+            </a:lvl9pPr>
+          </a:lstStyle>
+          <a:p/>
+        </p:txBody>
+      </p:sp>
+      <p:sp>
+        <p:nvSpPr>
+          <p:cNvPr id="78" name="Google Shape;78;p20"/>
+          <p:cNvSpPr txBox="1"/>
+          <p:nvPr>
+            <p:ph idx="1" type="body"/>
+          </p:nvPr>
+        </p:nvSpPr>
+        <p:spPr>
+          <a:xfrm>
+            <a:off x="623400" y="2779200"/>
+            <a:ext cx="5616000" cy="6358800"/>
+          </a:xfrm>
+          <a:prstGeom prst="rect">
+            <a:avLst/>
+          </a:prstGeom>
+        </p:spPr>
+        <p:txBody>
+          <a:bodyPr anchorCtr="0" anchor="t" bIns="182850" lIns="182850" spcFirstLastPara="1" rIns="182850" wrap="square" tIns="182850">
+            <a:noAutofit/>
+          </a:bodyPr>
+          <a:lstStyle>
+            <a:lvl1pPr indent="-381000" lvl="0" marL="457200" rtl="0">
+              <a:spcBef>
+                <a:spcPts val="0"/>
+              </a:spcBef>
+              <a:spcAft>
+                <a:spcPts val="0"/>
+              </a:spcAft>
+              <a:buSzPts val="2400"/>
+              <a:buChar char="●"/>
+              <a:defRPr sz="2400"/>
+            </a:lvl1pPr>
+            <a:lvl2pPr indent="-381000" lvl="1" marL="914400" rtl="0">
+              <a:spcBef>
+                <a:spcPts val="3200"/>
+              </a:spcBef>
+              <a:spcAft>
+                <a:spcPts val="0"/>
+              </a:spcAft>
+              <a:buSzPts val="2400"/>
+              <a:buChar char="○"/>
+              <a:defRPr sz="2400"/>
+            </a:lvl2pPr>
+            <a:lvl3pPr indent="-381000" lvl="2" marL="1371600" rtl="0">
+              <a:spcBef>
+                <a:spcPts val="3200"/>
+              </a:spcBef>
+              <a:spcAft>
+                <a:spcPts val="0"/>
+              </a:spcAft>
+              <a:buSzPts val="2400"/>
+              <a:buChar char="■"/>
+              <a:defRPr sz="2400"/>
+            </a:lvl3pPr>
+            <a:lvl4pPr indent="-381000" lvl="3" marL="1828800" rtl="0">
+              <a:spcBef>
+                <a:spcPts val="3200"/>
+              </a:spcBef>
+              <a:spcAft>
+                <a:spcPts val="0"/>
+              </a:spcAft>
+              <a:buSzPts val="2400"/>
+              <a:buChar char="●"/>
+              <a:defRPr sz="2400"/>
+            </a:lvl4pPr>
+            <a:lvl5pPr indent="-381000" lvl="4" marL="2286000" rtl="0">
+              <a:spcBef>
+                <a:spcPts val="3200"/>
+              </a:spcBef>
+              <a:spcAft>
+                <a:spcPts val="0"/>
+              </a:spcAft>
+              <a:buSzPts val="2400"/>
+              <a:buChar char="○"/>
+              <a:defRPr sz="2400"/>
+            </a:lvl5pPr>
+            <a:lvl6pPr indent="-381000" lvl="5" marL="2743200" rtl="0">
+              <a:spcBef>
+                <a:spcPts val="3200"/>
+              </a:spcBef>
+              <a:spcAft>
+                <a:spcPts val="0"/>
+              </a:spcAft>
+              <a:buSzPts val="2400"/>
+              <a:buChar char="■"/>
+              <a:defRPr sz="2400"/>
+            </a:lvl6pPr>
+            <a:lvl7pPr indent="-381000" lvl="6" marL="3200400" rtl="0">
+              <a:spcBef>
+                <a:spcPts val="3200"/>
+              </a:spcBef>
+              <a:spcAft>
+                <a:spcPts val="0"/>
+              </a:spcAft>
+              <a:buSzPts val="2400"/>
+              <a:buChar char="●"/>
+              <a:defRPr sz="2400"/>
+            </a:lvl7pPr>
+            <a:lvl8pPr indent="-381000" lvl="7" marL="3657600" rtl="0">
+              <a:spcBef>
+                <a:spcPts val="3200"/>
+              </a:spcBef>
+              <a:spcAft>
+                <a:spcPts val="0"/>
+              </a:spcAft>
+              <a:buSzPts val="2400"/>
+              <a:buChar char="○"/>
+              <a:defRPr sz="2400"/>
+            </a:lvl8pPr>
+            <a:lvl9pPr indent="-381000" lvl="8" marL="4114800" rtl="0">
+              <a:spcBef>
+                <a:spcPts val="3200"/>
+              </a:spcBef>
+              <a:spcAft>
+                <a:spcPts val="3200"/>
+              </a:spcAft>
+              <a:buSzPts val="2400"/>
+              <a:buChar char="■"/>
+              <a:defRPr sz="2400"/>
             </a:lvl9pPr>
           </a:lstStyle>
           <a:p/>
@@ -6962,8 +7406,8 @@
 </file>
 
 <file path=ppt/slideLayouts/slideLayout19.xml><?xml version="1.0" encoding="utf-8"?>
-<p:sldLayout xmlns:a="http://schemas.openxmlformats.org/drawingml/2006/main" xmlns:r="http://schemas.openxmlformats.org/officeDocument/2006/relationships" xmlns:mc="http://schemas.openxmlformats.org/markup-compatibility/2006" xmlns:mv="urn:schemas-microsoft-com:mac:vml" xmlns:p="http://schemas.openxmlformats.org/presentationml/2006/main" xmlns:c="http://schemas.openxmlformats.org/drawingml/2006/chart" xmlns:dgm="http://schemas.openxmlformats.org/drawingml/2006/diagram" xmlns:o="urn:schemas-microsoft-com:office:office" xmlns:v="urn:schemas-microsoft-com:vml" xmlns:pvml="urn:schemas-microsoft-com:office:powerpoint" xmlns:com="http://schemas.openxmlformats.org/drawingml/2006/compatibility" xmlns:p14="http://schemas.microsoft.com/office/powerpoint/2010/main" xmlns:p15="http://schemas.microsoft.com/office/powerpoint/2012/main" xmlns:ahyp="http://schemas.microsoft.com/office/drawing/2018/hyperlinkcolor" matchingName="Section title and description">
-  <p:cSld name="SECTION_TITLE_AND_DESCRIPTION">
+<p:sldLayout xmlns:a="http://schemas.openxmlformats.org/drawingml/2006/main" xmlns:r="http://schemas.openxmlformats.org/officeDocument/2006/relationships" xmlns:mc="http://schemas.openxmlformats.org/markup-compatibility/2006" xmlns:mv="urn:schemas-microsoft-com:mac:vml" xmlns:p="http://schemas.openxmlformats.org/presentationml/2006/main" xmlns:c="http://schemas.openxmlformats.org/drawingml/2006/chart" xmlns:dgm="http://schemas.openxmlformats.org/drawingml/2006/diagram" xmlns:o="urn:schemas-microsoft-com:office:office" xmlns:v="urn:schemas-microsoft-com:vml" xmlns:pvml="urn:schemas-microsoft-com:office:powerpoint" xmlns:com="http://schemas.openxmlformats.org/drawingml/2006/compatibility" xmlns:p14="http://schemas.microsoft.com/office/powerpoint/2010/main" xmlns:p15="http://schemas.microsoft.com/office/powerpoint/2012/main" xmlns:ahyp="http://schemas.microsoft.com/office/drawing/2018/hyperlinkcolor" matchingName="Main point">
+  <p:cSld name="MAIN_POINT">
     <p:spTree>
       <p:nvGrpSpPr>
         <p:cNvPr id="80" name="Shape 80"/>
@@ -6981,49 +7425,6 @@
       <p:sp>
         <p:nvSpPr>
           <p:cNvPr id="81" name="Google Shape;81;p21"/>
-          <p:cNvSpPr/>
-          <p:nvPr/>
-        </p:nvSpPr>
-        <p:spPr>
-          <a:xfrm>
-            <a:off x="9144000" y="-250"/>
-            <a:ext cx="9144000" cy="10287000"/>
-          </a:xfrm>
-          <a:prstGeom prst="rect">
-            <a:avLst/>
-          </a:prstGeom>
-          <a:solidFill>
-            <a:schemeClr val="lt2"/>
-          </a:solidFill>
-          <a:ln>
-            <a:noFill/>
-          </a:ln>
-        </p:spPr>
-        <p:txBody>
-          <a:bodyPr anchorCtr="0" anchor="ctr" bIns="182850" lIns="182850" spcFirstLastPara="1" rIns="182850" wrap="square" tIns="182850">
-            <a:noAutofit/>
-          </a:bodyPr>
-          <a:lstStyle/>
-          <a:p>
-            <a:pPr indent="0" lvl="0" marL="0" rtl="0" algn="l">
-              <a:spcBef>
-                <a:spcPts val="0"/>
-              </a:spcBef>
-              <a:spcAft>
-                <a:spcPts val="0"/>
-              </a:spcAft>
-              <a:buNone/>
-            </a:pPr>
-            <a:r>
-              <a:t/>
-            </a:r>
-            <a:endParaRPr/>
-          </a:p>
-        </p:txBody>
-      </p:sp>
-      <p:sp>
-        <p:nvSpPr>
-          <p:cNvPr id="82" name="Google Shape;82;p21"/>
           <p:cNvSpPr txBox="1"/>
           <p:nvPr>
             <p:ph type="title"/>
@@ -7031,116 +7432,116 @@
         </p:nvSpPr>
         <p:spPr>
           <a:xfrm>
-            <a:off x="531000" y="2466350"/>
-            <a:ext cx="8090400" cy="2964600"/>
+            <a:off x="980500" y="900300"/>
+            <a:ext cx="12735600" cy="8181600"/>
           </a:xfrm>
           <a:prstGeom prst="rect">
             <a:avLst/>
           </a:prstGeom>
         </p:spPr>
         <p:txBody>
-          <a:bodyPr anchorCtr="0" anchor="b" bIns="182850" lIns="182850" spcFirstLastPara="1" rIns="182850" wrap="square" tIns="182850">
+          <a:bodyPr anchorCtr="0" anchor="ctr" bIns="182850" lIns="182850" spcFirstLastPara="1" rIns="182850" wrap="square" tIns="182850">
             <a:noAutofit/>
           </a:bodyPr>
           <a:lstStyle>
-            <a:lvl1pPr lvl="0" rtl="0" algn="ctr">
-              <a:spcBef>
-                <a:spcPts val="0"/>
-              </a:spcBef>
-              <a:spcAft>
-                <a:spcPts val="0"/>
-              </a:spcAft>
-              <a:buSzPts val="8400"/>
-              <a:buNone/>
-              <a:defRPr sz="8400"/>
+            <a:lvl1pPr lvl="0" rtl="0">
+              <a:spcBef>
+                <a:spcPts val="0"/>
+              </a:spcBef>
+              <a:spcAft>
+                <a:spcPts val="0"/>
+              </a:spcAft>
+              <a:buSzPts val="9600"/>
+              <a:buNone/>
+              <a:defRPr sz="9600"/>
             </a:lvl1pPr>
-            <a:lvl2pPr lvl="1" rtl="0" algn="ctr">
-              <a:spcBef>
-                <a:spcPts val="0"/>
-              </a:spcBef>
-              <a:spcAft>
-                <a:spcPts val="0"/>
-              </a:spcAft>
-              <a:buSzPts val="8400"/>
-              <a:buNone/>
-              <a:defRPr sz="8400"/>
+            <a:lvl2pPr lvl="1" rtl="0">
+              <a:spcBef>
+                <a:spcPts val="0"/>
+              </a:spcBef>
+              <a:spcAft>
+                <a:spcPts val="0"/>
+              </a:spcAft>
+              <a:buSzPts val="9600"/>
+              <a:buNone/>
+              <a:defRPr sz="9600"/>
             </a:lvl2pPr>
-            <a:lvl3pPr lvl="2" rtl="0" algn="ctr">
-              <a:spcBef>
-                <a:spcPts val="0"/>
-              </a:spcBef>
-              <a:spcAft>
-                <a:spcPts val="0"/>
-              </a:spcAft>
-              <a:buSzPts val="8400"/>
-              <a:buNone/>
-              <a:defRPr sz="8400"/>
+            <a:lvl3pPr lvl="2" rtl="0">
+              <a:spcBef>
+                <a:spcPts val="0"/>
+              </a:spcBef>
+              <a:spcAft>
+                <a:spcPts val="0"/>
+              </a:spcAft>
+              <a:buSzPts val="9600"/>
+              <a:buNone/>
+              <a:defRPr sz="9600"/>
             </a:lvl3pPr>
-            <a:lvl4pPr lvl="3" rtl="0" algn="ctr">
-              <a:spcBef>
-                <a:spcPts val="0"/>
-              </a:spcBef>
-              <a:spcAft>
-                <a:spcPts val="0"/>
-              </a:spcAft>
-              <a:buSzPts val="8400"/>
-              <a:buNone/>
-              <a:defRPr sz="8400"/>
+            <a:lvl4pPr lvl="3" rtl="0">
+              <a:spcBef>
+                <a:spcPts val="0"/>
+              </a:spcBef>
+              <a:spcAft>
+                <a:spcPts val="0"/>
+              </a:spcAft>
+              <a:buSzPts val="9600"/>
+              <a:buNone/>
+              <a:defRPr sz="9600"/>
             </a:lvl4pPr>
-            <a:lvl5pPr lvl="4" rtl="0" algn="ctr">
-              <a:spcBef>
-                <a:spcPts val="0"/>
-              </a:spcBef>
-              <a:spcAft>
-                <a:spcPts val="0"/>
-              </a:spcAft>
-              <a:buSzPts val="8400"/>
-              <a:buNone/>
-              <a:defRPr sz="8400"/>
+            <a:lvl5pPr lvl="4" rtl="0">
+              <a:spcBef>
+                <a:spcPts val="0"/>
+              </a:spcBef>
+              <a:spcAft>
+                <a:spcPts val="0"/>
+              </a:spcAft>
+              <a:buSzPts val="9600"/>
+              <a:buNone/>
+              <a:defRPr sz="9600"/>
             </a:lvl5pPr>
-            <a:lvl6pPr lvl="5" rtl="0" algn="ctr">
-              <a:spcBef>
-                <a:spcPts val="0"/>
-              </a:spcBef>
-              <a:spcAft>
-                <a:spcPts val="0"/>
-              </a:spcAft>
-              <a:buSzPts val="8400"/>
-              <a:buNone/>
-              <a:defRPr sz="8400"/>
+            <a:lvl6pPr lvl="5" rtl="0">
+              <a:spcBef>
+                <a:spcPts val="0"/>
+              </a:spcBef>
+              <a:spcAft>
+                <a:spcPts val="0"/>
+              </a:spcAft>
+              <a:buSzPts val="9600"/>
+              <a:buNone/>
+              <a:defRPr sz="9600"/>
             </a:lvl6pPr>
-            <a:lvl7pPr lvl="6" rtl="0" algn="ctr">
-              <a:spcBef>
-                <a:spcPts val="0"/>
-              </a:spcBef>
-              <a:spcAft>
-                <a:spcPts val="0"/>
-              </a:spcAft>
-              <a:buSzPts val="8400"/>
-              <a:buNone/>
-              <a:defRPr sz="8400"/>
+            <a:lvl7pPr lvl="6" rtl="0">
+              <a:spcBef>
+                <a:spcPts val="0"/>
+              </a:spcBef>
+              <a:spcAft>
+                <a:spcPts val="0"/>
+              </a:spcAft>
+              <a:buSzPts val="9600"/>
+              <a:buNone/>
+              <a:defRPr sz="9600"/>
             </a:lvl7pPr>
-            <a:lvl8pPr lvl="7" rtl="0" algn="ctr">
-              <a:spcBef>
-                <a:spcPts val="0"/>
-              </a:spcBef>
-              <a:spcAft>
-                <a:spcPts val="0"/>
-              </a:spcAft>
-              <a:buSzPts val="8400"/>
-              <a:buNone/>
-              <a:defRPr sz="8400"/>
+            <a:lvl8pPr lvl="7" rtl="0">
+              <a:spcBef>
+                <a:spcPts val="0"/>
+              </a:spcBef>
+              <a:spcAft>
+                <a:spcPts val="0"/>
+              </a:spcAft>
+              <a:buSzPts val="9600"/>
+              <a:buNone/>
+              <a:defRPr sz="9600"/>
             </a:lvl8pPr>
-            <a:lvl9pPr lvl="8" rtl="0" algn="ctr">
-              <a:spcBef>
-                <a:spcPts val="0"/>
-              </a:spcBef>
-              <a:spcAft>
-                <a:spcPts val="0"/>
-              </a:spcAft>
-              <a:buSzPts val="8400"/>
-              <a:buNone/>
-              <a:defRPr sz="8400"/>
+            <a:lvl9pPr lvl="8" rtl="0">
+              <a:spcBef>
+                <a:spcPts val="0"/>
+              </a:spcBef>
+              <a:spcAft>
+                <a:spcPts val="0"/>
+              </a:spcAft>
+              <a:buSzPts val="9600"/>
+              <a:buNone/>
+              <a:defRPr sz="9600"/>
             </a:lvl9pPr>
           </a:lstStyle>
           <a:p/>
@@ -7148,284 +7549,7 @@
       </p:sp>
       <p:sp>
         <p:nvSpPr>
-          <p:cNvPr id="83" name="Google Shape;83;p21"/>
-          <p:cNvSpPr txBox="1"/>
-          <p:nvPr>
-            <p:ph idx="1" type="subTitle"/>
-          </p:nvPr>
-        </p:nvSpPr>
-        <p:spPr>
-          <a:xfrm>
-            <a:off x="531000" y="5606150"/>
-            <a:ext cx="8090400" cy="2470200"/>
-          </a:xfrm>
-          <a:prstGeom prst="rect">
-            <a:avLst/>
-          </a:prstGeom>
-        </p:spPr>
-        <p:txBody>
-          <a:bodyPr anchorCtr="0" anchor="t" bIns="182850" lIns="182850" spcFirstLastPara="1" rIns="182850" wrap="square" tIns="182850">
-            <a:noAutofit/>
-          </a:bodyPr>
-          <a:lstStyle>
-            <a:lvl1pPr lvl="0" rtl="0" algn="ctr">
-              <a:lnSpc>
-                <a:spcPct val="100000"/>
-              </a:lnSpc>
-              <a:spcBef>
-                <a:spcPts val="0"/>
-              </a:spcBef>
-              <a:spcAft>
-                <a:spcPts val="0"/>
-              </a:spcAft>
-              <a:buSzPts val="4200"/>
-              <a:buNone/>
-              <a:defRPr sz="4200"/>
-            </a:lvl1pPr>
-            <a:lvl2pPr lvl="1" rtl="0" algn="ctr">
-              <a:lnSpc>
-                <a:spcPct val="100000"/>
-              </a:lnSpc>
-              <a:spcBef>
-                <a:spcPts val="0"/>
-              </a:spcBef>
-              <a:spcAft>
-                <a:spcPts val="0"/>
-              </a:spcAft>
-              <a:buSzPts val="4200"/>
-              <a:buNone/>
-              <a:defRPr sz="4200"/>
-            </a:lvl2pPr>
-            <a:lvl3pPr lvl="2" rtl="0" algn="ctr">
-              <a:lnSpc>
-                <a:spcPct val="100000"/>
-              </a:lnSpc>
-              <a:spcBef>
-                <a:spcPts val="0"/>
-              </a:spcBef>
-              <a:spcAft>
-                <a:spcPts val="0"/>
-              </a:spcAft>
-              <a:buSzPts val="4200"/>
-              <a:buNone/>
-              <a:defRPr sz="4200"/>
-            </a:lvl3pPr>
-            <a:lvl4pPr lvl="3" rtl="0" algn="ctr">
-              <a:lnSpc>
-                <a:spcPct val="100000"/>
-              </a:lnSpc>
-              <a:spcBef>
-                <a:spcPts val="0"/>
-              </a:spcBef>
-              <a:spcAft>
-                <a:spcPts val="0"/>
-              </a:spcAft>
-              <a:buSzPts val="4200"/>
-              <a:buNone/>
-              <a:defRPr sz="4200"/>
-            </a:lvl4pPr>
-            <a:lvl5pPr lvl="4" rtl="0" algn="ctr">
-              <a:lnSpc>
-                <a:spcPct val="100000"/>
-              </a:lnSpc>
-              <a:spcBef>
-                <a:spcPts val="0"/>
-              </a:spcBef>
-              <a:spcAft>
-                <a:spcPts val="0"/>
-              </a:spcAft>
-              <a:buSzPts val="4200"/>
-              <a:buNone/>
-              <a:defRPr sz="4200"/>
-            </a:lvl5pPr>
-            <a:lvl6pPr lvl="5" rtl="0" algn="ctr">
-              <a:lnSpc>
-                <a:spcPct val="100000"/>
-              </a:lnSpc>
-              <a:spcBef>
-                <a:spcPts val="0"/>
-              </a:spcBef>
-              <a:spcAft>
-                <a:spcPts val="0"/>
-              </a:spcAft>
-              <a:buSzPts val="4200"/>
-              <a:buNone/>
-              <a:defRPr sz="4200"/>
-            </a:lvl6pPr>
-            <a:lvl7pPr lvl="6" rtl="0" algn="ctr">
-              <a:lnSpc>
-                <a:spcPct val="100000"/>
-              </a:lnSpc>
-              <a:spcBef>
-                <a:spcPts val="0"/>
-              </a:spcBef>
-              <a:spcAft>
-                <a:spcPts val="0"/>
-              </a:spcAft>
-              <a:buSzPts val="4200"/>
-              <a:buNone/>
-              <a:defRPr sz="4200"/>
-            </a:lvl7pPr>
-            <a:lvl8pPr lvl="7" rtl="0" algn="ctr">
-              <a:lnSpc>
-                <a:spcPct val="100000"/>
-              </a:lnSpc>
-              <a:spcBef>
-                <a:spcPts val="0"/>
-              </a:spcBef>
-              <a:spcAft>
-                <a:spcPts val="0"/>
-              </a:spcAft>
-              <a:buSzPts val="4200"/>
-              <a:buNone/>
-              <a:defRPr sz="4200"/>
-            </a:lvl8pPr>
-            <a:lvl9pPr lvl="8" rtl="0" algn="ctr">
-              <a:lnSpc>
-                <a:spcPct val="100000"/>
-              </a:lnSpc>
-              <a:spcBef>
-                <a:spcPts val="0"/>
-              </a:spcBef>
-              <a:spcAft>
-                <a:spcPts val="0"/>
-              </a:spcAft>
-              <a:buSzPts val="4200"/>
-              <a:buNone/>
-              <a:defRPr sz="4200"/>
-            </a:lvl9pPr>
-          </a:lstStyle>
-          <a:p/>
-        </p:txBody>
-      </p:sp>
-      <p:sp>
-        <p:nvSpPr>
-          <p:cNvPr id="84" name="Google Shape;84;p21"/>
-          <p:cNvSpPr txBox="1"/>
-          <p:nvPr>
-            <p:ph idx="2" type="body"/>
-          </p:nvPr>
-        </p:nvSpPr>
-        <p:spPr>
-          <a:xfrm>
-            <a:off x="9879000" y="1448150"/>
-            <a:ext cx="7674000" cy="7390200"/>
-          </a:xfrm>
-          <a:prstGeom prst="rect">
-            <a:avLst/>
-          </a:prstGeom>
-        </p:spPr>
-        <p:txBody>
-          <a:bodyPr anchorCtr="0" anchor="ctr" bIns="182850" lIns="182850" spcFirstLastPara="1" rIns="182850" wrap="square" tIns="182850">
-            <a:noAutofit/>
-          </a:bodyPr>
-          <a:lstStyle>
-            <a:lvl1pPr indent="-457200" lvl="0" marL="457200" rtl="0">
-              <a:spcBef>
-                <a:spcPts val="0"/>
-              </a:spcBef>
-              <a:spcAft>
-                <a:spcPts val="0"/>
-              </a:spcAft>
-              <a:buSzPts val="3600"/>
-              <a:buChar char="●"/>
-              <a:defRPr/>
-            </a:lvl1pPr>
-            <a:lvl2pPr indent="-406400" lvl="1" marL="914400" rtl="0">
-              <a:spcBef>
-                <a:spcPts val="3200"/>
-              </a:spcBef>
-              <a:spcAft>
-                <a:spcPts val="0"/>
-              </a:spcAft>
-              <a:buSzPts val="2800"/>
-              <a:buChar char="○"/>
-              <a:defRPr/>
-            </a:lvl2pPr>
-            <a:lvl3pPr indent="-406400" lvl="2" marL="1371600" rtl="0">
-              <a:spcBef>
-                <a:spcPts val="3200"/>
-              </a:spcBef>
-              <a:spcAft>
-                <a:spcPts val="0"/>
-              </a:spcAft>
-              <a:buSzPts val="2800"/>
-              <a:buChar char="■"/>
-              <a:defRPr/>
-            </a:lvl3pPr>
-            <a:lvl4pPr indent="-406400" lvl="3" marL="1828800" rtl="0">
-              <a:spcBef>
-                <a:spcPts val="3200"/>
-              </a:spcBef>
-              <a:spcAft>
-                <a:spcPts val="0"/>
-              </a:spcAft>
-              <a:buSzPts val="2800"/>
-              <a:buChar char="●"/>
-              <a:defRPr/>
-            </a:lvl4pPr>
-            <a:lvl5pPr indent="-406400" lvl="4" marL="2286000" rtl="0">
-              <a:spcBef>
-                <a:spcPts val="3200"/>
-              </a:spcBef>
-              <a:spcAft>
-                <a:spcPts val="0"/>
-              </a:spcAft>
-              <a:buSzPts val="2800"/>
-              <a:buChar char="○"/>
-              <a:defRPr/>
-            </a:lvl5pPr>
-            <a:lvl6pPr indent="-406400" lvl="5" marL="2743200" rtl="0">
-              <a:spcBef>
-                <a:spcPts val="3200"/>
-              </a:spcBef>
-              <a:spcAft>
-                <a:spcPts val="0"/>
-              </a:spcAft>
-              <a:buSzPts val="2800"/>
-              <a:buChar char="■"/>
-              <a:defRPr/>
-            </a:lvl6pPr>
-            <a:lvl7pPr indent="-406400" lvl="6" marL="3200400" rtl="0">
-              <a:spcBef>
-                <a:spcPts val="3200"/>
-              </a:spcBef>
-              <a:spcAft>
-                <a:spcPts val="0"/>
-              </a:spcAft>
-              <a:buSzPts val="2800"/>
-              <a:buChar char="●"/>
-              <a:defRPr/>
-            </a:lvl7pPr>
-            <a:lvl8pPr indent="-406400" lvl="7" marL="3657600" rtl="0">
-              <a:spcBef>
-                <a:spcPts val="3200"/>
-              </a:spcBef>
-              <a:spcAft>
-                <a:spcPts val="0"/>
-              </a:spcAft>
-              <a:buSzPts val="2800"/>
-              <a:buChar char="○"/>
-              <a:defRPr/>
-            </a:lvl8pPr>
-            <a:lvl9pPr indent="-406400" lvl="8" marL="4114800" rtl="0">
-              <a:spcBef>
-                <a:spcPts val="3200"/>
-              </a:spcBef>
-              <a:spcAft>
-                <a:spcPts val="3200"/>
-              </a:spcAft>
-              <a:buSzPts val="2800"/>
-              <a:buChar char="■"/>
-              <a:defRPr/>
-            </a:lvl9pPr>
-          </a:lstStyle>
-          <a:p/>
-        </p:txBody>
-      </p:sp>
-      <p:sp>
-        <p:nvSpPr>
-          <p:cNvPr id="85" name="Google Shape;85;p21"/>
+          <p:cNvPr id="82" name="Google Shape;82;p21"/>
           <p:cNvSpPr txBox="1"/>
           <p:nvPr>
             <p:ph idx="12" type="sldNum"/>
@@ -7736,11 +7860,11 @@
 </file>
 
 <file path=ppt/slideLayouts/slideLayout20.xml><?xml version="1.0" encoding="utf-8"?>
-<p:sldLayout xmlns:a="http://schemas.openxmlformats.org/drawingml/2006/main" xmlns:r="http://schemas.openxmlformats.org/officeDocument/2006/relationships" xmlns:mc="http://schemas.openxmlformats.org/markup-compatibility/2006" xmlns:mv="urn:schemas-microsoft-com:mac:vml" xmlns:p="http://schemas.openxmlformats.org/presentationml/2006/main" xmlns:c="http://schemas.openxmlformats.org/drawingml/2006/chart" xmlns:dgm="http://schemas.openxmlformats.org/drawingml/2006/diagram" xmlns:o="urn:schemas-microsoft-com:office:office" xmlns:v="urn:schemas-microsoft-com:vml" xmlns:pvml="urn:schemas-microsoft-com:office:powerpoint" xmlns:com="http://schemas.openxmlformats.org/drawingml/2006/compatibility" xmlns:p14="http://schemas.microsoft.com/office/powerpoint/2010/main" xmlns:p15="http://schemas.microsoft.com/office/powerpoint/2012/main" xmlns:ahyp="http://schemas.microsoft.com/office/drawing/2018/hyperlinkcolor" matchingName="Caption">
-  <p:cSld name="CAPTION_ONLY">
+<p:sldLayout xmlns:a="http://schemas.openxmlformats.org/drawingml/2006/main" xmlns:r="http://schemas.openxmlformats.org/officeDocument/2006/relationships" xmlns:mc="http://schemas.openxmlformats.org/markup-compatibility/2006" xmlns:mv="urn:schemas-microsoft-com:mac:vml" xmlns:p="http://schemas.openxmlformats.org/presentationml/2006/main" xmlns:c="http://schemas.openxmlformats.org/drawingml/2006/chart" xmlns:dgm="http://schemas.openxmlformats.org/drawingml/2006/diagram" xmlns:o="urn:schemas-microsoft-com:office:office" xmlns:v="urn:schemas-microsoft-com:vml" xmlns:pvml="urn:schemas-microsoft-com:office:powerpoint" xmlns:com="http://schemas.openxmlformats.org/drawingml/2006/compatibility" xmlns:p14="http://schemas.microsoft.com/office/powerpoint/2010/main" xmlns:p15="http://schemas.microsoft.com/office/powerpoint/2012/main" xmlns:ahyp="http://schemas.microsoft.com/office/drawing/2018/hyperlinkcolor" matchingName="Section title and description">
+  <p:cSld name="SECTION_TITLE_AND_DESCRIPTION">
     <p:spTree>
       <p:nvGrpSpPr>
-        <p:cNvPr id="86" name="Shape 86"/>
+        <p:cNvPr id="83" name="Shape 83"/>
         <p:cNvGrpSpPr/>
         <p:nvPr/>
       </p:nvGrpSpPr>
@@ -7754,16 +7878,336 @@
       </p:grpSpPr>
       <p:sp>
         <p:nvSpPr>
+          <p:cNvPr id="84" name="Google Shape;84;p22"/>
+          <p:cNvSpPr/>
+          <p:nvPr/>
+        </p:nvSpPr>
+        <p:spPr>
+          <a:xfrm>
+            <a:off x="9144000" y="-250"/>
+            <a:ext cx="9144000" cy="10287000"/>
+          </a:xfrm>
+          <a:prstGeom prst="rect">
+            <a:avLst/>
+          </a:prstGeom>
+          <a:solidFill>
+            <a:schemeClr val="lt2"/>
+          </a:solidFill>
+          <a:ln>
+            <a:noFill/>
+          </a:ln>
+        </p:spPr>
+        <p:txBody>
+          <a:bodyPr anchorCtr="0" anchor="ctr" bIns="182850" lIns="182850" spcFirstLastPara="1" rIns="182850" wrap="square" tIns="182850">
+            <a:noAutofit/>
+          </a:bodyPr>
+          <a:lstStyle/>
+          <a:p>
+            <a:pPr indent="0" lvl="0" marL="0" rtl="0" algn="l">
+              <a:spcBef>
+                <a:spcPts val="0"/>
+              </a:spcBef>
+              <a:spcAft>
+                <a:spcPts val="0"/>
+              </a:spcAft>
+              <a:buNone/>
+            </a:pPr>
+            <a:r>
+              <a:t/>
+            </a:r>
+            <a:endParaRPr/>
+          </a:p>
+        </p:txBody>
+      </p:sp>
+      <p:sp>
+        <p:nvSpPr>
+          <p:cNvPr id="85" name="Google Shape;85;p22"/>
+          <p:cNvSpPr txBox="1"/>
+          <p:nvPr>
+            <p:ph type="title"/>
+          </p:nvPr>
+        </p:nvSpPr>
+        <p:spPr>
+          <a:xfrm>
+            <a:off x="531000" y="2466350"/>
+            <a:ext cx="8090400" cy="2964600"/>
+          </a:xfrm>
+          <a:prstGeom prst="rect">
+            <a:avLst/>
+          </a:prstGeom>
+        </p:spPr>
+        <p:txBody>
+          <a:bodyPr anchorCtr="0" anchor="b" bIns="182850" lIns="182850" spcFirstLastPara="1" rIns="182850" wrap="square" tIns="182850">
+            <a:noAutofit/>
+          </a:bodyPr>
+          <a:lstStyle>
+            <a:lvl1pPr lvl="0" rtl="0" algn="ctr">
+              <a:spcBef>
+                <a:spcPts val="0"/>
+              </a:spcBef>
+              <a:spcAft>
+                <a:spcPts val="0"/>
+              </a:spcAft>
+              <a:buSzPts val="8400"/>
+              <a:buNone/>
+              <a:defRPr sz="8400"/>
+            </a:lvl1pPr>
+            <a:lvl2pPr lvl="1" rtl="0" algn="ctr">
+              <a:spcBef>
+                <a:spcPts val="0"/>
+              </a:spcBef>
+              <a:spcAft>
+                <a:spcPts val="0"/>
+              </a:spcAft>
+              <a:buSzPts val="8400"/>
+              <a:buNone/>
+              <a:defRPr sz="8400"/>
+            </a:lvl2pPr>
+            <a:lvl3pPr lvl="2" rtl="0" algn="ctr">
+              <a:spcBef>
+                <a:spcPts val="0"/>
+              </a:spcBef>
+              <a:spcAft>
+                <a:spcPts val="0"/>
+              </a:spcAft>
+              <a:buSzPts val="8400"/>
+              <a:buNone/>
+              <a:defRPr sz="8400"/>
+            </a:lvl3pPr>
+            <a:lvl4pPr lvl="3" rtl="0" algn="ctr">
+              <a:spcBef>
+                <a:spcPts val="0"/>
+              </a:spcBef>
+              <a:spcAft>
+                <a:spcPts val="0"/>
+              </a:spcAft>
+              <a:buSzPts val="8400"/>
+              <a:buNone/>
+              <a:defRPr sz="8400"/>
+            </a:lvl4pPr>
+            <a:lvl5pPr lvl="4" rtl="0" algn="ctr">
+              <a:spcBef>
+                <a:spcPts val="0"/>
+              </a:spcBef>
+              <a:spcAft>
+                <a:spcPts val="0"/>
+              </a:spcAft>
+              <a:buSzPts val="8400"/>
+              <a:buNone/>
+              <a:defRPr sz="8400"/>
+            </a:lvl5pPr>
+            <a:lvl6pPr lvl="5" rtl="0" algn="ctr">
+              <a:spcBef>
+                <a:spcPts val="0"/>
+              </a:spcBef>
+              <a:spcAft>
+                <a:spcPts val="0"/>
+              </a:spcAft>
+              <a:buSzPts val="8400"/>
+              <a:buNone/>
+              <a:defRPr sz="8400"/>
+            </a:lvl6pPr>
+            <a:lvl7pPr lvl="6" rtl="0" algn="ctr">
+              <a:spcBef>
+                <a:spcPts val="0"/>
+              </a:spcBef>
+              <a:spcAft>
+                <a:spcPts val="0"/>
+              </a:spcAft>
+              <a:buSzPts val="8400"/>
+              <a:buNone/>
+              <a:defRPr sz="8400"/>
+            </a:lvl7pPr>
+            <a:lvl8pPr lvl="7" rtl="0" algn="ctr">
+              <a:spcBef>
+                <a:spcPts val="0"/>
+              </a:spcBef>
+              <a:spcAft>
+                <a:spcPts val="0"/>
+              </a:spcAft>
+              <a:buSzPts val="8400"/>
+              <a:buNone/>
+              <a:defRPr sz="8400"/>
+            </a:lvl8pPr>
+            <a:lvl9pPr lvl="8" rtl="0" algn="ctr">
+              <a:spcBef>
+                <a:spcPts val="0"/>
+              </a:spcBef>
+              <a:spcAft>
+                <a:spcPts val="0"/>
+              </a:spcAft>
+              <a:buSzPts val="8400"/>
+              <a:buNone/>
+              <a:defRPr sz="8400"/>
+            </a:lvl9pPr>
+          </a:lstStyle>
+          <a:p/>
+        </p:txBody>
+      </p:sp>
+      <p:sp>
+        <p:nvSpPr>
+          <p:cNvPr id="86" name="Google Shape;86;p22"/>
+          <p:cNvSpPr txBox="1"/>
+          <p:nvPr>
+            <p:ph idx="1" type="subTitle"/>
+          </p:nvPr>
+        </p:nvSpPr>
+        <p:spPr>
+          <a:xfrm>
+            <a:off x="531000" y="5606150"/>
+            <a:ext cx="8090400" cy="2470200"/>
+          </a:xfrm>
+          <a:prstGeom prst="rect">
+            <a:avLst/>
+          </a:prstGeom>
+        </p:spPr>
+        <p:txBody>
+          <a:bodyPr anchorCtr="0" anchor="t" bIns="182850" lIns="182850" spcFirstLastPara="1" rIns="182850" wrap="square" tIns="182850">
+            <a:noAutofit/>
+          </a:bodyPr>
+          <a:lstStyle>
+            <a:lvl1pPr lvl="0" rtl="0" algn="ctr">
+              <a:lnSpc>
+                <a:spcPct val="100000"/>
+              </a:lnSpc>
+              <a:spcBef>
+                <a:spcPts val="0"/>
+              </a:spcBef>
+              <a:spcAft>
+                <a:spcPts val="0"/>
+              </a:spcAft>
+              <a:buSzPts val="4200"/>
+              <a:buNone/>
+              <a:defRPr sz="4200"/>
+            </a:lvl1pPr>
+            <a:lvl2pPr lvl="1" rtl="0" algn="ctr">
+              <a:lnSpc>
+                <a:spcPct val="100000"/>
+              </a:lnSpc>
+              <a:spcBef>
+                <a:spcPts val="0"/>
+              </a:spcBef>
+              <a:spcAft>
+                <a:spcPts val="0"/>
+              </a:spcAft>
+              <a:buSzPts val="4200"/>
+              <a:buNone/>
+              <a:defRPr sz="4200"/>
+            </a:lvl2pPr>
+            <a:lvl3pPr lvl="2" rtl="0" algn="ctr">
+              <a:lnSpc>
+                <a:spcPct val="100000"/>
+              </a:lnSpc>
+              <a:spcBef>
+                <a:spcPts val="0"/>
+              </a:spcBef>
+              <a:spcAft>
+                <a:spcPts val="0"/>
+              </a:spcAft>
+              <a:buSzPts val="4200"/>
+              <a:buNone/>
+              <a:defRPr sz="4200"/>
+            </a:lvl3pPr>
+            <a:lvl4pPr lvl="3" rtl="0" algn="ctr">
+              <a:lnSpc>
+                <a:spcPct val="100000"/>
+              </a:lnSpc>
+              <a:spcBef>
+                <a:spcPts val="0"/>
+              </a:spcBef>
+              <a:spcAft>
+                <a:spcPts val="0"/>
+              </a:spcAft>
+              <a:buSzPts val="4200"/>
+              <a:buNone/>
+              <a:defRPr sz="4200"/>
+            </a:lvl4pPr>
+            <a:lvl5pPr lvl="4" rtl="0" algn="ctr">
+              <a:lnSpc>
+                <a:spcPct val="100000"/>
+              </a:lnSpc>
+              <a:spcBef>
+                <a:spcPts val="0"/>
+              </a:spcBef>
+              <a:spcAft>
+                <a:spcPts val="0"/>
+              </a:spcAft>
+              <a:buSzPts val="4200"/>
+              <a:buNone/>
+              <a:defRPr sz="4200"/>
+            </a:lvl5pPr>
+            <a:lvl6pPr lvl="5" rtl="0" algn="ctr">
+              <a:lnSpc>
+                <a:spcPct val="100000"/>
+              </a:lnSpc>
+              <a:spcBef>
+                <a:spcPts val="0"/>
+              </a:spcBef>
+              <a:spcAft>
+                <a:spcPts val="0"/>
+              </a:spcAft>
+              <a:buSzPts val="4200"/>
+              <a:buNone/>
+              <a:defRPr sz="4200"/>
+            </a:lvl6pPr>
+            <a:lvl7pPr lvl="6" rtl="0" algn="ctr">
+              <a:lnSpc>
+                <a:spcPct val="100000"/>
+              </a:lnSpc>
+              <a:spcBef>
+                <a:spcPts val="0"/>
+              </a:spcBef>
+              <a:spcAft>
+                <a:spcPts val="0"/>
+              </a:spcAft>
+              <a:buSzPts val="4200"/>
+              <a:buNone/>
+              <a:defRPr sz="4200"/>
+            </a:lvl7pPr>
+            <a:lvl8pPr lvl="7" rtl="0" algn="ctr">
+              <a:lnSpc>
+                <a:spcPct val="100000"/>
+              </a:lnSpc>
+              <a:spcBef>
+                <a:spcPts val="0"/>
+              </a:spcBef>
+              <a:spcAft>
+                <a:spcPts val="0"/>
+              </a:spcAft>
+              <a:buSzPts val="4200"/>
+              <a:buNone/>
+              <a:defRPr sz="4200"/>
+            </a:lvl8pPr>
+            <a:lvl9pPr lvl="8" rtl="0" algn="ctr">
+              <a:lnSpc>
+                <a:spcPct val="100000"/>
+              </a:lnSpc>
+              <a:spcBef>
+                <a:spcPts val="0"/>
+              </a:spcBef>
+              <a:spcAft>
+                <a:spcPts val="0"/>
+              </a:spcAft>
+              <a:buSzPts val="4200"/>
+              <a:buNone/>
+              <a:defRPr sz="4200"/>
+            </a:lvl9pPr>
+          </a:lstStyle>
+          <a:p/>
+        </p:txBody>
+      </p:sp>
+      <p:sp>
+        <p:nvSpPr>
           <p:cNvPr id="87" name="Google Shape;87;p22"/>
           <p:cNvSpPr txBox="1"/>
           <p:nvPr>
-            <p:ph idx="1" type="body"/>
+            <p:ph idx="2" type="body"/>
           </p:nvPr>
         </p:nvSpPr>
         <p:spPr>
           <a:xfrm>
-            <a:off x="623400" y="8461150"/>
-            <a:ext cx="11997600" cy="1210200"/>
+            <a:off x="9879000" y="1448150"/>
+            <a:ext cx="7674000" cy="7390200"/>
           </a:xfrm>
           <a:prstGeom prst="rect">
             <a:avLst/>
@@ -7774,10 +8218,7 @@
             <a:noAutofit/>
           </a:bodyPr>
           <a:lstStyle>
-            <a:lvl1pPr indent="-228600" lvl="0" marL="457200" rtl="0">
-              <a:lnSpc>
-                <a:spcPct val="100000"/>
-              </a:lnSpc>
+            <a:lvl1pPr indent="-457200" lvl="0" marL="457200" rtl="0">
               <a:spcBef>
                 <a:spcPts val="0"/>
               </a:spcBef>
@@ -7785,9 +8226,97 @@
                 <a:spcPts val="0"/>
               </a:spcAft>
               <a:buSzPts val="3600"/>
-              <a:buNone/>
+              <a:buChar char="●"/>
               <a:defRPr/>
             </a:lvl1pPr>
+            <a:lvl2pPr indent="-406400" lvl="1" marL="914400" rtl="0">
+              <a:spcBef>
+                <a:spcPts val="3200"/>
+              </a:spcBef>
+              <a:spcAft>
+                <a:spcPts val="0"/>
+              </a:spcAft>
+              <a:buSzPts val="2800"/>
+              <a:buChar char="○"/>
+              <a:defRPr/>
+            </a:lvl2pPr>
+            <a:lvl3pPr indent="-406400" lvl="2" marL="1371600" rtl="0">
+              <a:spcBef>
+                <a:spcPts val="3200"/>
+              </a:spcBef>
+              <a:spcAft>
+                <a:spcPts val="0"/>
+              </a:spcAft>
+              <a:buSzPts val="2800"/>
+              <a:buChar char="■"/>
+              <a:defRPr/>
+            </a:lvl3pPr>
+            <a:lvl4pPr indent="-406400" lvl="3" marL="1828800" rtl="0">
+              <a:spcBef>
+                <a:spcPts val="3200"/>
+              </a:spcBef>
+              <a:spcAft>
+                <a:spcPts val="0"/>
+              </a:spcAft>
+              <a:buSzPts val="2800"/>
+              <a:buChar char="●"/>
+              <a:defRPr/>
+            </a:lvl4pPr>
+            <a:lvl5pPr indent="-406400" lvl="4" marL="2286000" rtl="0">
+              <a:spcBef>
+                <a:spcPts val="3200"/>
+              </a:spcBef>
+              <a:spcAft>
+                <a:spcPts val="0"/>
+              </a:spcAft>
+              <a:buSzPts val="2800"/>
+              <a:buChar char="○"/>
+              <a:defRPr/>
+            </a:lvl5pPr>
+            <a:lvl6pPr indent="-406400" lvl="5" marL="2743200" rtl="0">
+              <a:spcBef>
+                <a:spcPts val="3200"/>
+              </a:spcBef>
+              <a:spcAft>
+                <a:spcPts val="0"/>
+              </a:spcAft>
+              <a:buSzPts val="2800"/>
+              <a:buChar char="■"/>
+              <a:defRPr/>
+            </a:lvl6pPr>
+            <a:lvl7pPr indent="-406400" lvl="6" marL="3200400" rtl="0">
+              <a:spcBef>
+                <a:spcPts val="3200"/>
+              </a:spcBef>
+              <a:spcAft>
+                <a:spcPts val="0"/>
+              </a:spcAft>
+              <a:buSzPts val="2800"/>
+              <a:buChar char="●"/>
+              <a:defRPr/>
+            </a:lvl7pPr>
+            <a:lvl8pPr indent="-406400" lvl="7" marL="3657600" rtl="0">
+              <a:spcBef>
+                <a:spcPts val="3200"/>
+              </a:spcBef>
+              <a:spcAft>
+                <a:spcPts val="0"/>
+              </a:spcAft>
+              <a:buSzPts val="2800"/>
+              <a:buChar char="○"/>
+              <a:defRPr/>
+            </a:lvl8pPr>
+            <a:lvl9pPr indent="-406400" lvl="8" marL="4114800" rtl="0">
+              <a:spcBef>
+                <a:spcPts val="3200"/>
+              </a:spcBef>
+              <a:spcAft>
+                <a:spcPts val="3200"/>
+              </a:spcAft>
+              <a:buSzPts val="2800"/>
+              <a:buChar char="■"/>
+              <a:defRPr/>
+            </a:lvl9pPr>
           </a:lstStyle>
           <a:p/>
         </p:txBody>
@@ -7878,8 +8407,8 @@
 </file>
 
 <file path=ppt/slideLayouts/slideLayout21.xml><?xml version="1.0" encoding="utf-8"?>
-<p:sldLayout xmlns:a="http://schemas.openxmlformats.org/drawingml/2006/main" xmlns:r="http://schemas.openxmlformats.org/officeDocument/2006/relationships" xmlns:mc="http://schemas.openxmlformats.org/markup-compatibility/2006" xmlns:mv="urn:schemas-microsoft-com:mac:vml" xmlns:p="http://schemas.openxmlformats.org/presentationml/2006/main" xmlns:c="http://schemas.openxmlformats.org/drawingml/2006/chart" xmlns:dgm="http://schemas.openxmlformats.org/drawingml/2006/diagram" xmlns:o="urn:schemas-microsoft-com:office:office" xmlns:v="urn:schemas-microsoft-com:vml" xmlns:pvml="urn:schemas-microsoft-com:office:powerpoint" xmlns:com="http://schemas.openxmlformats.org/drawingml/2006/compatibility" xmlns:p14="http://schemas.microsoft.com/office/powerpoint/2010/main" xmlns:p15="http://schemas.microsoft.com/office/powerpoint/2012/main" xmlns:ahyp="http://schemas.microsoft.com/office/drawing/2018/hyperlinkcolor" matchingName="Big number">
-  <p:cSld name="BIG_NUMBER">
+<p:sldLayout xmlns:a="http://schemas.openxmlformats.org/drawingml/2006/main" xmlns:r="http://schemas.openxmlformats.org/officeDocument/2006/relationships" xmlns:mc="http://schemas.openxmlformats.org/markup-compatibility/2006" xmlns:mv="urn:schemas-microsoft-com:mac:vml" xmlns:p="http://schemas.openxmlformats.org/presentationml/2006/main" xmlns:c="http://schemas.openxmlformats.org/drawingml/2006/chart" xmlns:dgm="http://schemas.openxmlformats.org/drawingml/2006/diagram" xmlns:o="urn:schemas-microsoft-com:office:office" xmlns:v="urn:schemas-microsoft-com:vml" xmlns:pvml="urn:schemas-microsoft-com:office:powerpoint" xmlns:com="http://schemas.openxmlformats.org/drawingml/2006/compatibility" xmlns:p14="http://schemas.microsoft.com/office/powerpoint/2010/main" xmlns:p15="http://schemas.microsoft.com/office/powerpoint/2012/main" xmlns:ahyp="http://schemas.microsoft.com/office/drawing/2018/hyperlinkcolor" matchingName="Caption">
+  <p:cSld name="CAPTION_ONLY">
     <p:spTree>
       <p:nvGrpSpPr>
         <p:cNvPr id="89" name="Shape 89"/>
@@ -7899,258 +8428,44 @@
           <p:cNvPr id="90" name="Google Shape;90;p23"/>
           <p:cNvSpPr txBox="1"/>
           <p:nvPr>
-            <p:ph hasCustomPrompt="1" type="title"/>
+            <p:ph idx="1" type="body"/>
           </p:nvPr>
         </p:nvSpPr>
         <p:spPr>
           <a:xfrm>
-            <a:off x="623400" y="2212250"/>
-            <a:ext cx="17041200" cy="3927000"/>
+            <a:off x="623400" y="8461150"/>
+            <a:ext cx="11997600" cy="1210200"/>
           </a:xfrm>
           <a:prstGeom prst="rect">
             <a:avLst/>
           </a:prstGeom>
         </p:spPr>
         <p:txBody>
-          <a:bodyPr anchorCtr="0" anchor="b" bIns="182850" lIns="182850" spcFirstLastPara="1" rIns="182850" wrap="square" tIns="182850">
+          <a:bodyPr anchorCtr="0" anchor="ctr" bIns="182850" lIns="182850" spcFirstLastPara="1" rIns="182850" wrap="square" tIns="182850">
             <a:noAutofit/>
           </a:bodyPr>
           <a:lstStyle>
-            <a:lvl1pPr lvl="0" rtl="0" algn="ctr">
-              <a:spcBef>
-                <a:spcPts val="0"/>
-              </a:spcBef>
-              <a:spcAft>
-                <a:spcPts val="0"/>
-              </a:spcAft>
-              <a:buSzPts val="24000"/>
-              <a:buNone/>
-              <a:defRPr sz="24000"/>
+            <a:lvl1pPr indent="-228600" lvl="0" marL="457200" rtl="0">
+              <a:lnSpc>
+                <a:spcPct val="100000"/>
+              </a:lnSpc>
+              <a:spcBef>
+                <a:spcPts val="0"/>
+              </a:spcBef>
+              <a:spcAft>
+                <a:spcPts val="0"/>
+              </a:spcAft>
+              <a:buSzPts val="3600"/>
+              <a:buNone/>
+              <a:defRPr/>
             </a:lvl1pPr>
-            <a:lvl2pPr lvl="1" rtl="0" algn="ctr">
-              <a:spcBef>
-                <a:spcPts val="0"/>
-              </a:spcBef>
-              <a:spcAft>
-                <a:spcPts val="0"/>
-              </a:spcAft>
-              <a:buSzPts val="24000"/>
-              <a:buNone/>
-              <a:defRPr sz="24000"/>
-            </a:lvl2pPr>
-            <a:lvl3pPr lvl="2" rtl="0" algn="ctr">
-              <a:spcBef>
-                <a:spcPts val="0"/>
-              </a:spcBef>
-              <a:spcAft>
-                <a:spcPts val="0"/>
-              </a:spcAft>
-              <a:buSzPts val="24000"/>
-              <a:buNone/>
-              <a:defRPr sz="24000"/>
-            </a:lvl3pPr>
-            <a:lvl4pPr lvl="3" rtl="0" algn="ctr">
-              <a:spcBef>
-                <a:spcPts val="0"/>
-              </a:spcBef>
-              <a:spcAft>
-                <a:spcPts val="0"/>
-              </a:spcAft>
-              <a:buSzPts val="24000"/>
-              <a:buNone/>
-              <a:defRPr sz="24000"/>
-            </a:lvl4pPr>
-            <a:lvl5pPr lvl="4" rtl="0" algn="ctr">
-              <a:spcBef>
-                <a:spcPts val="0"/>
-              </a:spcBef>
-              <a:spcAft>
-                <a:spcPts val="0"/>
-              </a:spcAft>
-              <a:buSzPts val="24000"/>
-              <a:buNone/>
-              <a:defRPr sz="24000"/>
-            </a:lvl5pPr>
-            <a:lvl6pPr lvl="5" rtl="0" algn="ctr">
-              <a:spcBef>
-                <a:spcPts val="0"/>
-              </a:spcBef>
-              <a:spcAft>
-                <a:spcPts val="0"/>
-              </a:spcAft>
-              <a:buSzPts val="24000"/>
-              <a:buNone/>
-              <a:defRPr sz="24000"/>
-            </a:lvl6pPr>
-            <a:lvl7pPr lvl="6" rtl="0" algn="ctr">
-              <a:spcBef>
-                <a:spcPts val="0"/>
-              </a:spcBef>
-              <a:spcAft>
-                <a:spcPts val="0"/>
-              </a:spcAft>
-              <a:buSzPts val="24000"/>
-              <a:buNone/>
-              <a:defRPr sz="24000"/>
-            </a:lvl7pPr>
-            <a:lvl8pPr lvl="7" rtl="0" algn="ctr">
-              <a:spcBef>
-                <a:spcPts val="0"/>
-              </a:spcBef>
-              <a:spcAft>
-                <a:spcPts val="0"/>
-              </a:spcAft>
-              <a:buSzPts val="24000"/>
-              <a:buNone/>
-              <a:defRPr sz="24000"/>
-            </a:lvl8pPr>
-            <a:lvl9pPr lvl="8" rtl="0" algn="ctr">
-              <a:spcBef>
-                <a:spcPts val="0"/>
-              </a:spcBef>
-              <a:spcAft>
-                <a:spcPts val="0"/>
-              </a:spcAft>
-              <a:buSzPts val="24000"/>
-              <a:buNone/>
-              <a:defRPr sz="24000"/>
-            </a:lvl9pPr>
-          </a:lstStyle>
-          <a:p>
-            <a:r>
-              <a:t>xx%</a:t>
-            </a:r>
-          </a:p>
-        </p:txBody>
-      </p:sp>
-      <p:sp>
-        <p:nvSpPr>
-          <p:cNvPr id="91" name="Google Shape;91;p23"/>
-          <p:cNvSpPr txBox="1"/>
-          <p:nvPr>
-            <p:ph idx="1" type="body"/>
-          </p:nvPr>
-        </p:nvSpPr>
-        <p:spPr>
-          <a:xfrm>
-            <a:off x="623400" y="6304450"/>
-            <a:ext cx="17041200" cy="2601600"/>
-          </a:xfrm>
-          <a:prstGeom prst="rect">
-            <a:avLst/>
-          </a:prstGeom>
-        </p:spPr>
-        <p:txBody>
-          <a:bodyPr anchorCtr="0" anchor="t" bIns="182850" lIns="182850" spcFirstLastPara="1" rIns="182850" wrap="square" tIns="182850">
-            <a:noAutofit/>
-          </a:bodyPr>
-          <a:lstStyle>
-            <a:lvl1pPr indent="-457200" lvl="0" marL="457200" rtl="0" algn="ctr">
-              <a:spcBef>
-                <a:spcPts val="0"/>
-              </a:spcBef>
-              <a:spcAft>
-                <a:spcPts val="0"/>
-              </a:spcAft>
-              <a:buSzPts val="3600"/>
-              <a:buChar char="●"/>
-              <a:defRPr/>
-            </a:lvl1pPr>
-            <a:lvl2pPr indent="-406400" lvl="1" marL="914400" rtl="0" algn="ctr">
-              <a:spcBef>
-                <a:spcPts val="3200"/>
-              </a:spcBef>
-              <a:spcAft>
-                <a:spcPts val="0"/>
-              </a:spcAft>
-              <a:buSzPts val="2800"/>
-              <a:buChar char="○"/>
-              <a:defRPr/>
-            </a:lvl2pPr>
-            <a:lvl3pPr indent="-406400" lvl="2" marL="1371600" rtl="0" algn="ctr">
-              <a:spcBef>
-                <a:spcPts val="3200"/>
-              </a:spcBef>
-              <a:spcAft>
-                <a:spcPts val="0"/>
-              </a:spcAft>
-              <a:buSzPts val="2800"/>
-              <a:buChar char="■"/>
-              <a:defRPr/>
-            </a:lvl3pPr>
-            <a:lvl4pPr indent="-406400" lvl="3" marL="1828800" rtl="0" algn="ctr">
-              <a:spcBef>
-                <a:spcPts val="3200"/>
-              </a:spcBef>
-              <a:spcAft>
-                <a:spcPts val="0"/>
-              </a:spcAft>
-              <a:buSzPts val="2800"/>
-              <a:buChar char="●"/>
-              <a:defRPr/>
-            </a:lvl4pPr>
-            <a:lvl5pPr indent="-406400" lvl="4" marL="2286000" rtl="0" algn="ctr">
-              <a:spcBef>
-                <a:spcPts val="3200"/>
-              </a:spcBef>
-              <a:spcAft>
-                <a:spcPts val="0"/>
-              </a:spcAft>
-              <a:buSzPts val="2800"/>
-              <a:buChar char="○"/>
-              <a:defRPr/>
-            </a:lvl5pPr>
-            <a:lvl6pPr indent="-406400" lvl="5" marL="2743200" rtl="0" algn="ctr">
-              <a:spcBef>
-                <a:spcPts val="3200"/>
-              </a:spcBef>
-              <a:spcAft>
-                <a:spcPts val="0"/>
-              </a:spcAft>
-              <a:buSzPts val="2800"/>
-              <a:buChar char="■"/>
-              <a:defRPr/>
-            </a:lvl6pPr>
-            <a:lvl7pPr indent="-406400" lvl="6" marL="3200400" rtl="0" algn="ctr">
-              <a:spcBef>
-                <a:spcPts val="3200"/>
-              </a:spcBef>
-              <a:spcAft>
-                <a:spcPts val="0"/>
-              </a:spcAft>
-              <a:buSzPts val="2800"/>
-              <a:buChar char="●"/>
-              <a:defRPr/>
-            </a:lvl7pPr>
-            <a:lvl8pPr indent="-406400" lvl="7" marL="3657600" rtl="0" algn="ctr">
-              <a:spcBef>
-                <a:spcPts val="3200"/>
-              </a:spcBef>
-              <a:spcAft>
-                <a:spcPts val="0"/>
-              </a:spcAft>
-              <a:buSzPts val="2800"/>
-              <a:buChar char="○"/>
-              <a:defRPr/>
-            </a:lvl8pPr>
-            <a:lvl9pPr indent="-406400" lvl="8" marL="4114800" rtl="0" algn="ctr">
-              <a:spcBef>
-                <a:spcPts val="3200"/>
-              </a:spcBef>
-              <a:spcAft>
-                <a:spcPts val="3200"/>
-              </a:spcAft>
-              <a:buSzPts val="2800"/>
-              <a:buChar char="■"/>
-              <a:defRPr/>
-            </a:lvl9pPr>
           </a:lstStyle>
           <a:p/>
         </p:txBody>
       </p:sp>
       <p:sp>
         <p:nvSpPr>
-          <p:cNvPr id="92" name="Google Shape;92;p23"/>
+          <p:cNvPr id="91" name="Google Shape;91;p23"/>
           <p:cNvSpPr txBox="1"/>
           <p:nvPr>
             <p:ph idx="12" type="sldNum"/>
@@ -8234,11 +8549,11 @@
 </file>
 
 <file path=ppt/slideLayouts/slideLayout22.xml><?xml version="1.0" encoding="utf-8"?>
-<p:sldLayout xmlns:a="http://schemas.openxmlformats.org/drawingml/2006/main" xmlns:r="http://schemas.openxmlformats.org/officeDocument/2006/relationships" xmlns:mc="http://schemas.openxmlformats.org/markup-compatibility/2006" xmlns:mv="urn:schemas-microsoft-com:mac:vml" xmlns:p="http://schemas.openxmlformats.org/presentationml/2006/main" xmlns:c="http://schemas.openxmlformats.org/drawingml/2006/chart" xmlns:dgm="http://schemas.openxmlformats.org/drawingml/2006/diagram" xmlns:o="urn:schemas-microsoft-com:office:office" xmlns:v="urn:schemas-microsoft-com:vml" xmlns:pvml="urn:schemas-microsoft-com:office:powerpoint" xmlns:com="http://schemas.openxmlformats.org/drawingml/2006/compatibility" xmlns:p14="http://schemas.microsoft.com/office/powerpoint/2010/main" xmlns:p15="http://schemas.microsoft.com/office/powerpoint/2012/main" xmlns:ahyp="http://schemas.microsoft.com/office/drawing/2018/hyperlinkcolor" matchingName="Blank" type="blank">
-  <p:cSld name="BLANK">
+<p:sldLayout xmlns:a="http://schemas.openxmlformats.org/drawingml/2006/main" xmlns:r="http://schemas.openxmlformats.org/officeDocument/2006/relationships" xmlns:mc="http://schemas.openxmlformats.org/markup-compatibility/2006" xmlns:mv="urn:schemas-microsoft-com:mac:vml" xmlns:p="http://schemas.openxmlformats.org/presentationml/2006/main" xmlns:c="http://schemas.openxmlformats.org/drawingml/2006/chart" xmlns:dgm="http://schemas.openxmlformats.org/drawingml/2006/diagram" xmlns:o="urn:schemas-microsoft-com:office:office" xmlns:v="urn:schemas-microsoft-com:vml" xmlns:pvml="urn:schemas-microsoft-com:office:powerpoint" xmlns:com="http://schemas.openxmlformats.org/drawingml/2006/compatibility" xmlns:p14="http://schemas.microsoft.com/office/powerpoint/2010/main" xmlns:p15="http://schemas.microsoft.com/office/powerpoint/2012/main" xmlns:ahyp="http://schemas.microsoft.com/office/drawing/2018/hyperlinkcolor" matchingName="Big number">
+  <p:cSld name="BIG_NUMBER">
     <p:spTree>
       <p:nvGrpSpPr>
-        <p:cNvPr id="93" name="Shape 93"/>
+        <p:cNvPr id="92" name="Shape 92"/>
         <p:cNvGrpSpPr/>
         <p:nvPr/>
       </p:nvGrpSpPr>
@@ -8252,7 +8567,261 @@
       </p:grpSpPr>
       <p:sp>
         <p:nvSpPr>
+          <p:cNvPr id="93" name="Google Shape;93;p24"/>
+          <p:cNvSpPr txBox="1"/>
+          <p:nvPr>
+            <p:ph hasCustomPrompt="1" type="title"/>
+          </p:nvPr>
+        </p:nvSpPr>
+        <p:spPr>
+          <a:xfrm>
+            <a:off x="623400" y="2212250"/>
+            <a:ext cx="17041200" cy="3927000"/>
+          </a:xfrm>
+          <a:prstGeom prst="rect">
+            <a:avLst/>
+          </a:prstGeom>
+        </p:spPr>
+        <p:txBody>
+          <a:bodyPr anchorCtr="0" anchor="b" bIns="182850" lIns="182850" spcFirstLastPara="1" rIns="182850" wrap="square" tIns="182850">
+            <a:noAutofit/>
+          </a:bodyPr>
+          <a:lstStyle>
+            <a:lvl1pPr lvl="0" rtl="0" algn="ctr">
+              <a:spcBef>
+                <a:spcPts val="0"/>
+              </a:spcBef>
+              <a:spcAft>
+                <a:spcPts val="0"/>
+              </a:spcAft>
+              <a:buSzPts val="24000"/>
+              <a:buNone/>
+              <a:defRPr sz="24000"/>
+            </a:lvl1pPr>
+            <a:lvl2pPr lvl="1" rtl="0" algn="ctr">
+              <a:spcBef>
+                <a:spcPts val="0"/>
+              </a:spcBef>
+              <a:spcAft>
+                <a:spcPts val="0"/>
+              </a:spcAft>
+              <a:buSzPts val="24000"/>
+              <a:buNone/>
+              <a:defRPr sz="24000"/>
+            </a:lvl2pPr>
+            <a:lvl3pPr lvl="2" rtl="0" algn="ctr">
+              <a:spcBef>
+                <a:spcPts val="0"/>
+              </a:spcBef>
+              <a:spcAft>
+                <a:spcPts val="0"/>
+              </a:spcAft>
+              <a:buSzPts val="24000"/>
+              <a:buNone/>
+              <a:defRPr sz="24000"/>
+            </a:lvl3pPr>
+            <a:lvl4pPr lvl="3" rtl="0" algn="ctr">
+              <a:spcBef>
+                <a:spcPts val="0"/>
+              </a:spcBef>
+              <a:spcAft>
+                <a:spcPts val="0"/>
+              </a:spcAft>
+              <a:buSzPts val="24000"/>
+              <a:buNone/>
+              <a:defRPr sz="24000"/>
+            </a:lvl4pPr>
+            <a:lvl5pPr lvl="4" rtl="0" algn="ctr">
+              <a:spcBef>
+                <a:spcPts val="0"/>
+              </a:spcBef>
+              <a:spcAft>
+                <a:spcPts val="0"/>
+              </a:spcAft>
+              <a:buSzPts val="24000"/>
+              <a:buNone/>
+              <a:defRPr sz="24000"/>
+            </a:lvl5pPr>
+            <a:lvl6pPr lvl="5" rtl="0" algn="ctr">
+              <a:spcBef>
+                <a:spcPts val="0"/>
+              </a:spcBef>
+              <a:spcAft>
+                <a:spcPts val="0"/>
+              </a:spcAft>
+              <a:buSzPts val="24000"/>
+              <a:buNone/>
+              <a:defRPr sz="24000"/>
+            </a:lvl6pPr>
+            <a:lvl7pPr lvl="6" rtl="0" algn="ctr">
+              <a:spcBef>
+                <a:spcPts val="0"/>
+              </a:spcBef>
+              <a:spcAft>
+                <a:spcPts val="0"/>
+              </a:spcAft>
+              <a:buSzPts val="24000"/>
+              <a:buNone/>
+              <a:defRPr sz="24000"/>
+            </a:lvl7pPr>
+            <a:lvl8pPr lvl="7" rtl="0" algn="ctr">
+              <a:spcBef>
+                <a:spcPts val="0"/>
+              </a:spcBef>
+              <a:spcAft>
+                <a:spcPts val="0"/>
+              </a:spcAft>
+              <a:buSzPts val="24000"/>
+              <a:buNone/>
+              <a:defRPr sz="24000"/>
+            </a:lvl8pPr>
+            <a:lvl9pPr lvl="8" rtl="0" algn="ctr">
+              <a:spcBef>
+                <a:spcPts val="0"/>
+              </a:spcBef>
+              <a:spcAft>
+                <a:spcPts val="0"/>
+              </a:spcAft>
+              <a:buSzPts val="24000"/>
+              <a:buNone/>
+              <a:defRPr sz="24000"/>
+            </a:lvl9pPr>
+          </a:lstStyle>
+          <a:p>
+            <a:r>
+              <a:t>xx%</a:t>
+            </a:r>
+          </a:p>
+        </p:txBody>
+      </p:sp>
+      <p:sp>
+        <p:nvSpPr>
           <p:cNvPr id="94" name="Google Shape;94;p24"/>
+          <p:cNvSpPr txBox="1"/>
+          <p:nvPr>
+            <p:ph idx="1" type="body"/>
+          </p:nvPr>
+        </p:nvSpPr>
+        <p:spPr>
+          <a:xfrm>
+            <a:off x="623400" y="6304450"/>
+            <a:ext cx="17041200" cy="2601600"/>
+          </a:xfrm>
+          <a:prstGeom prst="rect">
+            <a:avLst/>
+          </a:prstGeom>
+        </p:spPr>
+        <p:txBody>
+          <a:bodyPr anchorCtr="0" anchor="t" bIns="182850" lIns="182850" spcFirstLastPara="1" rIns="182850" wrap="square" tIns="182850">
+            <a:noAutofit/>
+          </a:bodyPr>
+          <a:lstStyle>
+            <a:lvl1pPr indent="-457200" lvl="0" marL="457200" rtl="0" algn="ctr">
+              <a:spcBef>
+                <a:spcPts val="0"/>
+              </a:spcBef>
+              <a:spcAft>
+                <a:spcPts val="0"/>
+              </a:spcAft>
+              <a:buSzPts val="3600"/>
+              <a:buChar char="●"/>
+              <a:defRPr/>
+            </a:lvl1pPr>
+            <a:lvl2pPr indent="-406400" lvl="1" marL="914400" rtl="0" algn="ctr">
+              <a:spcBef>
+                <a:spcPts val="3200"/>
+              </a:spcBef>
+              <a:spcAft>
+                <a:spcPts val="0"/>
+              </a:spcAft>
+              <a:buSzPts val="2800"/>
+              <a:buChar char="○"/>
+              <a:defRPr/>
+            </a:lvl2pPr>
+            <a:lvl3pPr indent="-406400" lvl="2" marL="1371600" rtl="0" algn="ctr">
+              <a:spcBef>
+                <a:spcPts val="3200"/>
+              </a:spcBef>
+              <a:spcAft>
+                <a:spcPts val="0"/>
+              </a:spcAft>
+              <a:buSzPts val="2800"/>
+              <a:buChar char="■"/>
+              <a:defRPr/>
+            </a:lvl3pPr>
+            <a:lvl4pPr indent="-406400" lvl="3" marL="1828800" rtl="0" algn="ctr">
+              <a:spcBef>
+                <a:spcPts val="3200"/>
+              </a:spcBef>
+              <a:spcAft>
+                <a:spcPts val="0"/>
+              </a:spcAft>
+              <a:buSzPts val="2800"/>
+              <a:buChar char="●"/>
+              <a:defRPr/>
+            </a:lvl4pPr>
+            <a:lvl5pPr indent="-406400" lvl="4" marL="2286000" rtl="0" algn="ctr">
+              <a:spcBef>
+                <a:spcPts val="3200"/>
+              </a:spcBef>
+              <a:spcAft>
+                <a:spcPts val="0"/>
+              </a:spcAft>
+              <a:buSzPts val="2800"/>
+              <a:buChar char="○"/>
+              <a:defRPr/>
+            </a:lvl5pPr>
+            <a:lvl6pPr indent="-406400" lvl="5" marL="2743200" rtl="0" algn="ctr">
+              <a:spcBef>
+                <a:spcPts val="3200"/>
+              </a:spcBef>
+              <a:spcAft>
+                <a:spcPts val="0"/>
+              </a:spcAft>
+              <a:buSzPts val="2800"/>
+              <a:buChar char="■"/>
+              <a:defRPr/>
+            </a:lvl6pPr>
+            <a:lvl7pPr indent="-406400" lvl="6" marL="3200400" rtl="0" algn="ctr">
+              <a:spcBef>
+                <a:spcPts val="3200"/>
+              </a:spcBef>
+              <a:spcAft>
+                <a:spcPts val="0"/>
+              </a:spcAft>
+              <a:buSzPts val="2800"/>
+              <a:buChar char="●"/>
+              <a:defRPr/>
+            </a:lvl7pPr>
+            <a:lvl8pPr indent="-406400" lvl="7" marL="3657600" rtl="0" algn="ctr">
+              <a:spcBef>
+                <a:spcPts val="3200"/>
+              </a:spcBef>
+              <a:spcAft>
+                <a:spcPts val="0"/>
+              </a:spcAft>
+              <a:buSzPts val="2800"/>
+              <a:buChar char="○"/>
+              <a:defRPr/>
+            </a:lvl8pPr>
+            <a:lvl9pPr indent="-406400" lvl="8" marL="4114800" rtl="0" algn="ctr">
+              <a:spcBef>
+                <a:spcPts val="3200"/>
+              </a:spcBef>
+              <a:spcAft>
+                <a:spcPts val="3200"/>
+              </a:spcAft>
+              <a:buSzPts val="2800"/>
+              <a:buChar char="■"/>
+              <a:defRPr/>
+            </a:lvl9pPr>
+          </a:lstStyle>
+          <a:p/>
+        </p:txBody>
+      </p:sp>
+      <p:sp>
+        <p:nvSpPr>
+          <p:cNvPr id="95" name="Google Shape;95;p24"/>
           <p:cNvSpPr txBox="1"/>
           <p:nvPr>
             <p:ph idx="12" type="sldNum"/>
@@ -8336,11 +8905,113 @@
 </file>
 
 <file path=ppt/slideLayouts/slideLayout23.xml><?xml version="1.0" encoding="utf-8"?>
+<p:sldLayout xmlns:a="http://schemas.openxmlformats.org/drawingml/2006/main" xmlns:r="http://schemas.openxmlformats.org/officeDocument/2006/relationships" xmlns:mc="http://schemas.openxmlformats.org/markup-compatibility/2006" xmlns:mv="urn:schemas-microsoft-com:mac:vml" xmlns:p="http://schemas.openxmlformats.org/presentationml/2006/main" xmlns:c="http://schemas.openxmlformats.org/drawingml/2006/chart" xmlns:dgm="http://schemas.openxmlformats.org/drawingml/2006/diagram" xmlns:o="urn:schemas-microsoft-com:office:office" xmlns:v="urn:schemas-microsoft-com:vml" xmlns:pvml="urn:schemas-microsoft-com:office:powerpoint" xmlns:com="http://schemas.openxmlformats.org/drawingml/2006/compatibility" xmlns:p14="http://schemas.microsoft.com/office/powerpoint/2010/main" xmlns:p15="http://schemas.microsoft.com/office/powerpoint/2012/main" xmlns:ahyp="http://schemas.microsoft.com/office/drawing/2018/hyperlinkcolor" matchingName="Blank" type="blank">
+  <p:cSld name="BLANK">
+    <p:spTree>
+      <p:nvGrpSpPr>
+        <p:cNvPr id="96" name="Shape 96"/>
+        <p:cNvGrpSpPr/>
+        <p:nvPr/>
+      </p:nvGrpSpPr>
+      <p:grpSpPr>
+        <a:xfrm>
+          <a:off x="0" y="0"/>
+          <a:ext cx="0" cy="0"/>
+          <a:chOff x="0" y="0"/>
+          <a:chExt cx="0" cy="0"/>
+        </a:xfrm>
+      </p:grpSpPr>
+      <p:sp>
+        <p:nvSpPr>
+          <p:cNvPr id="97" name="Google Shape;97;p25"/>
+          <p:cNvSpPr txBox="1"/>
+          <p:nvPr>
+            <p:ph idx="12" type="sldNum"/>
+          </p:nvPr>
+        </p:nvSpPr>
+        <p:spPr>
+          <a:xfrm>
+            <a:off x="16944916" y="9326434"/>
+            <a:ext cx="1097400" cy="787200"/>
+          </a:xfrm>
+          <a:prstGeom prst="rect">
+            <a:avLst/>
+          </a:prstGeom>
+        </p:spPr>
+        <p:txBody>
+          <a:bodyPr anchorCtr="0" anchor="ctr" bIns="182850" lIns="182850" spcFirstLastPara="1" rIns="182850" wrap="square" tIns="182850">
+            <a:noAutofit/>
+          </a:bodyPr>
+          <a:lstStyle>
+            <a:lvl1pPr lvl="0" rtl="0">
+              <a:buNone/>
+              <a:defRPr/>
+            </a:lvl1pPr>
+            <a:lvl2pPr lvl="1" rtl="0">
+              <a:buNone/>
+              <a:defRPr/>
+            </a:lvl2pPr>
+            <a:lvl3pPr lvl="2" rtl="0">
+              <a:buNone/>
+              <a:defRPr/>
+            </a:lvl3pPr>
+            <a:lvl4pPr lvl="3" rtl="0">
+              <a:buNone/>
+              <a:defRPr/>
+            </a:lvl4pPr>
+            <a:lvl5pPr lvl="4" rtl="0">
+              <a:buNone/>
+              <a:defRPr/>
+            </a:lvl5pPr>
+            <a:lvl6pPr lvl="5" rtl="0">
+              <a:buNone/>
+              <a:defRPr/>
+            </a:lvl6pPr>
+            <a:lvl7pPr lvl="6" rtl="0">
+              <a:buNone/>
+              <a:defRPr/>
+            </a:lvl7pPr>
+            <a:lvl8pPr lvl="7" rtl="0">
+              <a:buNone/>
+              <a:defRPr/>
+            </a:lvl8pPr>
+            <a:lvl9pPr lvl="8" rtl="0">
+              <a:buNone/>
+              <a:defRPr/>
+            </a:lvl9pPr>
+          </a:lstStyle>
+          <a:p>
+            <a:pPr indent="0" lvl="0" marL="0" rtl="0" algn="r">
+              <a:spcBef>
+                <a:spcPts val="0"/>
+              </a:spcBef>
+              <a:spcAft>
+                <a:spcPts val="0"/>
+              </a:spcAft>
+              <a:buNone/>
+            </a:pPr>
+            <a:fld id="{00000000-1234-1234-1234-123412341234}" type="slidenum">
+              <a:rPr lang="en-GB"/>
+              <a:t>‹#›</a:t>
+            </a:fld>
+            <a:endParaRPr/>
+          </a:p>
+        </p:txBody>
+      </p:sp>
+    </p:spTree>
+  </p:cSld>
+  <p:clrMapOvr>
+    <a:masterClrMapping/>
+  </p:clrMapOvr>
+</p:sldLayout>
+</file>
+
+<file path=ppt/slideLayouts/slideLayout24.xml><?xml version="1.0" encoding="utf-8"?>
 <p:sldLayout xmlns:a="http://schemas.openxmlformats.org/drawingml/2006/main" xmlns:r="http://schemas.openxmlformats.org/officeDocument/2006/relationships" xmlns:mc="http://schemas.openxmlformats.org/markup-compatibility/2006" xmlns:mv="urn:schemas-microsoft-com:mac:vml" xmlns:p="http://schemas.openxmlformats.org/presentationml/2006/main" xmlns:c="http://schemas.openxmlformats.org/drawingml/2006/chart" xmlns:dgm="http://schemas.openxmlformats.org/drawingml/2006/diagram" xmlns:o="urn:schemas-microsoft-com:office:office" xmlns:v="urn:schemas-microsoft-com:vml" xmlns:pvml="urn:schemas-microsoft-com:office:powerpoint" xmlns:com="http://schemas.openxmlformats.org/drawingml/2006/compatibility" xmlns:p14="http://schemas.microsoft.com/office/powerpoint/2010/main" xmlns:p15="http://schemas.microsoft.com/office/powerpoint/2012/main" xmlns:ahyp="http://schemas.microsoft.com/office/drawing/2018/hyperlinkcolor" matchingName="Title &amp; Bullets 1" showMasterSp="0">
   <p:cSld name="Title &amp; Bullets_1">
     <p:spTree>
       <p:nvGrpSpPr>
-        <p:cNvPr id="95" name="Shape 95"/>
+        <p:cNvPr id="98" name="Shape 98"/>
         <p:cNvGrpSpPr/>
         <p:nvPr/>
       </p:nvGrpSpPr>
@@ -8360,12 +9031,12 @@
 </p:sldLayout>
 </file>
 
-<file path=ppt/slideLayouts/slideLayout24.xml><?xml version="1.0" encoding="utf-8"?>
+<file path=ppt/slideLayouts/slideLayout25.xml><?xml version="1.0" encoding="utf-8"?>
 <p:sldLayout xmlns:a="http://schemas.openxmlformats.org/drawingml/2006/main" xmlns:r="http://schemas.openxmlformats.org/officeDocument/2006/relationships" xmlns:mc="http://schemas.openxmlformats.org/markup-compatibility/2006" xmlns:mv="urn:schemas-microsoft-com:mac:vml" xmlns:p="http://schemas.openxmlformats.org/presentationml/2006/main" xmlns:c="http://schemas.openxmlformats.org/drawingml/2006/chart" xmlns:dgm="http://schemas.openxmlformats.org/drawingml/2006/diagram" xmlns:o="urn:schemas-microsoft-com:office:office" xmlns:v="urn:schemas-microsoft-com:vml" xmlns:pvml="urn:schemas-microsoft-com:office:powerpoint" xmlns:com="http://schemas.openxmlformats.org/drawingml/2006/compatibility" xmlns:p14="http://schemas.microsoft.com/office/powerpoint/2010/main" xmlns:p15="http://schemas.microsoft.com/office/powerpoint/2012/main" xmlns:ahyp="http://schemas.microsoft.com/office/drawing/2018/hyperlinkcolor" matchingName="Blank 1" showMasterSp="0">
   <p:cSld name="Blank">
     <p:spTree>
       <p:nvGrpSpPr>
-        <p:cNvPr id="96" name="Shape 96"/>
+        <p:cNvPr id="99" name="Shape 99"/>
         <p:cNvGrpSpPr/>
         <p:nvPr/>
       </p:nvGrpSpPr>
@@ -8379,7 +9050,7 @@
       </p:grpSpPr>
       <p:sp>
         <p:nvSpPr>
-          <p:cNvPr id="97" name="Google Shape;97;p26"/>
+          <p:cNvPr id="100" name="Google Shape;100;p27"/>
           <p:cNvSpPr txBox="1"/>
           <p:nvPr>
             <p:ph idx="12" type="sldNum"/>
@@ -8573,12 +9244,12 @@
 </p:sldLayout>
 </file>
 
-<file path=ppt/slideLayouts/slideLayout25.xml><?xml version="1.0" encoding="utf-8"?>
+<file path=ppt/slideLayouts/slideLayout26.xml><?xml version="1.0" encoding="utf-8"?>
 <p:sldLayout xmlns:a="http://schemas.openxmlformats.org/drawingml/2006/main" xmlns:r="http://schemas.openxmlformats.org/officeDocument/2006/relationships" xmlns:mc="http://schemas.openxmlformats.org/markup-compatibility/2006" xmlns:mv="urn:schemas-microsoft-com:mac:vml" xmlns:p="http://schemas.openxmlformats.org/presentationml/2006/main" xmlns:c="http://schemas.openxmlformats.org/drawingml/2006/chart" xmlns:dgm="http://schemas.openxmlformats.org/drawingml/2006/diagram" xmlns:o="urn:schemas-microsoft-com:office:office" xmlns:v="urn:schemas-microsoft-com:vml" xmlns:pvml="urn:schemas-microsoft-com:office:powerpoint" xmlns:com="http://schemas.openxmlformats.org/drawingml/2006/compatibility" xmlns:p14="http://schemas.microsoft.com/office/powerpoint/2010/main" xmlns:p15="http://schemas.microsoft.com/office/powerpoint/2012/main" xmlns:ahyp="http://schemas.microsoft.com/office/drawing/2018/hyperlinkcolor" matchingName="IMAGE" showMasterSp="0">
   <p:cSld name="IMAGE">
     <p:spTree>
       <p:nvGrpSpPr>
-        <p:cNvPr id="98" name="Shape 98"/>
+        <p:cNvPr id="101" name="Shape 101"/>
         <p:cNvGrpSpPr/>
         <p:nvPr/>
       </p:nvGrpSpPr>
@@ -8592,7 +9263,7 @@
       </p:grpSpPr>
       <p:pic>
         <p:nvPicPr>
-          <p:cNvPr id="99" name="Google Shape;99;p27"/>
+          <p:cNvPr id="102" name="Google Shape;102;p28"/>
           <p:cNvPicPr preferRelativeResize="0"/>
           <p:nvPr/>
         </p:nvPicPr>
@@ -8619,7 +9290,7 @@
       </p:pic>
       <p:sp>
         <p:nvSpPr>
-          <p:cNvPr id="100" name="Google Shape;100;p27"/>
+          <p:cNvPr id="103" name="Google Shape;103;p28"/>
           <p:cNvSpPr txBox="1"/>
           <p:nvPr>
             <p:ph idx="12" type="sldNum"/>
@@ -11794,6 +12465,7 @@
     <p:sldLayoutId id="2147483656" r:id="rId9"/>
     <p:sldLayoutId id="2147483657" r:id="rId10"/>
     <p:sldLayoutId id="2147483658" r:id="rId11"/>
+    <p:sldLayoutId id="2147483659" r:id="rId12"/>
   </p:sldLayoutIdLst>
   <p:hf dt="0" ftr="0" hdr="0" sldNum="0"/>
   <p:txStyles>
@@ -12500,7 +13172,7 @@
     </p:bg>
     <p:spTree>
       <p:nvGrpSpPr>
-        <p:cNvPr id="50" name="Shape 50"/>
+        <p:cNvPr id="53" name="Shape 53"/>
         <p:cNvGrpSpPr/>
         <p:nvPr/>
       </p:nvGrpSpPr>
@@ -12514,7 +13186,7 @@
       </p:grpSpPr>
       <p:sp>
         <p:nvSpPr>
-          <p:cNvPr id="51" name="Google Shape;51;p13"/>
+          <p:cNvPr id="54" name="Google Shape;54;p14"/>
           <p:cNvSpPr txBox="1"/>
           <p:nvPr>
             <p:ph type="title"/>
@@ -12706,7 +13378,7 @@
       </p:sp>
       <p:sp>
         <p:nvSpPr>
-          <p:cNvPr id="52" name="Google Shape;52;p13"/>
+          <p:cNvPr id="55" name="Google Shape;55;p14"/>
           <p:cNvSpPr txBox="1"/>
           <p:nvPr>
             <p:ph idx="1" type="body"/>
@@ -12925,7 +13597,7 @@
       </p:sp>
       <p:sp>
         <p:nvSpPr>
-          <p:cNvPr id="53" name="Google Shape;53;p13"/>
+          <p:cNvPr id="56" name="Google Shape;56;p14"/>
           <p:cNvSpPr txBox="1"/>
           <p:nvPr>
             <p:ph idx="12" type="sldNum"/>
@@ -13044,20 +13716,20 @@
   </p:cSld>
   <p:clrMap accent1="accent1" accent2="accent2" accent3="accent3" accent4="accent4" accent5="accent5" accent6="accent6" bg1="lt1" bg2="dk2" tx1="dk1" tx2="lt2" folHlink="folHlink" hlink="hlink"/>
   <p:sldLayoutIdLst>
-    <p:sldLayoutId id="2147483659" r:id="rId1"/>
-    <p:sldLayoutId id="2147483660" r:id="rId2"/>
-    <p:sldLayoutId id="2147483661" r:id="rId3"/>
-    <p:sldLayoutId id="2147483662" r:id="rId4"/>
-    <p:sldLayoutId id="2147483663" r:id="rId5"/>
-    <p:sldLayoutId id="2147483664" r:id="rId6"/>
-    <p:sldLayoutId id="2147483665" r:id="rId7"/>
-    <p:sldLayoutId id="2147483666" r:id="rId8"/>
-    <p:sldLayoutId id="2147483667" r:id="rId9"/>
-    <p:sldLayoutId id="2147483668" r:id="rId10"/>
-    <p:sldLayoutId id="2147483669" r:id="rId11"/>
-    <p:sldLayoutId id="2147483670" r:id="rId12"/>
-    <p:sldLayoutId id="2147483671" r:id="rId13"/>
-    <p:sldLayoutId id="2147483672" r:id="rId14"/>
+    <p:sldLayoutId id="2147483660" r:id="rId1"/>
+    <p:sldLayoutId id="2147483661" r:id="rId2"/>
+    <p:sldLayoutId id="2147483662" r:id="rId3"/>
+    <p:sldLayoutId id="2147483663" r:id="rId4"/>
+    <p:sldLayoutId id="2147483664" r:id="rId5"/>
+    <p:sldLayoutId id="2147483665" r:id="rId6"/>
+    <p:sldLayoutId id="2147483666" r:id="rId7"/>
+    <p:sldLayoutId id="2147483667" r:id="rId8"/>
+    <p:sldLayoutId id="2147483668" r:id="rId9"/>
+    <p:sldLayoutId id="2147483669" r:id="rId10"/>
+    <p:sldLayoutId id="2147483670" r:id="rId11"/>
+    <p:sldLayoutId id="2147483671" r:id="rId12"/>
+    <p:sldLayoutId id="2147483672" r:id="rId13"/>
+    <p:sldLayoutId id="2147483673" r:id="rId14"/>
   </p:sldLayoutIdLst>
   <p:hf dt="0" ftr="0" hdr="0" sldNum="0"/>
   <p:txStyles>
@@ -13764,7 +14436,7 @@
     </p:bg>
     <p:spTree>
       <p:nvGrpSpPr>
-        <p:cNvPr id="104" name="Shape 104"/>
+        <p:cNvPr id="107" name="Shape 107"/>
         <p:cNvGrpSpPr/>
         <p:nvPr/>
       </p:nvGrpSpPr>
@@ -13778,7 +14450,7 @@
       </p:grpSpPr>
       <p:sp>
         <p:nvSpPr>
-          <p:cNvPr id="105" name="Google Shape;105;p28"/>
+          <p:cNvPr id="108" name="Google Shape;108;p29"/>
           <p:cNvSpPr txBox="1"/>
           <p:nvPr/>
         </p:nvSpPr>
@@ -13867,7 +14539,7 @@
       </p:sp>
       <p:pic>
         <p:nvPicPr>
-          <p:cNvPr id="106" name="Google Shape;106;p28"/>
+          <p:cNvPr id="109" name="Google Shape;109;p29"/>
           <p:cNvPicPr preferRelativeResize="0"/>
           <p:nvPr/>
         </p:nvPicPr>
@@ -13895,7 +14567,7 @@
       </p:pic>
       <p:sp>
         <p:nvSpPr>
-          <p:cNvPr id="107" name="Google Shape;107;p28"/>
+          <p:cNvPr id="110" name="Google Shape;110;p29"/>
           <p:cNvSpPr txBox="1"/>
           <p:nvPr/>
         </p:nvSpPr>
@@ -13955,7 +14627,7 @@
       </p:sp>
       <p:sp>
         <p:nvSpPr>
-          <p:cNvPr id="108" name="Google Shape;108;p28"/>
+          <p:cNvPr id="111" name="Google Shape;111;p29"/>
           <p:cNvSpPr txBox="1"/>
           <p:nvPr/>
         </p:nvSpPr>
@@ -14035,7 +14707,7 @@
     </p:bg>
     <p:spTree>
       <p:nvGrpSpPr>
-        <p:cNvPr id="198" name="Shape 198"/>
+        <p:cNvPr id="201" name="Shape 201"/>
         <p:cNvGrpSpPr/>
         <p:nvPr/>
       </p:nvGrpSpPr>
@@ -14049,7 +14721,7 @@
       </p:grpSpPr>
       <p:sp>
         <p:nvSpPr>
-          <p:cNvPr id="199" name="Google Shape;199;p37"/>
+          <p:cNvPr id="202" name="Google Shape;202;p38"/>
           <p:cNvSpPr txBox="1"/>
           <p:nvPr/>
         </p:nvSpPr>
@@ -14129,7 +14801,7 @@
       </p:sp>
       <p:sp>
         <p:nvSpPr>
-          <p:cNvPr id="200" name="Google Shape;200;p37"/>
+          <p:cNvPr id="203" name="Google Shape;203;p38"/>
           <p:cNvSpPr/>
           <p:nvPr/>
         </p:nvSpPr>
@@ -14172,7 +14844,7 @@
       </p:sp>
       <p:pic>
         <p:nvPicPr>
-          <p:cNvPr id="201" name="Google Shape;201;p37"/>
+          <p:cNvPr id="204" name="Google Shape;204;p38"/>
           <p:cNvPicPr preferRelativeResize="0"/>
           <p:nvPr/>
         </p:nvPicPr>
@@ -14200,7 +14872,7 @@
       </p:pic>
       <p:sp>
         <p:nvSpPr>
-          <p:cNvPr id="202" name="Google Shape;202;p37"/>
+          <p:cNvPr id="205" name="Google Shape;205;p38"/>
           <p:cNvSpPr txBox="1"/>
           <p:nvPr/>
         </p:nvSpPr>
@@ -14252,7 +14924,7 @@
       </p:sp>
       <p:sp>
         <p:nvSpPr>
-          <p:cNvPr id="203" name="Google Shape;203;p37"/>
+          <p:cNvPr id="206" name="Google Shape;206;p38"/>
           <p:cNvSpPr txBox="1"/>
           <p:nvPr/>
         </p:nvSpPr>
@@ -14341,7 +15013,7 @@
     </p:bg>
     <p:spTree>
       <p:nvGrpSpPr>
-        <p:cNvPr id="207" name="Shape 207"/>
+        <p:cNvPr id="210" name="Shape 210"/>
         <p:cNvGrpSpPr/>
         <p:nvPr/>
       </p:nvGrpSpPr>
@@ -14355,7 +15027,7 @@
       </p:grpSpPr>
       <p:pic>
         <p:nvPicPr>
-          <p:cNvPr id="208" name="Google Shape;208;p38"/>
+          <p:cNvPr id="211" name="Google Shape;211;p39"/>
           <p:cNvPicPr preferRelativeResize="0"/>
           <p:nvPr/>
         </p:nvPicPr>
@@ -14383,7 +15055,7 @@
       </p:pic>
       <p:sp>
         <p:nvSpPr>
-          <p:cNvPr id="209" name="Google Shape;209;p38"/>
+          <p:cNvPr id="212" name="Google Shape;212;p39"/>
           <p:cNvSpPr txBox="1"/>
           <p:nvPr>
             <p:ph idx="12" type="sldNum"/>
@@ -14443,7 +15115,7 @@
       </p:sp>
       <p:sp>
         <p:nvSpPr>
-          <p:cNvPr id="210" name="Google Shape;210;p38"/>
+          <p:cNvPr id="213" name="Google Shape;213;p39"/>
           <p:cNvSpPr txBox="1"/>
           <p:nvPr/>
         </p:nvSpPr>
@@ -14513,7 +15185,7 @@
       </p:sp>
       <p:sp>
         <p:nvSpPr>
-          <p:cNvPr id="211" name="Google Shape;211;p38"/>
+          <p:cNvPr id="214" name="Google Shape;214;p39"/>
           <p:cNvSpPr txBox="1"/>
           <p:nvPr/>
         </p:nvSpPr>
@@ -14571,7 +15243,7 @@
       </p:sp>
       <p:pic>
         <p:nvPicPr>
-          <p:cNvPr id="212" name="Google Shape;212;p38" title="1 Okta API token">
+          <p:cNvPr id="215" name="Google Shape;215;p39" title="1 Okta API token">
             <a:hlinkClick r:id="rId4"/>
           </p:cNvPr>
           <p:cNvPicPr preferRelativeResize="0"/>
@@ -14638,7 +15310,7 @@
                                           </p:stCondLst>
                                         </p:cTn>
                                         <p:tgtEl>
-                                          <p:spTgt spid="212"/>
+                                          <p:spTgt spid="215"/>
                                         </p:tgtEl>
                                         <p:attrNameLst>
                                           <p:attrName>style.visibility</p:attrName>
@@ -14652,7 +15324,7 @@
                                       <p:cBhvr>
                                         <p:cTn dur="1000"/>
                                         <p:tgtEl>
-                                          <p:spTgt spid="212"/>
+                                          <p:spTgt spid="215"/>
                                         </p:tgtEl>
                                       </p:cBhvr>
                                     </p:animEffect>
@@ -14702,7 +15374,7 @@
     </p:bg>
     <p:spTree>
       <p:nvGrpSpPr>
-        <p:cNvPr id="216" name="Shape 216"/>
+        <p:cNvPr id="219" name="Shape 219"/>
         <p:cNvGrpSpPr/>
         <p:nvPr/>
       </p:nvGrpSpPr>
@@ -14716,7 +15388,7 @@
       </p:grpSpPr>
       <p:sp>
         <p:nvSpPr>
-          <p:cNvPr id="217" name="Google Shape;217;p39"/>
+          <p:cNvPr id="220" name="Google Shape;220;p40"/>
           <p:cNvSpPr txBox="1"/>
           <p:nvPr/>
         </p:nvSpPr>
@@ -14813,7 +15485,7 @@
       </p:sp>
       <p:sp>
         <p:nvSpPr>
-          <p:cNvPr id="218" name="Google Shape;218;p39"/>
+          <p:cNvPr id="221" name="Google Shape;221;p40"/>
           <p:cNvSpPr/>
           <p:nvPr/>
         </p:nvSpPr>
@@ -14856,7 +15528,7 @@
       </p:sp>
       <p:pic>
         <p:nvPicPr>
-          <p:cNvPr id="219" name="Google Shape;219;p39"/>
+          <p:cNvPr id="222" name="Google Shape;222;p40"/>
           <p:cNvPicPr preferRelativeResize="0"/>
           <p:nvPr/>
         </p:nvPicPr>
@@ -14884,7 +15556,7 @@
       </p:pic>
       <p:sp>
         <p:nvSpPr>
-          <p:cNvPr id="220" name="Google Shape;220;p39"/>
+          <p:cNvPr id="223" name="Google Shape;223;p40"/>
           <p:cNvSpPr txBox="1"/>
           <p:nvPr/>
         </p:nvSpPr>
@@ -14936,7 +15608,7 @@
       </p:sp>
       <p:sp>
         <p:nvSpPr>
-          <p:cNvPr id="221" name="Google Shape;221;p39"/>
+          <p:cNvPr id="224" name="Google Shape;224;p40"/>
           <p:cNvSpPr txBox="1"/>
           <p:nvPr/>
         </p:nvSpPr>
@@ -15025,7 +15697,7 @@
     </p:bg>
     <p:spTree>
       <p:nvGrpSpPr>
-        <p:cNvPr id="225" name="Shape 225"/>
+        <p:cNvPr id="228" name="Shape 228"/>
         <p:cNvGrpSpPr/>
         <p:nvPr/>
       </p:nvGrpSpPr>
@@ -15039,7 +15711,7 @@
       </p:grpSpPr>
       <p:pic>
         <p:nvPicPr>
-          <p:cNvPr id="226" name="Google Shape;226;p40"/>
+          <p:cNvPr id="229" name="Google Shape;229;p41"/>
           <p:cNvPicPr preferRelativeResize="0"/>
           <p:nvPr/>
         </p:nvPicPr>
@@ -15067,7 +15739,7 @@
       </p:pic>
       <p:sp>
         <p:nvSpPr>
-          <p:cNvPr id="227" name="Google Shape;227;p40"/>
+          <p:cNvPr id="230" name="Google Shape;230;p41"/>
           <p:cNvSpPr txBox="1"/>
           <p:nvPr>
             <p:ph idx="12" type="sldNum"/>
@@ -15127,7 +15799,7 @@
       </p:sp>
       <p:sp>
         <p:nvSpPr>
-          <p:cNvPr id="228" name="Google Shape;228;p40"/>
+          <p:cNvPr id="231" name="Google Shape;231;p41"/>
           <p:cNvSpPr txBox="1"/>
           <p:nvPr/>
         </p:nvSpPr>
@@ -15185,7 +15857,7 @@
       </p:sp>
       <p:sp>
         <p:nvSpPr>
-          <p:cNvPr id="229" name="Google Shape;229;p40"/>
+          <p:cNvPr id="232" name="Google Shape;232;p41"/>
           <p:cNvSpPr txBox="1"/>
           <p:nvPr/>
         </p:nvSpPr>
@@ -15243,7 +15915,7 @@
       </p:sp>
       <p:pic>
         <p:nvPicPr>
-          <p:cNvPr id="230" name="Google Shape;230;p40" title="2 AWS IAM user">
+          <p:cNvPr id="233" name="Google Shape;233;p41" title="2 AWS IAM user">
             <a:hlinkClick r:id="rId4"/>
           </p:cNvPr>
           <p:cNvPicPr preferRelativeResize="0"/>
@@ -15310,7 +15982,7 @@
                                           </p:stCondLst>
                                         </p:cTn>
                                         <p:tgtEl>
-                                          <p:spTgt spid="230"/>
+                                          <p:spTgt spid="233"/>
                                         </p:tgtEl>
                                         <p:attrNameLst>
                                           <p:attrName>style.visibility</p:attrName>
@@ -15324,7 +15996,7 @@
                                       <p:cBhvr>
                                         <p:cTn dur="1000"/>
                                         <p:tgtEl>
-                                          <p:spTgt spid="230"/>
+                                          <p:spTgt spid="233"/>
                                         </p:tgtEl>
                                       </p:cBhvr>
                                     </p:animEffect>
@@ -15374,7 +16046,7 @@
     </p:bg>
     <p:spTree>
       <p:nvGrpSpPr>
-        <p:cNvPr id="234" name="Shape 234"/>
+        <p:cNvPr id="237" name="Shape 237"/>
         <p:cNvGrpSpPr/>
         <p:nvPr/>
       </p:nvGrpSpPr>
@@ -15388,7 +16060,7 @@
       </p:grpSpPr>
       <p:sp>
         <p:nvSpPr>
-          <p:cNvPr id="235" name="Google Shape;235;p41"/>
+          <p:cNvPr id="238" name="Google Shape;238;p42"/>
           <p:cNvSpPr txBox="1"/>
           <p:nvPr/>
         </p:nvSpPr>
@@ -15468,7 +16140,7 @@
       </p:sp>
       <p:sp>
         <p:nvSpPr>
-          <p:cNvPr id="236" name="Google Shape;236;p41"/>
+          <p:cNvPr id="239" name="Google Shape;239;p42"/>
           <p:cNvSpPr/>
           <p:nvPr/>
         </p:nvSpPr>
@@ -15511,7 +16183,7 @@
       </p:sp>
       <p:pic>
         <p:nvPicPr>
-          <p:cNvPr id="237" name="Google Shape;237;p41"/>
+          <p:cNvPr id="240" name="Google Shape;240;p42"/>
           <p:cNvPicPr preferRelativeResize="0"/>
           <p:nvPr/>
         </p:nvPicPr>
@@ -15539,7 +16211,7 @@
       </p:pic>
       <p:sp>
         <p:nvSpPr>
-          <p:cNvPr id="238" name="Google Shape;238;p41"/>
+          <p:cNvPr id="241" name="Google Shape;241;p42"/>
           <p:cNvSpPr txBox="1"/>
           <p:nvPr/>
         </p:nvSpPr>
@@ -15591,7 +16263,7 @@
       </p:sp>
       <p:sp>
         <p:nvSpPr>
-          <p:cNvPr id="239" name="Google Shape;239;p41"/>
+          <p:cNvPr id="242" name="Google Shape;242;p42"/>
           <p:cNvSpPr txBox="1"/>
           <p:nvPr/>
         </p:nvSpPr>
@@ -15680,7 +16352,7 @@
     </p:bg>
     <p:spTree>
       <p:nvGrpSpPr>
-        <p:cNvPr id="243" name="Shape 243"/>
+        <p:cNvPr id="246" name="Shape 246"/>
         <p:cNvGrpSpPr/>
         <p:nvPr/>
       </p:nvGrpSpPr>
@@ -15694,7 +16366,7 @@
       </p:grpSpPr>
       <p:pic>
         <p:nvPicPr>
-          <p:cNvPr id="244" name="Google Shape;244;p42"/>
+          <p:cNvPr id="247" name="Google Shape;247;p43"/>
           <p:cNvPicPr preferRelativeResize="0"/>
           <p:nvPr/>
         </p:nvPicPr>
@@ -15722,7 +16394,7 @@
       </p:pic>
       <p:sp>
         <p:nvSpPr>
-          <p:cNvPr id="245" name="Google Shape;245;p42"/>
+          <p:cNvPr id="248" name="Google Shape;248;p43"/>
           <p:cNvSpPr txBox="1"/>
           <p:nvPr>
             <p:ph idx="12" type="sldNum"/>
@@ -15782,7 +16454,7 @@
       </p:sp>
       <p:sp>
         <p:nvSpPr>
-          <p:cNvPr id="246" name="Google Shape;246;p42"/>
+          <p:cNvPr id="249" name="Google Shape;249;p43"/>
           <p:cNvSpPr txBox="1"/>
           <p:nvPr/>
         </p:nvSpPr>
@@ -15840,7 +16512,7 @@
       </p:sp>
       <p:sp>
         <p:nvSpPr>
-          <p:cNvPr id="247" name="Google Shape;247;p42"/>
+          <p:cNvPr id="250" name="Google Shape;250;p43"/>
           <p:cNvSpPr txBox="1"/>
           <p:nvPr/>
         </p:nvSpPr>
@@ -15898,7 +16570,7 @@
       </p:sp>
       <p:pic>
         <p:nvPicPr>
-          <p:cNvPr id="248" name="Google Shape;248;p42" title="3 Terminal credentials">
+          <p:cNvPr id="251" name="Google Shape;251;p43" title="3 Terminal credentials">
             <a:hlinkClick r:id="rId4"/>
           </p:cNvPr>
           <p:cNvPicPr preferRelativeResize="0"/>
@@ -15965,7 +16637,7 @@
                                           </p:stCondLst>
                                         </p:cTn>
                                         <p:tgtEl>
-                                          <p:spTgt spid="248"/>
+                                          <p:spTgt spid="251"/>
                                         </p:tgtEl>
                                         <p:attrNameLst>
                                           <p:attrName>style.visibility</p:attrName>
@@ -15979,7 +16651,7 @@
                                       <p:cBhvr>
                                         <p:cTn dur="1000"/>
                                         <p:tgtEl>
-                                          <p:spTgt spid="248"/>
+                                          <p:spTgt spid="251"/>
                                         </p:tgtEl>
                                       </p:cBhvr>
                                     </p:animEffect>
@@ -16029,7 +16701,7 @@
     </p:bg>
     <p:spTree>
       <p:nvGrpSpPr>
-        <p:cNvPr id="252" name="Shape 252"/>
+        <p:cNvPr id="255" name="Shape 255"/>
         <p:cNvGrpSpPr/>
         <p:nvPr/>
       </p:nvGrpSpPr>
@@ -16043,7 +16715,7 @@
       </p:grpSpPr>
       <p:sp>
         <p:nvSpPr>
-          <p:cNvPr id="253" name="Google Shape;253;p43"/>
+          <p:cNvPr id="256" name="Google Shape;256;p44"/>
           <p:cNvSpPr txBox="1"/>
           <p:nvPr/>
         </p:nvSpPr>
@@ -16140,7 +16812,7 @@
       </p:sp>
       <p:sp>
         <p:nvSpPr>
-          <p:cNvPr id="254" name="Google Shape;254;p43"/>
+          <p:cNvPr id="257" name="Google Shape;257;p44"/>
           <p:cNvSpPr/>
           <p:nvPr/>
         </p:nvSpPr>
@@ -16183,7 +16855,7 @@
       </p:sp>
       <p:pic>
         <p:nvPicPr>
-          <p:cNvPr id="255" name="Google Shape;255;p43"/>
+          <p:cNvPr id="258" name="Google Shape;258;p44"/>
           <p:cNvPicPr preferRelativeResize="0"/>
           <p:nvPr/>
         </p:nvPicPr>
@@ -16211,7 +16883,7 @@
       </p:pic>
       <p:sp>
         <p:nvSpPr>
-          <p:cNvPr id="256" name="Google Shape;256;p43"/>
+          <p:cNvPr id="259" name="Google Shape;259;p44"/>
           <p:cNvSpPr txBox="1"/>
           <p:nvPr/>
         </p:nvSpPr>
@@ -16263,7 +16935,7 @@
       </p:sp>
       <p:sp>
         <p:nvSpPr>
-          <p:cNvPr id="257" name="Google Shape;257;p43"/>
+          <p:cNvPr id="260" name="Google Shape;260;p44"/>
           <p:cNvSpPr txBox="1"/>
           <p:nvPr/>
         </p:nvSpPr>
@@ -16352,7 +17024,7 @@
     </p:bg>
     <p:spTree>
       <p:nvGrpSpPr>
-        <p:cNvPr id="261" name="Shape 261"/>
+        <p:cNvPr id="264" name="Shape 264"/>
         <p:cNvGrpSpPr/>
         <p:nvPr/>
       </p:nvGrpSpPr>
@@ -16366,7 +17038,7 @@
       </p:grpSpPr>
       <p:pic>
         <p:nvPicPr>
-          <p:cNvPr id="262" name="Google Shape;262;p44"/>
+          <p:cNvPr id="265" name="Google Shape;265;p45"/>
           <p:cNvPicPr preferRelativeResize="0"/>
           <p:nvPr/>
         </p:nvPicPr>
@@ -16394,7 +17066,7 @@
       </p:pic>
       <p:sp>
         <p:nvSpPr>
-          <p:cNvPr id="263" name="Google Shape;263;p44"/>
+          <p:cNvPr id="266" name="Google Shape;266;p45"/>
           <p:cNvSpPr txBox="1"/>
           <p:nvPr>
             <p:ph idx="12" type="sldNum"/>
@@ -16454,7 +17126,7 @@
       </p:sp>
       <p:sp>
         <p:nvSpPr>
-          <p:cNvPr id="264" name="Google Shape;264;p44"/>
+          <p:cNvPr id="267" name="Google Shape;267;p45"/>
           <p:cNvSpPr txBox="1"/>
           <p:nvPr/>
         </p:nvSpPr>
@@ -16512,7 +17184,7 @@
       </p:sp>
       <p:sp>
         <p:nvSpPr>
-          <p:cNvPr id="265" name="Google Shape;265;p44"/>
+          <p:cNvPr id="268" name="Google Shape;268;p45"/>
           <p:cNvSpPr txBox="1"/>
           <p:nvPr/>
         </p:nvSpPr>
@@ -16575,7 +17247,7 @@
       </p:sp>
       <p:pic>
         <p:nvPicPr>
-          <p:cNvPr id="266" name="Google Shape;266;p44" title="4 Terraform code">
+          <p:cNvPr id="269" name="Google Shape;269;p45" title="4 Terraform code">
             <a:hlinkClick r:id="rId4"/>
           </p:cNvPr>
           <p:cNvPicPr preferRelativeResize="0"/>
@@ -16642,7 +17314,7 @@
                                           </p:stCondLst>
                                         </p:cTn>
                                         <p:tgtEl>
-                                          <p:spTgt spid="266"/>
+                                          <p:spTgt spid="269"/>
                                         </p:tgtEl>
                                         <p:attrNameLst>
                                           <p:attrName>style.visibility</p:attrName>
@@ -16656,7 +17328,7 @@
                                       <p:cBhvr>
                                         <p:cTn dur="1000"/>
                                         <p:tgtEl>
-                                          <p:spTgt spid="266"/>
+                                          <p:spTgt spid="269"/>
                                         </p:tgtEl>
                                       </p:cBhvr>
                                     </p:animEffect>
@@ -16706,7 +17378,7 @@
     </p:bg>
     <p:spTree>
       <p:nvGrpSpPr>
-        <p:cNvPr id="270" name="Shape 270"/>
+        <p:cNvPr id="273" name="Shape 273"/>
         <p:cNvGrpSpPr/>
         <p:nvPr/>
       </p:nvGrpSpPr>
@@ -16720,7 +17392,7 @@
       </p:grpSpPr>
       <p:sp>
         <p:nvSpPr>
-          <p:cNvPr id="271" name="Google Shape;271;p45"/>
+          <p:cNvPr id="274" name="Google Shape;274;p46"/>
           <p:cNvSpPr txBox="1"/>
           <p:nvPr/>
         </p:nvSpPr>
@@ -16834,7 +17506,7 @@
       </p:sp>
       <p:sp>
         <p:nvSpPr>
-          <p:cNvPr id="272" name="Google Shape;272;p45"/>
+          <p:cNvPr id="275" name="Google Shape;275;p46"/>
           <p:cNvSpPr/>
           <p:nvPr/>
         </p:nvSpPr>
@@ -16877,7 +17549,7 @@
       </p:sp>
       <p:pic>
         <p:nvPicPr>
-          <p:cNvPr id="273" name="Google Shape;273;p45"/>
+          <p:cNvPr id="276" name="Google Shape;276;p46"/>
           <p:cNvPicPr preferRelativeResize="0"/>
           <p:nvPr/>
         </p:nvPicPr>
@@ -16905,7 +17577,7 @@
       </p:pic>
       <p:sp>
         <p:nvSpPr>
-          <p:cNvPr id="274" name="Google Shape;274;p45"/>
+          <p:cNvPr id="277" name="Google Shape;277;p46"/>
           <p:cNvSpPr txBox="1"/>
           <p:nvPr/>
         </p:nvSpPr>
@@ -16957,7 +17629,7 @@
       </p:sp>
       <p:sp>
         <p:nvSpPr>
-          <p:cNvPr id="275" name="Google Shape;275;p45"/>
+          <p:cNvPr id="278" name="Google Shape;278;p46"/>
           <p:cNvSpPr txBox="1"/>
           <p:nvPr/>
         </p:nvSpPr>
@@ -17046,7 +17718,7 @@
     </p:bg>
     <p:spTree>
       <p:nvGrpSpPr>
-        <p:cNvPr id="279" name="Shape 279"/>
+        <p:cNvPr id="282" name="Shape 282"/>
         <p:cNvGrpSpPr/>
         <p:nvPr/>
       </p:nvGrpSpPr>
@@ -17060,7 +17732,7 @@
       </p:grpSpPr>
       <p:pic>
         <p:nvPicPr>
-          <p:cNvPr id="280" name="Google Shape;280;p46"/>
+          <p:cNvPr id="283" name="Google Shape;283;p47"/>
           <p:cNvPicPr preferRelativeResize="0"/>
           <p:nvPr/>
         </p:nvPicPr>
@@ -17088,7 +17760,7 @@
       </p:pic>
       <p:sp>
         <p:nvSpPr>
-          <p:cNvPr id="281" name="Google Shape;281;p46"/>
+          <p:cNvPr id="284" name="Google Shape;284;p47"/>
           <p:cNvSpPr txBox="1"/>
           <p:nvPr>
             <p:ph idx="12" type="sldNum"/>
@@ -17148,7 +17820,7 @@
       </p:sp>
       <p:sp>
         <p:nvSpPr>
-          <p:cNvPr id="282" name="Google Shape;282;p46"/>
+          <p:cNvPr id="285" name="Google Shape;285;p47"/>
           <p:cNvSpPr txBox="1"/>
           <p:nvPr/>
         </p:nvSpPr>
@@ -17206,7 +17878,7 @@
       </p:sp>
       <p:sp>
         <p:nvSpPr>
-          <p:cNvPr id="283" name="Google Shape;283;p46"/>
+          <p:cNvPr id="286" name="Google Shape;286;p47"/>
           <p:cNvSpPr txBox="1"/>
           <p:nvPr/>
         </p:nvSpPr>
@@ -17269,7 +17941,7 @@
       </p:sp>
       <p:pic>
         <p:nvPicPr>
-          <p:cNvPr id="284" name="Google Shape;284;p46" title="5 Terraform apply">
+          <p:cNvPr id="287" name="Google Shape;287;p47" title="5 Terraform apply">
             <a:hlinkClick r:id="rId4"/>
           </p:cNvPr>
           <p:cNvPicPr preferRelativeResize="0"/>
@@ -17336,7 +18008,7 @@
                                           </p:stCondLst>
                                         </p:cTn>
                                         <p:tgtEl>
-                                          <p:spTgt spid="284"/>
+                                          <p:spTgt spid="287"/>
                                         </p:tgtEl>
                                         <p:attrNameLst>
                                           <p:attrName>style.visibility</p:attrName>
@@ -17350,7 +18022,7 @@
                                       <p:cBhvr>
                                         <p:cTn dur="1000"/>
                                         <p:tgtEl>
-                                          <p:spTgt spid="284"/>
+                                          <p:spTgt spid="287"/>
                                         </p:tgtEl>
                                       </p:cBhvr>
                                     </p:animEffect>
@@ -17393,7 +18065,7 @@
   <p:cSld>
     <p:spTree>
       <p:nvGrpSpPr>
-        <p:cNvPr id="112" name="Shape 112"/>
+        <p:cNvPr id="115" name="Shape 115"/>
         <p:cNvGrpSpPr/>
         <p:nvPr/>
       </p:nvGrpSpPr>
@@ -17407,7 +18079,7 @@
       </p:grpSpPr>
       <p:sp>
         <p:nvSpPr>
-          <p:cNvPr id="113" name="Google Shape;113;p29"/>
+          <p:cNvPr id="116" name="Google Shape;116;p30"/>
           <p:cNvSpPr txBox="1"/>
           <p:nvPr/>
         </p:nvSpPr>
@@ -17463,7 +18135,7 @@
       </p:sp>
       <p:sp>
         <p:nvSpPr>
-          <p:cNvPr id="114" name="Google Shape;114;p29"/>
+          <p:cNvPr id="117" name="Google Shape;117;p30"/>
           <p:cNvSpPr txBox="1"/>
           <p:nvPr/>
         </p:nvSpPr>
@@ -17525,7 +18197,7 @@
       </p:sp>
       <p:sp>
         <p:nvSpPr>
-          <p:cNvPr id="115" name="Google Shape;115;p29"/>
+          <p:cNvPr id="118" name="Google Shape;118;p30"/>
           <p:cNvSpPr txBox="1"/>
           <p:nvPr/>
         </p:nvSpPr>
@@ -17751,7 +18423,7 @@
       </p:sp>
       <p:sp>
         <p:nvSpPr>
-          <p:cNvPr id="116" name="Google Shape;116;p29"/>
+          <p:cNvPr id="119" name="Google Shape;119;p30"/>
           <p:cNvSpPr/>
           <p:nvPr/>
         </p:nvSpPr>
@@ -17794,7 +18466,7 @@
       </p:sp>
       <p:pic>
         <p:nvPicPr>
-          <p:cNvPr id="117" name="Google Shape;117;p29"/>
+          <p:cNvPr id="120" name="Google Shape;120;p30"/>
           <p:cNvPicPr preferRelativeResize="0"/>
           <p:nvPr/>
         </p:nvPicPr>
@@ -17822,7 +18494,7 @@
       </p:pic>
       <p:sp>
         <p:nvSpPr>
-          <p:cNvPr id="118" name="Google Shape;118;p29"/>
+          <p:cNvPr id="121" name="Google Shape;121;p30"/>
           <p:cNvSpPr txBox="1"/>
           <p:nvPr/>
         </p:nvSpPr>
@@ -17868,7 +18540,7 @@
       </p:sp>
       <p:sp>
         <p:nvSpPr>
-          <p:cNvPr id="119" name="Google Shape;119;p29"/>
+          <p:cNvPr id="122" name="Google Shape;122;p30"/>
           <p:cNvSpPr txBox="1"/>
           <p:nvPr/>
         </p:nvSpPr>
@@ -17938,7 +18610,7 @@
       </p:sp>
       <p:sp>
         <p:nvSpPr>
-          <p:cNvPr id="120" name="Google Shape;120;p29"/>
+          <p:cNvPr id="123" name="Google Shape;123;p30"/>
           <p:cNvSpPr txBox="1"/>
           <p:nvPr/>
         </p:nvSpPr>
@@ -18008,7 +18680,7 @@
     </p:bg>
     <p:spTree>
       <p:nvGrpSpPr>
-        <p:cNvPr id="288" name="Shape 288"/>
+        <p:cNvPr id="291" name="Shape 291"/>
         <p:cNvGrpSpPr/>
         <p:nvPr/>
       </p:nvGrpSpPr>
@@ -18022,7 +18694,7 @@
       </p:grpSpPr>
       <p:sp>
         <p:nvSpPr>
-          <p:cNvPr id="289" name="Google Shape;289;p47"/>
+          <p:cNvPr id="292" name="Google Shape;292;p48"/>
           <p:cNvSpPr txBox="1"/>
           <p:nvPr/>
         </p:nvSpPr>
@@ -18102,7 +18774,7 @@
       </p:sp>
       <p:sp>
         <p:nvSpPr>
-          <p:cNvPr id="290" name="Google Shape;290;p47"/>
+          <p:cNvPr id="293" name="Google Shape;293;p48"/>
           <p:cNvSpPr/>
           <p:nvPr/>
         </p:nvSpPr>
@@ -18145,7 +18817,7 @@
       </p:sp>
       <p:pic>
         <p:nvPicPr>
-          <p:cNvPr id="291" name="Google Shape;291;p47"/>
+          <p:cNvPr id="294" name="Google Shape;294;p48"/>
           <p:cNvPicPr preferRelativeResize="0"/>
           <p:nvPr/>
         </p:nvPicPr>
@@ -18173,7 +18845,7 @@
       </p:pic>
       <p:sp>
         <p:nvSpPr>
-          <p:cNvPr id="292" name="Google Shape;292;p47"/>
+          <p:cNvPr id="295" name="Google Shape;295;p48"/>
           <p:cNvSpPr txBox="1"/>
           <p:nvPr/>
         </p:nvSpPr>
@@ -18225,7 +18897,7 @@
       </p:sp>
       <p:sp>
         <p:nvSpPr>
-          <p:cNvPr id="293" name="Google Shape;293;p47"/>
+          <p:cNvPr id="296" name="Google Shape;296;p48"/>
           <p:cNvSpPr txBox="1"/>
           <p:nvPr/>
         </p:nvSpPr>
@@ -18314,7 +18986,7 @@
     </p:bg>
     <p:spTree>
       <p:nvGrpSpPr>
-        <p:cNvPr id="297" name="Shape 297"/>
+        <p:cNvPr id="300" name="Shape 300"/>
         <p:cNvGrpSpPr/>
         <p:nvPr/>
       </p:nvGrpSpPr>
@@ -18328,7 +19000,7 @@
       </p:grpSpPr>
       <p:pic>
         <p:nvPicPr>
-          <p:cNvPr id="298" name="Google Shape;298;p48"/>
+          <p:cNvPr id="301" name="Google Shape;301;p49"/>
           <p:cNvPicPr preferRelativeResize="0"/>
           <p:nvPr/>
         </p:nvPicPr>
@@ -18356,7 +19028,7 @@
       </p:pic>
       <p:sp>
         <p:nvSpPr>
-          <p:cNvPr id="299" name="Google Shape;299;p48"/>
+          <p:cNvPr id="302" name="Google Shape;302;p49"/>
           <p:cNvSpPr txBox="1"/>
           <p:nvPr>
             <p:ph idx="12" type="sldNum"/>
@@ -18416,7 +19088,7 @@
       </p:sp>
       <p:sp>
         <p:nvSpPr>
-          <p:cNvPr id="300" name="Google Shape;300;p48"/>
+          <p:cNvPr id="303" name="Google Shape;303;p49"/>
           <p:cNvSpPr txBox="1"/>
           <p:nvPr/>
         </p:nvSpPr>
@@ -18474,7 +19146,7 @@
       </p:sp>
       <p:sp>
         <p:nvSpPr>
-          <p:cNvPr id="301" name="Google Shape;301;p48"/>
+          <p:cNvPr id="304" name="Google Shape;304;p49"/>
           <p:cNvSpPr txBox="1"/>
           <p:nvPr/>
         </p:nvSpPr>
@@ -18537,7 +19209,7 @@
       </p:sp>
       <p:pic>
         <p:nvPicPr>
-          <p:cNvPr id="302" name="Google Shape;302;p48" title="6 AWS Okta IAM user">
+          <p:cNvPr id="305" name="Google Shape;305;p49" title="6 AWS Okta IAM user">
             <a:hlinkClick r:id="rId4"/>
           </p:cNvPr>
           <p:cNvPicPr preferRelativeResize="0"/>
@@ -18604,7 +19276,7 @@
                                           </p:stCondLst>
                                         </p:cTn>
                                         <p:tgtEl>
-                                          <p:spTgt spid="302"/>
+                                          <p:spTgt spid="305"/>
                                         </p:tgtEl>
                                         <p:attrNameLst>
                                           <p:attrName>style.visibility</p:attrName>
@@ -18618,7 +19290,7 @@
                                       <p:cBhvr>
                                         <p:cTn dur="1000"/>
                                         <p:tgtEl>
-                                          <p:spTgt spid="302"/>
+                                          <p:spTgt spid="305"/>
                                         </p:tgtEl>
                                       </p:cBhvr>
                                     </p:animEffect>
@@ -18668,7 +19340,7 @@
     </p:bg>
     <p:spTree>
       <p:nvGrpSpPr>
-        <p:cNvPr id="306" name="Shape 306"/>
+        <p:cNvPr id="309" name="Shape 309"/>
         <p:cNvGrpSpPr/>
         <p:nvPr/>
       </p:nvGrpSpPr>
@@ -18682,7 +19354,7 @@
       </p:grpSpPr>
       <p:sp>
         <p:nvSpPr>
-          <p:cNvPr id="307" name="Google Shape;307;p49"/>
+          <p:cNvPr id="310" name="Google Shape;310;p50"/>
           <p:cNvSpPr txBox="1"/>
           <p:nvPr/>
         </p:nvSpPr>
@@ -18762,7 +19434,7 @@
       </p:sp>
       <p:sp>
         <p:nvSpPr>
-          <p:cNvPr id="308" name="Google Shape;308;p49"/>
+          <p:cNvPr id="311" name="Google Shape;311;p50"/>
           <p:cNvSpPr/>
           <p:nvPr/>
         </p:nvSpPr>
@@ -18805,7 +19477,7 @@
       </p:sp>
       <p:pic>
         <p:nvPicPr>
-          <p:cNvPr id="309" name="Google Shape;309;p49"/>
+          <p:cNvPr id="312" name="Google Shape;312;p50"/>
           <p:cNvPicPr preferRelativeResize="0"/>
           <p:nvPr/>
         </p:nvPicPr>
@@ -18833,7 +19505,7 @@
       </p:pic>
       <p:sp>
         <p:nvSpPr>
-          <p:cNvPr id="310" name="Google Shape;310;p49"/>
+          <p:cNvPr id="313" name="Google Shape;313;p50"/>
           <p:cNvSpPr txBox="1"/>
           <p:nvPr/>
         </p:nvSpPr>
@@ -18885,7 +19557,7 @@
       </p:sp>
       <p:sp>
         <p:nvSpPr>
-          <p:cNvPr id="311" name="Google Shape;311;p49"/>
+          <p:cNvPr id="314" name="Google Shape;314;p50"/>
           <p:cNvSpPr txBox="1"/>
           <p:nvPr/>
         </p:nvSpPr>
@@ -18974,7 +19646,7 @@
     </p:bg>
     <p:spTree>
       <p:nvGrpSpPr>
-        <p:cNvPr id="315" name="Shape 315"/>
+        <p:cNvPr id="318" name="Shape 318"/>
         <p:cNvGrpSpPr/>
         <p:nvPr/>
       </p:nvGrpSpPr>
@@ -18988,7 +19660,7 @@
       </p:grpSpPr>
       <p:pic>
         <p:nvPicPr>
-          <p:cNvPr id="316" name="Google Shape;316;p50"/>
+          <p:cNvPr id="319" name="Google Shape;319;p51"/>
           <p:cNvPicPr preferRelativeResize="0"/>
           <p:nvPr/>
         </p:nvPicPr>
@@ -19016,7 +19688,7 @@
       </p:pic>
       <p:sp>
         <p:nvSpPr>
-          <p:cNvPr id="317" name="Google Shape;317;p50"/>
+          <p:cNvPr id="320" name="Google Shape;320;p51"/>
           <p:cNvSpPr txBox="1"/>
           <p:nvPr>
             <p:ph idx="12" type="sldNum"/>
@@ -19076,7 +19748,7 @@
       </p:sp>
       <p:sp>
         <p:nvSpPr>
-          <p:cNvPr id="318" name="Google Shape;318;p50"/>
+          <p:cNvPr id="321" name="Google Shape;321;p51"/>
           <p:cNvSpPr txBox="1"/>
           <p:nvPr/>
         </p:nvSpPr>
@@ -19134,7 +19806,7 @@
       </p:sp>
       <p:sp>
         <p:nvSpPr>
-          <p:cNvPr id="319" name="Google Shape;319;p50"/>
+          <p:cNvPr id="322" name="Google Shape;322;p51"/>
           <p:cNvSpPr txBox="1"/>
           <p:nvPr/>
         </p:nvSpPr>
@@ -19197,7 +19869,7 @@
       </p:sp>
       <p:pic>
         <p:nvPicPr>
-          <p:cNvPr id="320" name="Google Shape;320;p50" title="7 Okta AWS provisioning">
+          <p:cNvPr id="323" name="Google Shape;323;p51" title="7 Okta AWS provisioning">
             <a:hlinkClick r:id="rId4"/>
           </p:cNvPr>
           <p:cNvPicPr preferRelativeResize="0"/>
@@ -19264,7 +19936,7 @@
                                           </p:stCondLst>
                                         </p:cTn>
                                         <p:tgtEl>
-                                          <p:spTgt spid="320"/>
+                                          <p:spTgt spid="323"/>
                                         </p:tgtEl>
                                         <p:attrNameLst>
                                           <p:attrName>style.visibility</p:attrName>
@@ -19278,7 +19950,7 @@
                                       <p:cBhvr>
                                         <p:cTn dur="1000"/>
                                         <p:tgtEl>
-                                          <p:spTgt spid="320"/>
+                                          <p:spTgt spid="323"/>
                                         </p:tgtEl>
                                       </p:cBhvr>
                                     </p:animEffect>
@@ -19328,7 +20000,7 @@
     </p:bg>
     <p:spTree>
       <p:nvGrpSpPr>
-        <p:cNvPr id="324" name="Shape 324"/>
+        <p:cNvPr id="327" name="Shape 327"/>
         <p:cNvGrpSpPr/>
         <p:nvPr/>
       </p:nvGrpSpPr>
@@ -19342,7 +20014,7 @@
       </p:grpSpPr>
       <p:sp>
         <p:nvSpPr>
-          <p:cNvPr id="325" name="Google Shape;325;p51"/>
+          <p:cNvPr id="328" name="Google Shape;328;p52"/>
           <p:cNvSpPr txBox="1"/>
           <p:nvPr/>
         </p:nvSpPr>
@@ -19439,7 +20111,7 @@
       </p:sp>
       <p:sp>
         <p:nvSpPr>
-          <p:cNvPr id="326" name="Google Shape;326;p51"/>
+          <p:cNvPr id="329" name="Google Shape;329;p52"/>
           <p:cNvSpPr/>
           <p:nvPr/>
         </p:nvSpPr>
@@ -19482,7 +20154,7 @@
       </p:sp>
       <p:pic>
         <p:nvPicPr>
-          <p:cNvPr id="327" name="Google Shape;327;p51"/>
+          <p:cNvPr id="330" name="Google Shape;330;p52"/>
           <p:cNvPicPr preferRelativeResize="0"/>
           <p:nvPr/>
         </p:nvPicPr>
@@ -19510,7 +20182,7 @@
       </p:pic>
       <p:sp>
         <p:nvSpPr>
-          <p:cNvPr id="328" name="Google Shape;328;p51"/>
+          <p:cNvPr id="331" name="Google Shape;331;p52"/>
           <p:cNvSpPr txBox="1"/>
           <p:nvPr/>
         </p:nvSpPr>
@@ -19562,7 +20234,7 @@
       </p:sp>
       <p:sp>
         <p:nvSpPr>
-          <p:cNvPr id="329" name="Google Shape;329;p51"/>
+          <p:cNvPr id="332" name="Google Shape;332;p52"/>
           <p:cNvSpPr txBox="1"/>
           <p:nvPr/>
         </p:nvSpPr>
@@ -19651,7 +20323,7 @@
     </p:bg>
     <p:spTree>
       <p:nvGrpSpPr>
-        <p:cNvPr id="333" name="Shape 333"/>
+        <p:cNvPr id="336" name="Shape 336"/>
         <p:cNvGrpSpPr/>
         <p:nvPr/>
       </p:nvGrpSpPr>
@@ -19665,7 +20337,7 @@
       </p:grpSpPr>
       <p:pic>
         <p:nvPicPr>
-          <p:cNvPr id="334" name="Google Shape;334;p52"/>
+          <p:cNvPr id="337" name="Google Shape;337;p53"/>
           <p:cNvPicPr preferRelativeResize="0"/>
           <p:nvPr/>
         </p:nvPicPr>
@@ -19693,7 +20365,7 @@
       </p:pic>
       <p:sp>
         <p:nvSpPr>
-          <p:cNvPr id="335" name="Google Shape;335;p52"/>
+          <p:cNvPr id="338" name="Google Shape;338;p53"/>
           <p:cNvSpPr txBox="1"/>
           <p:nvPr>
             <p:ph idx="12" type="sldNum"/>
@@ -19753,7 +20425,7 @@
       </p:sp>
       <p:sp>
         <p:nvSpPr>
-          <p:cNvPr id="336" name="Google Shape;336;p52"/>
+          <p:cNvPr id="339" name="Google Shape;339;p53"/>
           <p:cNvSpPr txBox="1"/>
           <p:nvPr/>
         </p:nvSpPr>
@@ -19811,7 +20483,7 @@
       </p:sp>
       <p:sp>
         <p:nvSpPr>
-          <p:cNvPr id="337" name="Google Shape;337;p52"/>
+          <p:cNvPr id="340" name="Google Shape;340;p53"/>
           <p:cNvSpPr txBox="1"/>
           <p:nvPr/>
         </p:nvSpPr>
@@ -19874,7 +20546,7 @@
       </p:sp>
       <p:pic>
         <p:nvPicPr>
-          <p:cNvPr id="338" name="Google Shape;338;p52" title="8 Child account">
+          <p:cNvPr id="341" name="Google Shape;341;p53" title="8 Child account">
             <a:hlinkClick r:id="rId4"/>
           </p:cNvPr>
           <p:cNvPicPr preferRelativeResize="0"/>
@@ -19941,7 +20613,7 @@
                                           </p:stCondLst>
                                         </p:cTn>
                                         <p:tgtEl>
-                                          <p:spTgt spid="338"/>
+                                          <p:spTgt spid="341"/>
                                         </p:tgtEl>
                                         <p:attrNameLst>
                                           <p:attrName>style.visibility</p:attrName>
@@ -19955,7 +20627,7 @@
                                       <p:cBhvr>
                                         <p:cTn dur="1000"/>
                                         <p:tgtEl>
-                                          <p:spTgt spid="338"/>
+                                          <p:spTgt spid="341"/>
                                         </p:tgtEl>
                                       </p:cBhvr>
                                     </p:animEffect>
@@ -20005,7 +20677,7 @@
     </p:bg>
     <p:spTree>
       <p:nvGrpSpPr>
-        <p:cNvPr id="342" name="Shape 342"/>
+        <p:cNvPr id="345" name="Shape 345"/>
         <p:cNvGrpSpPr/>
         <p:nvPr/>
       </p:nvGrpSpPr>
@@ -20019,7 +20691,7 @@
       </p:grpSpPr>
       <p:sp>
         <p:nvSpPr>
-          <p:cNvPr id="343" name="Google Shape;343;p53"/>
+          <p:cNvPr id="346" name="Google Shape;346;p54"/>
           <p:cNvSpPr txBox="1"/>
           <p:nvPr/>
         </p:nvSpPr>
@@ -20152,7 +20824,7 @@
       </p:sp>
       <p:sp>
         <p:nvSpPr>
-          <p:cNvPr id="344" name="Google Shape;344;p53"/>
+          <p:cNvPr id="347" name="Google Shape;347;p54"/>
           <p:cNvSpPr/>
           <p:nvPr/>
         </p:nvSpPr>
@@ -20195,7 +20867,7 @@
       </p:sp>
       <p:pic>
         <p:nvPicPr>
-          <p:cNvPr id="345" name="Google Shape;345;p53"/>
+          <p:cNvPr id="348" name="Google Shape;348;p54"/>
           <p:cNvPicPr preferRelativeResize="0"/>
           <p:nvPr/>
         </p:nvPicPr>
@@ -20223,7 +20895,7 @@
       </p:pic>
       <p:sp>
         <p:nvSpPr>
-          <p:cNvPr id="346" name="Google Shape;346;p53"/>
+          <p:cNvPr id="349" name="Google Shape;349;p54"/>
           <p:cNvSpPr txBox="1"/>
           <p:nvPr/>
         </p:nvSpPr>
@@ -20275,7 +20947,7 @@
       </p:sp>
       <p:sp>
         <p:nvSpPr>
-          <p:cNvPr id="347" name="Google Shape;347;p53"/>
+          <p:cNvPr id="350" name="Google Shape;350;p54"/>
           <p:cNvSpPr txBox="1"/>
           <p:nvPr/>
         </p:nvSpPr>
@@ -20364,7 +21036,7 @@
     </p:bg>
     <p:spTree>
       <p:nvGrpSpPr>
-        <p:cNvPr id="351" name="Shape 351"/>
+        <p:cNvPr id="354" name="Shape 354"/>
         <p:cNvGrpSpPr/>
         <p:nvPr/>
       </p:nvGrpSpPr>
@@ -20378,7 +21050,7 @@
       </p:grpSpPr>
       <p:pic>
         <p:nvPicPr>
-          <p:cNvPr id="352" name="Google Shape;352;p54"/>
+          <p:cNvPr id="355" name="Google Shape;355;p55"/>
           <p:cNvPicPr preferRelativeResize="0"/>
           <p:nvPr/>
         </p:nvPicPr>
@@ -20406,7 +21078,7 @@
       </p:pic>
       <p:sp>
         <p:nvSpPr>
-          <p:cNvPr id="353" name="Google Shape;353;p54"/>
+          <p:cNvPr id="356" name="Google Shape;356;p55"/>
           <p:cNvSpPr txBox="1"/>
           <p:nvPr>
             <p:ph idx="12" type="sldNum"/>
@@ -20466,7 +21138,7 @@
       </p:sp>
       <p:sp>
         <p:nvSpPr>
-          <p:cNvPr id="354" name="Google Shape;354;p54"/>
+          <p:cNvPr id="357" name="Google Shape;357;p55"/>
           <p:cNvSpPr txBox="1"/>
           <p:nvPr/>
         </p:nvSpPr>
@@ -20524,7 +21196,7 @@
       </p:sp>
       <p:sp>
         <p:nvSpPr>
-          <p:cNvPr id="355" name="Google Shape;355;p54"/>
+          <p:cNvPr id="358" name="Google Shape;358;p55"/>
           <p:cNvSpPr txBox="1"/>
           <p:nvPr/>
         </p:nvSpPr>
@@ -20582,7 +21254,7 @@
       </p:sp>
       <p:pic>
         <p:nvPicPr>
-          <p:cNvPr id="356" name="Google Shape;356;p54" title="9 AWS CLI">
+          <p:cNvPr id="359" name="Google Shape;359;p55" title="9 AWS CLI">
             <a:hlinkClick r:id="rId4"/>
           </p:cNvPr>
           <p:cNvPicPr preferRelativeResize="0"/>
@@ -20649,7 +21321,7 @@
                                           </p:stCondLst>
                                         </p:cTn>
                                         <p:tgtEl>
-                                          <p:spTgt spid="356"/>
+                                          <p:spTgt spid="359"/>
                                         </p:tgtEl>
                                         <p:attrNameLst>
                                           <p:attrName>style.visibility</p:attrName>
@@ -20663,7 +21335,7 @@
                                       <p:cBhvr>
                                         <p:cTn dur="1000"/>
                                         <p:tgtEl>
-                                          <p:spTgt spid="356"/>
+                                          <p:spTgt spid="359"/>
                                         </p:tgtEl>
                                       </p:cBhvr>
                                     </p:animEffect>
@@ -20713,7 +21385,7 @@
     </p:bg>
     <p:spTree>
       <p:nvGrpSpPr>
-        <p:cNvPr id="360" name="Shape 360"/>
+        <p:cNvPr id="363" name="Shape 363"/>
         <p:cNvGrpSpPr/>
         <p:nvPr/>
       </p:nvGrpSpPr>
@@ -20727,7 +21399,7 @@
       </p:grpSpPr>
       <p:sp>
         <p:nvSpPr>
-          <p:cNvPr id="361" name="Google Shape;361;p55"/>
+          <p:cNvPr id="364" name="Google Shape;364;p56"/>
           <p:cNvSpPr txBox="1"/>
           <p:nvPr/>
         </p:nvSpPr>
@@ -20785,7 +21457,7 @@
       </p:sp>
       <p:sp>
         <p:nvSpPr>
-          <p:cNvPr id="362" name="Google Shape;362;p55"/>
+          <p:cNvPr id="365" name="Google Shape;365;p56"/>
           <p:cNvSpPr txBox="1"/>
           <p:nvPr/>
         </p:nvSpPr>
@@ -20843,7 +21515,7 @@
       </p:sp>
       <p:sp>
         <p:nvSpPr>
-          <p:cNvPr id="363" name="Google Shape;363;p55"/>
+          <p:cNvPr id="366" name="Google Shape;366;p56"/>
           <p:cNvSpPr/>
           <p:nvPr/>
         </p:nvSpPr>
@@ -20886,7 +21558,7 @@
       </p:sp>
       <p:pic>
         <p:nvPicPr>
-          <p:cNvPr id="364" name="Google Shape;364;p55"/>
+          <p:cNvPr id="367" name="Google Shape;367;p56"/>
           <p:cNvPicPr preferRelativeResize="0"/>
           <p:nvPr/>
         </p:nvPicPr>
@@ -20914,7 +21586,7 @@
       </p:pic>
       <p:sp>
         <p:nvSpPr>
-          <p:cNvPr id="365" name="Google Shape;365;p55"/>
+          <p:cNvPr id="368" name="Google Shape;368;p56"/>
           <p:cNvSpPr txBox="1"/>
           <p:nvPr/>
         </p:nvSpPr>
@@ -20966,7 +21638,7 @@
       </p:sp>
       <p:sp>
         <p:nvSpPr>
-          <p:cNvPr id="366" name="Google Shape;366;p55"/>
+          <p:cNvPr id="369" name="Google Shape;369;p56"/>
           <p:cNvSpPr txBox="1"/>
           <p:nvPr/>
         </p:nvSpPr>
@@ -21047,7 +21719,7 @@
   <p:cSld>
     <p:spTree>
       <p:nvGrpSpPr>
-        <p:cNvPr id="370" name="Shape 370"/>
+        <p:cNvPr id="373" name="Shape 373"/>
         <p:cNvGrpSpPr/>
         <p:nvPr/>
       </p:nvGrpSpPr>
@@ -21061,7 +21733,7 @@
       </p:grpSpPr>
       <p:sp>
         <p:nvSpPr>
-          <p:cNvPr id="371" name="Google Shape;371;p56"/>
+          <p:cNvPr id="374" name="Google Shape;374;p57"/>
           <p:cNvSpPr txBox="1"/>
           <p:nvPr/>
         </p:nvSpPr>
@@ -21135,7 +21807,7 @@
       </p:sp>
       <p:sp>
         <p:nvSpPr>
-          <p:cNvPr id="372" name="Google Shape;372;p56"/>
+          <p:cNvPr id="375" name="Google Shape;375;p57"/>
           <p:cNvSpPr txBox="1"/>
           <p:nvPr/>
         </p:nvSpPr>
@@ -21197,7 +21869,7 @@
       </p:sp>
       <p:sp>
         <p:nvSpPr>
-          <p:cNvPr id="373" name="Google Shape;373;p56"/>
+          <p:cNvPr id="376" name="Google Shape;376;p57"/>
           <p:cNvSpPr txBox="1"/>
           <p:nvPr/>
         </p:nvSpPr>
@@ -21302,7 +21974,7 @@
       </p:sp>
       <p:sp>
         <p:nvSpPr>
-          <p:cNvPr id="374" name="Google Shape;374;p56"/>
+          <p:cNvPr id="377" name="Google Shape;377;p57"/>
           <p:cNvSpPr txBox="1"/>
           <p:nvPr/>
         </p:nvSpPr>
@@ -21407,7 +22079,7 @@
       </p:sp>
       <p:sp>
         <p:nvSpPr>
-          <p:cNvPr id="375" name="Google Shape;375;p56"/>
+          <p:cNvPr id="378" name="Google Shape;378;p57"/>
           <p:cNvSpPr txBox="1"/>
           <p:nvPr/>
         </p:nvSpPr>
@@ -21500,7 +22172,7 @@
       </p:sp>
       <p:sp>
         <p:nvSpPr>
-          <p:cNvPr id="376" name="Google Shape;376;p56"/>
+          <p:cNvPr id="379" name="Google Shape;379;p57"/>
           <p:cNvSpPr/>
           <p:nvPr/>
         </p:nvSpPr>
@@ -21543,7 +22215,7 @@
       </p:sp>
       <p:pic>
         <p:nvPicPr>
-          <p:cNvPr id="377" name="Google Shape;377;p56"/>
+          <p:cNvPr id="380" name="Google Shape;380;p57"/>
           <p:cNvPicPr preferRelativeResize="0"/>
           <p:nvPr/>
         </p:nvPicPr>
@@ -21571,7 +22243,7 @@
       </p:pic>
       <p:sp>
         <p:nvSpPr>
-          <p:cNvPr id="378" name="Google Shape;378;p56"/>
+          <p:cNvPr id="381" name="Google Shape;381;p57"/>
           <p:cNvSpPr txBox="1"/>
           <p:nvPr/>
         </p:nvSpPr>
@@ -21623,7 +22295,7 @@
       </p:sp>
       <p:sp>
         <p:nvSpPr>
-          <p:cNvPr id="379" name="Google Shape;379;p56"/>
+          <p:cNvPr id="382" name="Google Shape;382;p57"/>
           <p:cNvSpPr txBox="1"/>
           <p:nvPr/>
         </p:nvSpPr>
@@ -21707,7 +22379,7 @@
   <p:cSld>
     <p:spTree>
       <p:nvGrpSpPr>
-        <p:cNvPr id="124" name="Shape 124"/>
+        <p:cNvPr id="127" name="Shape 127"/>
         <p:cNvGrpSpPr/>
         <p:nvPr/>
       </p:nvGrpSpPr>
@@ -21721,7 +22393,7 @@
       </p:grpSpPr>
       <p:sp>
         <p:nvSpPr>
-          <p:cNvPr id="125" name="Google Shape;125;p30"/>
+          <p:cNvPr id="128" name="Google Shape;128;p31"/>
           <p:cNvSpPr txBox="1"/>
           <p:nvPr/>
         </p:nvSpPr>
@@ -21777,7 +22449,7 @@
       </p:sp>
       <p:sp>
         <p:nvSpPr>
-          <p:cNvPr id="126" name="Google Shape;126;p30"/>
+          <p:cNvPr id="129" name="Google Shape;129;p31"/>
           <p:cNvSpPr txBox="1"/>
           <p:nvPr/>
         </p:nvSpPr>
@@ -21839,7 +22511,7 @@
       </p:sp>
       <p:sp>
         <p:nvSpPr>
-          <p:cNvPr id="127" name="Google Shape;127;p30"/>
+          <p:cNvPr id="130" name="Google Shape;130;p31"/>
           <p:cNvSpPr txBox="1"/>
           <p:nvPr>
             <p:ph idx="12" type="sldNum"/>
@@ -21879,7 +22551,7 @@
       </p:sp>
       <p:sp>
         <p:nvSpPr>
-          <p:cNvPr id="128" name="Google Shape;128;p30"/>
+          <p:cNvPr id="131" name="Google Shape;131;p31"/>
           <p:cNvSpPr txBox="1"/>
           <p:nvPr/>
         </p:nvSpPr>
@@ -22094,7 +22766,7 @@
       </p:sp>
       <p:sp>
         <p:nvSpPr>
-          <p:cNvPr id="129" name="Google Shape;129;p30"/>
+          <p:cNvPr id="132" name="Google Shape;132;p31"/>
           <p:cNvSpPr/>
           <p:nvPr/>
         </p:nvSpPr>
@@ -22137,7 +22809,7 @@
       </p:sp>
       <p:sp>
         <p:nvSpPr>
-          <p:cNvPr id="130" name="Google Shape;130;p30"/>
+          <p:cNvPr id="133" name="Google Shape;133;p31"/>
           <p:cNvSpPr/>
           <p:nvPr/>
         </p:nvSpPr>
@@ -22180,7 +22852,7 @@
       </p:sp>
       <p:pic>
         <p:nvPicPr>
-          <p:cNvPr id="131" name="Google Shape;131;p30"/>
+          <p:cNvPr id="134" name="Google Shape;134;p31"/>
           <p:cNvPicPr preferRelativeResize="0"/>
           <p:nvPr/>
         </p:nvPicPr>
@@ -22208,7 +22880,7 @@
       </p:pic>
       <p:sp>
         <p:nvSpPr>
-          <p:cNvPr id="132" name="Google Shape;132;p30"/>
+          <p:cNvPr id="135" name="Google Shape;135;p31"/>
           <p:cNvSpPr txBox="1"/>
           <p:nvPr/>
         </p:nvSpPr>
@@ -22260,7 +22932,7 @@
       </p:sp>
       <p:sp>
         <p:nvSpPr>
-          <p:cNvPr id="133" name="Google Shape;133;p30"/>
+          <p:cNvPr id="136" name="Google Shape;136;p31"/>
           <p:cNvSpPr txBox="1"/>
           <p:nvPr/>
         </p:nvSpPr>
@@ -22333,7 +23005,7 @@
       </p:sp>
       <p:pic>
         <p:nvPicPr>
-          <p:cNvPr id="134" name="Google Shape;134;p30"/>
+          <p:cNvPr id="137" name="Google Shape;137;p31"/>
           <p:cNvPicPr preferRelativeResize="0"/>
           <p:nvPr/>
         </p:nvPicPr>
@@ -22360,7 +23032,7 @@
       </p:pic>
       <p:sp>
         <p:nvSpPr>
-          <p:cNvPr id="135" name="Google Shape;135;p30"/>
+          <p:cNvPr id="138" name="Google Shape;138;p31"/>
           <p:cNvSpPr txBox="1"/>
           <p:nvPr/>
         </p:nvSpPr>
@@ -22452,7 +23124,7 @@
       </p:sp>
       <p:sp>
         <p:nvSpPr>
-          <p:cNvPr id="136" name="Google Shape;136;p30"/>
+          <p:cNvPr id="139" name="Google Shape;139;p31"/>
           <p:cNvSpPr txBox="1"/>
           <p:nvPr/>
         </p:nvSpPr>
@@ -22522,7 +23194,7 @@
     </p:bg>
     <p:spTree>
       <p:nvGrpSpPr>
-        <p:cNvPr id="383" name="Shape 383"/>
+        <p:cNvPr id="386" name="Shape 386"/>
         <p:cNvGrpSpPr/>
         <p:nvPr/>
       </p:nvGrpSpPr>
@@ -22536,7 +23208,7 @@
       </p:grpSpPr>
       <p:sp>
         <p:nvSpPr>
-          <p:cNvPr id="384" name="Google Shape;384;p57"/>
+          <p:cNvPr id="387" name="Google Shape;387;p58"/>
           <p:cNvSpPr txBox="1"/>
           <p:nvPr/>
         </p:nvSpPr>
@@ -22588,7 +23260,7 @@
       </p:sp>
       <p:pic>
         <p:nvPicPr>
-          <p:cNvPr id="385" name="Google Shape;385;p57"/>
+          <p:cNvPr id="388" name="Google Shape;388;p58"/>
           <p:cNvPicPr preferRelativeResize="0"/>
           <p:nvPr/>
         </p:nvPicPr>
@@ -22616,7 +23288,7 @@
       </p:pic>
       <p:sp>
         <p:nvSpPr>
-          <p:cNvPr id="386" name="Google Shape;386;p57"/>
+          <p:cNvPr id="389" name="Google Shape;389;p58"/>
           <p:cNvSpPr txBox="1"/>
           <p:nvPr/>
         </p:nvSpPr>
@@ -22687,7 +23359,7 @@
     </p:bg>
     <p:spTree>
       <p:nvGrpSpPr>
-        <p:cNvPr id="390" name="Shape 390"/>
+        <p:cNvPr id="393" name="Shape 393"/>
         <p:cNvGrpSpPr/>
         <p:nvPr/>
       </p:nvGrpSpPr>
@@ -22701,7 +23373,7 @@
       </p:grpSpPr>
       <p:sp>
         <p:nvSpPr>
-          <p:cNvPr id="391" name="Google Shape;391;p58"/>
+          <p:cNvPr id="394" name="Google Shape;394;p59"/>
           <p:cNvSpPr txBox="1"/>
           <p:nvPr/>
         </p:nvSpPr>
@@ -22793,7 +23465,7 @@
       </p:sp>
       <p:sp>
         <p:nvSpPr>
-          <p:cNvPr id="392" name="Google Shape;392;p58"/>
+          <p:cNvPr id="395" name="Google Shape;395;p59"/>
           <p:cNvSpPr/>
           <p:nvPr/>
         </p:nvSpPr>
@@ -22836,7 +23508,7 @@
       </p:sp>
       <p:pic>
         <p:nvPicPr>
-          <p:cNvPr id="393" name="Google Shape;393;p58"/>
+          <p:cNvPr id="396" name="Google Shape;396;p59"/>
           <p:cNvPicPr preferRelativeResize="0"/>
           <p:nvPr/>
         </p:nvPicPr>
@@ -22864,7 +23536,7 @@
       </p:pic>
       <p:sp>
         <p:nvSpPr>
-          <p:cNvPr id="394" name="Google Shape;394;p58"/>
+          <p:cNvPr id="397" name="Google Shape;397;p59"/>
           <p:cNvSpPr txBox="1"/>
           <p:nvPr/>
         </p:nvSpPr>
@@ -22916,7 +23588,7 @@
       </p:sp>
       <p:sp>
         <p:nvSpPr>
-          <p:cNvPr id="395" name="Google Shape;395;p58"/>
+          <p:cNvPr id="398" name="Google Shape;398;p59"/>
           <p:cNvSpPr txBox="1"/>
           <p:nvPr/>
         </p:nvSpPr>
@@ -22989,7 +23661,7 @@
       </p:sp>
       <p:pic>
         <p:nvPicPr>
-          <p:cNvPr id="396" name="Google Shape;396;p58"/>
+          <p:cNvPr id="399" name="Google Shape;399;p59"/>
           <p:cNvPicPr preferRelativeResize="0"/>
           <p:nvPr/>
         </p:nvPicPr>
@@ -23020,6 +23692,67 @@
   <p:clrMapOvr>
     <a:masterClrMapping/>
   </p:clrMapOvr>
+</p:sld>
+</file>
+
+<file path=ppt/slides/slide32.xml><?xml version="1.0" encoding="utf-8"?>
+<p:sld xmlns:a="http://schemas.openxmlformats.org/drawingml/2006/main" xmlns:r="http://schemas.openxmlformats.org/officeDocument/2006/relationships" xmlns:mc="http://schemas.openxmlformats.org/markup-compatibility/2006" xmlns:mv="urn:schemas-microsoft-com:mac:vml" xmlns:p="http://schemas.openxmlformats.org/presentationml/2006/main" xmlns:c="http://schemas.openxmlformats.org/drawingml/2006/chart" xmlns:dgm="http://schemas.openxmlformats.org/drawingml/2006/diagram" xmlns:o="urn:schemas-microsoft-com:office:office" xmlns:v="urn:schemas-microsoft-com:vml" xmlns:pvml="urn:schemas-microsoft-com:office:powerpoint" xmlns:com="http://schemas.openxmlformats.org/drawingml/2006/compatibility" xmlns:p14="http://schemas.microsoft.com/office/powerpoint/2010/main" xmlns:p15="http://schemas.microsoft.com/office/powerpoint/2012/main" xmlns:ahyp="http://schemas.microsoft.com/office/drawing/2018/hyperlinkcolor" showMasterSp="0">
+  <p:cSld>
+    <p:bg>
+      <p:bgPr>
+        <a:noFill/>
+      </p:bgPr>
+    </p:bg>
+    <p:spTree>
+      <p:nvGrpSpPr>
+        <p:cNvPr id="403" name="Shape 403"/>
+        <p:cNvGrpSpPr/>
+        <p:nvPr/>
+      </p:nvGrpSpPr>
+      <p:grpSpPr>
+        <a:xfrm>
+          <a:off x="0" y="0"/>
+          <a:ext cx="0" cy="0"/>
+          <a:chOff x="0" y="0"/>
+          <a:chExt cx="0" cy="0"/>
+        </a:xfrm>
+      </p:grpSpPr>
+      <p:pic>
+        <p:nvPicPr>
+          <p:cNvPr id="404" name="Google Shape;404;p60"/>
+          <p:cNvPicPr preferRelativeResize="0"/>
+          <p:nvPr/>
+        </p:nvPicPr>
+        <p:blipFill>
+          <a:blip r:embed="rId3">
+            <a:alphaModFix/>
+          </a:blip>
+          <a:stretch>
+            <a:fillRect/>
+          </a:stretch>
+        </p:blipFill>
+        <p:spPr>
+          <a:xfrm>
+            <a:off x="152400" y="152400"/>
+            <a:ext cx="17746135" cy="9982201"/>
+          </a:xfrm>
+          <a:prstGeom prst="rect">
+            <a:avLst/>
+          </a:prstGeom>
+          <a:noFill/>
+          <a:ln>
+            <a:noFill/>
+          </a:ln>
+        </p:spPr>
+      </p:pic>
+    </p:spTree>
+  </p:cSld>
+  <p:clrMapOvr>
+    <a:masterClrMapping/>
+  </p:clrMapOvr>
+  <p:transition spd="slow">
+    <p:fade/>
+  </p:transition>
 </p:sld>
 </file>
 
@@ -23035,7 +23768,7 @@
     </p:bg>
     <p:spTree>
       <p:nvGrpSpPr>
-        <p:cNvPr id="140" name="Shape 140"/>
+        <p:cNvPr id="143" name="Shape 143"/>
         <p:cNvGrpSpPr/>
         <p:nvPr/>
       </p:nvGrpSpPr>
@@ -23049,7 +23782,7 @@
       </p:grpSpPr>
       <p:pic>
         <p:nvPicPr>
-          <p:cNvPr id="141" name="Google Shape;141;p31"/>
+          <p:cNvPr id="144" name="Google Shape;144;p32"/>
           <p:cNvPicPr preferRelativeResize="0"/>
           <p:nvPr/>
         </p:nvPicPr>
@@ -23077,7 +23810,7 @@
       </p:pic>
       <p:sp>
         <p:nvSpPr>
-          <p:cNvPr id="142" name="Google Shape;142;p31"/>
+          <p:cNvPr id="145" name="Google Shape;145;p32"/>
           <p:cNvSpPr txBox="1"/>
           <p:nvPr/>
         </p:nvSpPr>
@@ -23361,7 +24094,7 @@
       </p:sp>
       <p:pic>
         <p:nvPicPr>
-          <p:cNvPr id="143" name="Google Shape;143;p31"/>
+          <p:cNvPr id="146" name="Google Shape;146;p32"/>
           <p:cNvPicPr preferRelativeResize="0"/>
           <p:nvPr/>
         </p:nvPicPr>
@@ -23400,7 +24133,7 @@
   <p:cSld>
     <p:spTree>
       <p:nvGrpSpPr>
-        <p:cNvPr id="147" name="Shape 147"/>
+        <p:cNvPr id="150" name="Shape 150"/>
         <p:cNvGrpSpPr/>
         <p:nvPr/>
       </p:nvGrpSpPr>
@@ -23414,7 +24147,7 @@
       </p:grpSpPr>
       <p:sp>
         <p:nvSpPr>
-          <p:cNvPr id="148" name="Google Shape;148;p32"/>
+          <p:cNvPr id="151" name="Google Shape;151;p33"/>
           <p:cNvSpPr txBox="1"/>
           <p:nvPr/>
         </p:nvSpPr>
@@ -23624,7 +24357,7 @@
       </p:sp>
       <p:sp>
         <p:nvSpPr>
-          <p:cNvPr id="149" name="Google Shape;149;p32"/>
+          <p:cNvPr id="152" name="Google Shape;152;p33"/>
           <p:cNvSpPr txBox="1"/>
           <p:nvPr>
             <p:ph idx="12" type="sldNum"/>
@@ -23684,7 +24417,7 @@
       </p:sp>
       <p:sp>
         <p:nvSpPr>
-          <p:cNvPr id="150" name="Google Shape;150;p32"/>
+          <p:cNvPr id="153" name="Google Shape;153;p33"/>
           <p:cNvSpPr txBox="1"/>
           <p:nvPr/>
         </p:nvSpPr>
@@ -23848,7 +24581,7 @@
       </p:sp>
       <p:sp>
         <p:nvSpPr>
-          <p:cNvPr id="151" name="Google Shape;151;p32"/>
+          <p:cNvPr id="154" name="Google Shape;154;p33"/>
           <p:cNvSpPr txBox="1"/>
           <p:nvPr/>
         </p:nvSpPr>
@@ -23906,7 +24639,7 @@
       </p:sp>
       <p:sp>
         <p:nvSpPr>
-          <p:cNvPr id="152" name="Google Shape;152;p32"/>
+          <p:cNvPr id="155" name="Google Shape;155;p33"/>
           <p:cNvSpPr txBox="1"/>
           <p:nvPr/>
         </p:nvSpPr>
@@ -23964,7 +24697,7 @@
       </p:sp>
       <p:sp>
         <p:nvSpPr>
-          <p:cNvPr id="153" name="Google Shape;153;p32"/>
+          <p:cNvPr id="156" name="Google Shape;156;p33"/>
           <p:cNvSpPr txBox="1"/>
           <p:nvPr/>
         </p:nvSpPr>
@@ -24031,7 +24764,7 @@
       </p:sp>
       <p:sp>
         <p:nvSpPr>
-          <p:cNvPr id="154" name="Google Shape;154;p32"/>
+          <p:cNvPr id="157" name="Google Shape;157;p33"/>
           <p:cNvSpPr txBox="1"/>
           <p:nvPr/>
         </p:nvSpPr>
@@ -24116,7 +24849,7 @@
     </p:bg>
     <p:spTree>
       <p:nvGrpSpPr>
-        <p:cNvPr id="158" name="Shape 158"/>
+        <p:cNvPr id="161" name="Shape 161"/>
         <p:cNvGrpSpPr/>
         <p:nvPr/>
       </p:nvGrpSpPr>
@@ -24130,7 +24863,7 @@
       </p:grpSpPr>
       <p:sp>
         <p:nvSpPr>
-          <p:cNvPr id="159" name="Google Shape;159;p33"/>
+          <p:cNvPr id="162" name="Google Shape;162;p34"/>
           <p:cNvSpPr txBox="1"/>
           <p:nvPr/>
         </p:nvSpPr>
@@ -24235,7 +24968,7 @@
       </p:sp>
       <p:sp>
         <p:nvSpPr>
-          <p:cNvPr id="160" name="Google Shape;160;p33"/>
+          <p:cNvPr id="163" name="Google Shape;163;p34"/>
           <p:cNvSpPr/>
           <p:nvPr/>
         </p:nvSpPr>
@@ -24278,7 +25011,7 @@
       </p:sp>
       <p:pic>
         <p:nvPicPr>
-          <p:cNvPr id="161" name="Google Shape;161;p33"/>
+          <p:cNvPr id="164" name="Google Shape;164;p34"/>
           <p:cNvPicPr preferRelativeResize="0"/>
           <p:nvPr/>
         </p:nvPicPr>
@@ -24306,7 +25039,7 @@
       </p:pic>
       <p:sp>
         <p:nvSpPr>
-          <p:cNvPr id="162" name="Google Shape;162;p33"/>
+          <p:cNvPr id="165" name="Google Shape;165;p34"/>
           <p:cNvSpPr txBox="1"/>
           <p:nvPr/>
         </p:nvSpPr>
@@ -24358,7 +25091,7 @@
       </p:sp>
       <p:sp>
         <p:nvSpPr>
-          <p:cNvPr id="163" name="Google Shape;163;p33"/>
+          <p:cNvPr id="166" name="Google Shape;166;p34"/>
           <p:cNvSpPr txBox="1"/>
           <p:nvPr/>
         </p:nvSpPr>
@@ -24449,7 +25182,7 @@
     </p:bg>
     <p:spTree>
       <p:nvGrpSpPr>
-        <p:cNvPr id="167" name="Shape 167"/>
+        <p:cNvPr id="170" name="Shape 170"/>
         <p:cNvGrpSpPr/>
         <p:nvPr/>
       </p:nvGrpSpPr>
@@ -24463,7 +25196,7 @@
       </p:grpSpPr>
       <p:sp>
         <p:nvSpPr>
-          <p:cNvPr id="168" name="Google Shape;168;p34"/>
+          <p:cNvPr id="171" name="Google Shape;171;p35"/>
           <p:cNvSpPr txBox="1"/>
           <p:nvPr/>
         </p:nvSpPr>
@@ -24543,7 +25276,7 @@
       </p:sp>
       <p:sp>
         <p:nvSpPr>
-          <p:cNvPr id="169" name="Google Shape;169;p34"/>
+          <p:cNvPr id="172" name="Google Shape;172;p35"/>
           <p:cNvSpPr/>
           <p:nvPr/>
         </p:nvSpPr>
@@ -24586,7 +25319,7 @@
       </p:sp>
       <p:pic>
         <p:nvPicPr>
-          <p:cNvPr id="170" name="Google Shape;170;p34"/>
+          <p:cNvPr id="173" name="Google Shape;173;p35"/>
           <p:cNvPicPr preferRelativeResize="0"/>
           <p:nvPr/>
         </p:nvPicPr>
@@ -24614,7 +25347,7 @@
       </p:pic>
       <p:sp>
         <p:nvSpPr>
-          <p:cNvPr id="171" name="Google Shape;171;p34"/>
+          <p:cNvPr id="174" name="Google Shape;174;p35"/>
           <p:cNvSpPr txBox="1"/>
           <p:nvPr/>
         </p:nvSpPr>
@@ -24666,7 +25399,7 @@
       </p:sp>
       <p:sp>
         <p:nvSpPr>
-          <p:cNvPr id="172" name="Google Shape;172;p34"/>
+          <p:cNvPr id="175" name="Google Shape;175;p35"/>
           <p:cNvSpPr txBox="1"/>
           <p:nvPr/>
         </p:nvSpPr>
@@ -24757,7 +25490,7 @@
     </p:bg>
     <p:spTree>
       <p:nvGrpSpPr>
-        <p:cNvPr id="176" name="Shape 176"/>
+        <p:cNvPr id="179" name="Shape 179"/>
         <p:cNvGrpSpPr/>
         <p:nvPr/>
       </p:nvGrpSpPr>
@@ -24771,7 +25504,7 @@
       </p:grpSpPr>
       <p:sp>
         <p:nvSpPr>
-          <p:cNvPr id="177" name="Google Shape;177;p35"/>
+          <p:cNvPr id="180" name="Google Shape;180;p36"/>
           <p:cNvSpPr txBox="1"/>
           <p:nvPr/>
         </p:nvSpPr>
@@ -24853,7 +25586,7 @@
       </p:sp>
       <p:sp>
         <p:nvSpPr>
-          <p:cNvPr id="178" name="Google Shape;178;p35"/>
+          <p:cNvPr id="181" name="Google Shape;181;p36"/>
           <p:cNvSpPr txBox="1"/>
           <p:nvPr/>
         </p:nvSpPr>
@@ -24911,7 +25644,7 @@
       </p:sp>
       <p:sp>
         <p:nvSpPr>
-          <p:cNvPr id="179" name="Google Shape;179;p35"/>
+          <p:cNvPr id="182" name="Google Shape;182;p36"/>
           <p:cNvSpPr/>
           <p:nvPr/>
         </p:nvSpPr>
@@ -24954,7 +25687,7 @@
       </p:sp>
       <p:pic>
         <p:nvPicPr>
-          <p:cNvPr id="180" name="Google Shape;180;p35"/>
+          <p:cNvPr id="183" name="Google Shape;183;p36"/>
           <p:cNvPicPr preferRelativeResize="0"/>
           <p:nvPr/>
         </p:nvPicPr>
@@ -24982,7 +25715,7 @@
       </p:pic>
       <p:sp>
         <p:nvSpPr>
-          <p:cNvPr id="181" name="Google Shape;181;p35"/>
+          <p:cNvPr id="184" name="Google Shape;184;p36"/>
           <p:cNvSpPr txBox="1"/>
           <p:nvPr/>
         </p:nvSpPr>
@@ -25034,7 +25767,7 @@
       </p:sp>
       <p:sp>
         <p:nvSpPr>
-          <p:cNvPr id="182" name="Google Shape;182;p35"/>
+          <p:cNvPr id="185" name="Google Shape;185;p36"/>
           <p:cNvSpPr txBox="1"/>
           <p:nvPr/>
         </p:nvSpPr>
@@ -25115,7 +25848,7 @@
   <p:cSld>
     <p:spTree>
       <p:nvGrpSpPr>
-        <p:cNvPr id="186" name="Shape 186"/>
+        <p:cNvPr id="189" name="Shape 189"/>
         <p:cNvGrpSpPr/>
         <p:nvPr/>
       </p:nvGrpSpPr>
@@ -25129,7 +25862,7 @@
       </p:grpSpPr>
       <p:sp>
         <p:nvSpPr>
-          <p:cNvPr id="187" name="Google Shape;187;p36"/>
+          <p:cNvPr id="190" name="Google Shape;190;p37"/>
           <p:cNvSpPr txBox="1"/>
           <p:nvPr/>
         </p:nvSpPr>
@@ -25185,7 +25918,7 @@
       </p:sp>
       <p:sp>
         <p:nvSpPr>
-          <p:cNvPr id="188" name="Google Shape;188;p36"/>
+          <p:cNvPr id="191" name="Google Shape;191;p37"/>
           <p:cNvSpPr txBox="1"/>
           <p:nvPr/>
         </p:nvSpPr>
@@ -25259,7 +25992,7 @@
       </p:sp>
       <p:sp>
         <p:nvSpPr>
-          <p:cNvPr id="189" name="Google Shape;189;p36"/>
+          <p:cNvPr id="192" name="Google Shape;192;p37"/>
           <p:cNvSpPr txBox="1"/>
           <p:nvPr/>
         </p:nvSpPr>
@@ -25439,7 +26172,7 @@
       </p:sp>
       <p:pic>
         <p:nvPicPr>
-          <p:cNvPr id="190" name="Google Shape;190;p36"/>
+          <p:cNvPr id="193" name="Google Shape;193;p37"/>
           <p:cNvPicPr preferRelativeResize="0"/>
           <p:nvPr/>
         </p:nvPicPr>
@@ -25466,7 +26199,7 @@
       </p:pic>
       <p:sp>
         <p:nvSpPr>
-          <p:cNvPr id="191" name="Google Shape;191;p36"/>
+          <p:cNvPr id="194" name="Google Shape;194;p37"/>
           <p:cNvSpPr/>
           <p:nvPr/>
         </p:nvSpPr>
@@ -25509,7 +26242,7 @@
       </p:sp>
       <p:pic>
         <p:nvPicPr>
-          <p:cNvPr id="192" name="Google Shape;192;p36"/>
+          <p:cNvPr id="195" name="Google Shape;195;p37"/>
           <p:cNvPicPr preferRelativeResize="0"/>
           <p:nvPr/>
         </p:nvPicPr>
@@ -25537,7 +26270,7 @@
       </p:pic>
       <p:sp>
         <p:nvSpPr>
-          <p:cNvPr id="193" name="Google Shape;193;p36"/>
+          <p:cNvPr id="196" name="Google Shape;196;p37"/>
           <p:cNvSpPr txBox="1"/>
           <p:nvPr/>
         </p:nvSpPr>
@@ -25589,7 +26322,7 @@
       </p:sp>
       <p:sp>
         <p:nvSpPr>
-          <p:cNvPr id="194" name="Google Shape;194;p36"/>
+          <p:cNvPr id="197" name="Google Shape;197;p37"/>
           <p:cNvSpPr txBox="1"/>
           <p:nvPr/>
         </p:nvSpPr>
